--- a/Assignments/Assignment03/Docs/Townes_SOC6100_Assignment03_PathModel_Diagram_v00.pptx
+++ b/Assignments/Assignment03/Docs/Townes_SOC6100_Assignment03_PathModel_Diagram_v00.pptx
@@ -6,6 +6,7 @@
   </p:sldMasterIdLst>
   <p:sldIdLst>
     <p:sldId id="256" r:id="rId2"/>
+    <p:sldId id="257" r:id="rId3"/>
   </p:sldIdLst>
   <p:sldSz cx="9144000" cy="5715000" type="screen16x10"/>
   <p:notesSz cx="7010400" cy="9296400"/>
@@ -288,7 +289,7 @@
           <a:p>
             <a:fld id="{BF30DF70-5848-4672-8949-A08F2F452BE1}" type="datetimeFigureOut">
               <a:rPr lang="en-US" smtClean="0"/>
-              <a:t>10/17/2018</a:t>
+              <a:t>10/23/2018</a:t>
             </a:fld>
             <a:endParaRPr lang="en-US"/>
           </a:p>
@@ -458,7 +459,7 @@
           <a:p>
             <a:fld id="{BF30DF70-5848-4672-8949-A08F2F452BE1}" type="datetimeFigureOut">
               <a:rPr lang="en-US" smtClean="0"/>
-              <a:t>10/17/2018</a:t>
+              <a:t>10/23/2018</a:t>
             </a:fld>
             <a:endParaRPr lang="en-US"/>
           </a:p>
@@ -638,7 +639,7 @@
           <a:p>
             <a:fld id="{BF30DF70-5848-4672-8949-A08F2F452BE1}" type="datetimeFigureOut">
               <a:rPr lang="en-US" smtClean="0"/>
-              <a:t>10/17/2018</a:t>
+              <a:t>10/23/2018</a:t>
             </a:fld>
             <a:endParaRPr lang="en-US"/>
           </a:p>
@@ -808,7 +809,7 @@
           <a:p>
             <a:fld id="{BF30DF70-5848-4672-8949-A08F2F452BE1}" type="datetimeFigureOut">
               <a:rPr lang="en-US" smtClean="0"/>
-              <a:t>10/17/2018</a:t>
+              <a:t>10/23/2018</a:t>
             </a:fld>
             <a:endParaRPr lang="en-US"/>
           </a:p>
@@ -1054,7 +1055,7 @@
           <a:p>
             <a:fld id="{BF30DF70-5848-4672-8949-A08F2F452BE1}" type="datetimeFigureOut">
               <a:rPr lang="en-US" smtClean="0"/>
-              <a:t>10/17/2018</a:t>
+              <a:t>10/23/2018</a:t>
             </a:fld>
             <a:endParaRPr lang="en-US"/>
           </a:p>
@@ -1342,7 +1343,7 @@
           <a:p>
             <a:fld id="{BF30DF70-5848-4672-8949-A08F2F452BE1}" type="datetimeFigureOut">
               <a:rPr lang="en-US" smtClean="0"/>
-              <a:t>10/17/2018</a:t>
+              <a:t>10/23/2018</a:t>
             </a:fld>
             <a:endParaRPr lang="en-US"/>
           </a:p>
@@ -1769,7 +1770,7 @@
           <a:p>
             <a:fld id="{BF30DF70-5848-4672-8949-A08F2F452BE1}" type="datetimeFigureOut">
               <a:rPr lang="en-US" smtClean="0"/>
-              <a:t>10/17/2018</a:t>
+              <a:t>10/23/2018</a:t>
             </a:fld>
             <a:endParaRPr lang="en-US"/>
           </a:p>
@@ -1887,7 +1888,7 @@
           <a:p>
             <a:fld id="{BF30DF70-5848-4672-8949-A08F2F452BE1}" type="datetimeFigureOut">
               <a:rPr lang="en-US" smtClean="0"/>
-              <a:t>10/17/2018</a:t>
+              <a:t>10/23/2018</a:t>
             </a:fld>
             <a:endParaRPr lang="en-US"/>
           </a:p>
@@ -1982,7 +1983,7 @@
           <a:p>
             <a:fld id="{BF30DF70-5848-4672-8949-A08F2F452BE1}" type="datetimeFigureOut">
               <a:rPr lang="en-US" smtClean="0"/>
-              <a:t>10/17/2018</a:t>
+              <a:t>10/23/2018</a:t>
             </a:fld>
             <a:endParaRPr lang="en-US"/>
           </a:p>
@@ -2259,7 +2260,7 @@
           <a:p>
             <a:fld id="{BF30DF70-5848-4672-8949-A08F2F452BE1}" type="datetimeFigureOut">
               <a:rPr lang="en-US" smtClean="0"/>
-              <a:t>10/17/2018</a:t>
+              <a:t>10/23/2018</a:t>
             </a:fld>
             <a:endParaRPr lang="en-US"/>
           </a:p>
@@ -2512,7 +2513,7 @@
           <a:p>
             <a:fld id="{BF30DF70-5848-4672-8949-A08F2F452BE1}" type="datetimeFigureOut">
               <a:rPr lang="en-US" smtClean="0"/>
-              <a:t>10/17/2018</a:t>
+              <a:t>10/23/2018</a:t>
             </a:fld>
             <a:endParaRPr lang="en-US"/>
           </a:p>
@@ -2725,7 +2726,7 @@
           <a:p>
             <a:fld id="{BF30DF70-5848-4672-8949-A08F2F452BE1}" type="datetimeFigureOut">
               <a:rPr lang="en-US" smtClean="0"/>
-              <a:t>10/17/2018</a:t>
+              <a:t>10/23/2018</a:t>
             </a:fld>
             <a:endParaRPr lang="en-US"/>
           </a:p>
@@ -3108,7 +3109,7 @@
         </p:nvSpPr>
         <p:spPr>
           <a:xfrm>
-            <a:off x="7696200" y="2628900"/>
+            <a:off x="6781800" y="2628900"/>
             <a:ext cx="1371600" cy="457200"/>
           </a:xfrm>
           <a:prstGeom prst="roundRect">
@@ -3137,8 +3138,8 @@
           <a:p>
             <a:pPr algn="ctr"/>
             <a:r>
-              <a:rPr lang="en-US" dirty="0" smtClean="0"/>
-              <a:t>CRECEIVE</a:t>
+              <a:rPr lang="en-US" dirty="0" err="1" smtClean="0"/>
+              <a:t>CRECEIVEtr</a:t>
             </a:r>
             <a:endParaRPr lang="en-US" dirty="0"/>
           </a:p>
@@ -3152,7 +3153,7 @@
         </p:nvSpPr>
         <p:spPr>
           <a:xfrm>
-            <a:off x="2743200" y="2628900"/>
+            <a:off x="4343400" y="2628900"/>
             <a:ext cx="1371600" cy="457200"/>
           </a:xfrm>
           <a:prstGeom prst="roundRect">
@@ -3196,7 +3197,7 @@
         </p:nvSpPr>
         <p:spPr>
           <a:xfrm>
-            <a:off x="152400" y="3924300"/>
+            <a:off x="1143000" y="4533900"/>
             <a:ext cx="1371600" cy="457200"/>
           </a:xfrm>
           <a:prstGeom prst="roundRect">
@@ -3240,7 +3241,7 @@
         </p:nvSpPr>
         <p:spPr>
           <a:xfrm>
-            <a:off x="152400" y="1333500"/>
+            <a:off x="1143000" y="800100"/>
             <a:ext cx="1371600" cy="457200"/>
           </a:xfrm>
           <a:prstGeom prst="roundRect">
@@ -3284,7 +3285,7 @@
         </p:nvSpPr>
         <p:spPr>
           <a:xfrm>
-            <a:off x="5257800" y="1943100"/>
+            <a:off x="4343400" y="1638300"/>
             <a:ext cx="1371600" cy="457200"/>
           </a:xfrm>
           <a:prstGeom prst="roundRect">
@@ -3328,7 +3329,7 @@
         </p:nvSpPr>
         <p:spPr>
           <a:xfrm>
-            <a:off x="5257800" y="3390900"/>
+            <a:off x="4343400" y="3695700"/>
             <a:ext cx="1371600" cy="457200"/>
           </a:xfrm>
           <a:prstGeom prst="roundRect">
@@ -3375,164 +3376,8 @@
         </p:nvCxnSpPr>
         <p:spPr>
           <a:xfrm>
-            <a:off x="4114800" y="2857500"/>
-            <a:ext cx="3581400" cy="0"/>
-          </a:xfrm>
-          <a:prstGeom prst="straightConnector1">
-            <a:avLst/>
-          </a:prstGeom>
-          <a:ln w="25400">
-            <a:solidFill>
-              <a:schemeClr val="tx1"/>
-            </a:solidFill>
-            <a:tailEnd type="triangle" w="lg" len="lg"/>
-          </a:ln>
-        </p:spPr>
-        <p:style>
-          <a:lnRef idx="1">
-            <a:schemeClr val="accent1"/>
-          </a:lnRef>
-          <a:fillRef idx="0">
-            <a:schemeClr val="accent1"/>
-          </a:fillRef>
-          <a:effectRef idx="0">
-            <a:schemeClr val="accent1"/>
-          </a:effectRef>
-          <a:fontRef idx="minor">
-            <a:schemeClr val="tx1"/>
-          </a:fontRef>
-        </p:style>
-      </p:cxnSp>
-      <p:cxnSp>
-        <p:nvCxnSpPr>
-          <p:cNvPr id="13" name="Straight Arrow Connector 12"/>
-          <p:cNvCxnSpPr>
-            <a:stCxn id="7" idx="3"/>
-            <a:endCxn id="5" idx="1"/>
-          </p:cNvCxnSpPr>
-          <p:nvPr/>
-        </p:nvCxnSpPr>
-        <p:spPr>
-          <a:xfrm>
-            <a:off x="1524000" y="1562100"/>
-            <a:ext cx="1219200" cy="1295400"/>
-          </a:xfrm>
-          <a:prstGeom prst="straightConnector1">
-            <a:avLst/>
-          </a:prstGeom>
-          <a:ln w="25400">
-            <a:solidFill>
-              <a:schemeClr val="tx1"/>
-            </a:solidFill>
-            <a:tailEnd type="triangle" w="lg" len="lg"/>
-          </a:ln>
-        </p:spPr>
-        <p:style>
-          <a:lnRef idx="1">
-            <a:schemeClr val="accent1"/>
-          </a:lnRef>
-          <a:fillRef idx="0">
-            <a:schemeClr val="accent1"/>
-          </a:fillRef>
-          <a:effectRef idx="0">
-            <a:schemeClr val="accent1"/>
-          </a:effectRef>
-          <a:fontRef idx="minor">
-            <a:schemeClr val="tx1"/>
-          </a:fontRef>
-        </p:style>
-      </p:cxnSp>
-      <p:cxnSp>
-        <p:nvCxnSpPr>
-          <p:cNvPr id="15" name="Straight Arrow Connector 14"/>
-          <p:cNvCxnSpPr>
-            <a:stCxn id="6" idx="3"/>
-            <a:endCxn id="5" idx="1"/>
-          </p:cNvCxnSpPr>
-          <p:nvPr/>
-        </p:nvCxnSpPr>
-        <p:spPr>
-          <a:xfrm flipV="1">
-            <a:off x="1524000" y="2857500"/>
-            <a:ext cx="1219200" cy="1295400"/>
-          </a:xfrm>
-          <a:prstGeom prst="straightConnector1">
-            <a:avLst/>
-          </a:prstGeom>
-          <a:ln w="25400">
-            <a:solidFill>
-              <a:schemeClr val="tx1"/>
-            </a:solidFill>
-            <a:tailEnd type="triangle" w="lg" len="lg"/>
-          </a:ln>
-        </p:spPr>
-        <p:style>
-          <a:lnRef idx="1">
-            <a:schemeClr val="accent1"/>
-          </a:lnRef>
-          <a:fillRef idx="0">
-            <a:schemeClr val="accent1"/>
-          </a:fillRef>
-          <a:effectRef idx="0">
-            <a:schemeClr val="accent1"/>
-          </a:effectRef>
-          <a:fontRef idx="minor">
-            <a:schemeClr val="tx1"/>
-          </a:fontRef>
-        </p:style>
-      </p:cxnSp>
-      <p:cxnSp>
-        <p:nvCxnSpPr>
-          <p:cNvPr id="17" name="Straight Arrow Connector 16"/>
-          <p:cNvCxnSpPr>
-            <a:stCxn id="5" idx="3"/>
-            <a:endCxn id="8" idx="1"/>
-          </p:cNvCxnSpPr>
-          <p:nvPr/>
-        </p:nvCxnSpPr>
-        <p:spPr>
-          <a:xfrm flipV="1">
-            <a:off x="4114800" y="2171700"/>
-            <a:ext cx="1143000" cy="685800"/>
-          </a:xfrm>
-          <a:prstGeom prst="straightConnector1">
-            <a:avLst/>
-          </a:prstGeom>
-          <a:ln w="25400">
-            <a:solidFill>
-              <a:schemeClr val="tx1"/>
-            </a:solidFill>
-            <a:tailEnd type="triangle" w="lg" len="lg"/>
-          </a:ln>
-        </p:spPr>
-        <p:style>
-          <a:lnRef idx="1">
-            <a:schemeClr val="accent1"/>
-          </a:lnRef>
-          <a:fillRef idx="0">
-            <a:schemeClr val="accent1"/>
-          </a:fillRef>
-          <a:effectRef idx="0">
-            <a:schemeClr val="accent1"/>
-          </a:effectRef>
-          <a:fontRef idx="minor">
-            <a:schemeClr val="tx1"/>
-          </a:fontRef>
-        </p:style>
-      </p:cxnSp>
-      <p:cxnSp>
-        <p:nvCxnSpPr>
-          <p:cNvPr id="19" name="Straight Arrow Connector 18"/>
-          <p:cNvCxnSpPr>
-            <a:stCxn id="5" idx="3"/>
-            <a:endCxn id="9" idx="1"/>
-          </p:cNvCxnSpPr>
-          <p:nvPr/>
-        </p:nvCxnSpPr>
-        <p:spPr>
-          <a:xfrm>
-            <a:off x="4114800" y="2857500"/>
-            <a:ext cx="1143000" cy="762000"/>
+            <a:off x="5715000" y="2857500"/>
+            <a:ext cx="1066800" cy="0"/>
           </a:xfrm>
           <a:prstGeom prst="straightConnector1">
             <a:avLst/>
@@ -3570,8 +3415,8 @@
         </p:nvCxnSpPr>
         <p:spPr>
           <a:xfrm flipV="1">
-            <a:off x="6629400" y="2857500"/>
-            <a:ext cx="1066800" cy="762000"/>
+            <a:off x="5715000" y="2857500"/>
+            <a:ext cx="1066800" cy="1066800"/>
           </a:xfrm>
           <a:prstGeom prst="straightConnector1">
             <a:avLst/>
@@ -3609,8 +3454,8 @@
         </p:nvCxnSpPr>
         <p:spPr>
           <a:xfrm>
-            <a:off x="6629400" y="2171700"/>
-            <a:ext cx="1066800" cy="685800"/>
+            <a:off x="5715000" y="1866900"/>
+            <a:ext cx="1066800" cy="990600"/>
           </a:xfrm>
           <a:prstGeom prst="straightConnector1">
             <a:avLst/>
@@ -3648,8 +3493,8 @@
         </p:nvCxnSpPr>
         <p:spPr>
           <a:xfrm>
-            <a:off x="1524000" y="1562100"/>
-            <a:ext cx="6858000" cy="1066800"/>
+            <a:off x="2514600" y="1028700"/>
+            <a:ext cx="4953000" cy="1600200"/>
           </a:xfrm>
           <a:prstGeom prst="bentConnector2">
             <a:avLst/>
@@ -3687,8 +3532,8 @@
         </p:nvCxnSpPr>
         <p:spPr>
           <a:xfrm flipV="1">
-            <a:off x="1524000" y="3086100"/>
-            <a:ext cx="6858000" cy="1066800"/>
+            <a:off x="2514600" y="3086100"/>
+            <a:ext cx="4953000" cy="1676400"/>
           </a:xfrm>
           <a:prstGeom prst="bentConnector2">
             <a:avLst/>
@@ -3726,8 +3571,164 @@
         </p:nvCxnSpPr>
         <p:spPr>
           <a:xfrm flipV="1">
-            <a:off x="838200" y="1790700"/>
-            <a:ext cx="0" cy="2133600"/>
+            <a:off x="1828800" y="1257300"/>
+            <a:ext cx="0" cy="3276600"/>
+          </a:xfrm>
+          <a:prstGeom prst="straightConnector1">
+            <a:avLst/>
+          </a:prstGeom>
+          <a:ln w="25400">
+            <a:solidFill>
+              <a:schemeClr val="tx1"/>
+            </a:solidFill>
+            <a:tailEnd type="triangle" w="lg" len="lg"/>
+          </a:ln>
+        </p:spPr>
+        <p:style>
+          <a:lnRef idx="1">
+            <a:schemeClr val="accent1"/>
+          </a:lnRef>
+          <a:fillRef idx="0">
+            <a:schemeClr val="accent1"/>
+          </a:fillRef>
+          <a:effectRef idx="0">
+            <a:schemeClr val="accent1"/>
+          </a:effectRef>
+          <a:fontRef idx="minor">
+            <a:schemeClr val="tx1"/>
+          </a:fontRef>
+        </p:style>
+      </p:cxnSp>
+      <p:cxnSp>
+        <p:nvCxnSpPr>
+          <p:cNvPr id="22" name="Straight Arrow Connector 21"/>
+          <p:cNvCxnSpPr>
+            <a:stCxn id="7" idx="3"/>
+            <a:endCxn id="5" idx="1"/>
+          </p:cNvCxnSpPr>
+          <p:nvPr/>
+        </p:nvCxnSpPr>
+        <p:spPr>
+          <a:xfrm>
+            <a:off x="2514600" y="1028700"/>
+            <a:ext cx="1828800" cy="1828800"/>
+          </a:xfrm>
+          <a:prstGeom prst="straightConnector1">
+            <a:avLst/>
+          </a:prstGeom>
+          <a:ln w="25400">
+            <a:solidFill>
+              <a:schemeClr val="tx1"/>
+            </a:solidFill>
+            <a:tailEnd type="triangle" w="lg" len="lg"/>
+          </a:ln>
+        </p:spPr>
+        <p:style>
+          <a:lnRef idx="1">
+            <a:schemeClr val="accent1"/>
+          </a:lnRef>
+          <a:fillRef idx="0">
+            <a:schemeClr val="accent1"/>
+          </a:fillRef>
+          <a:effectRef idx="0">
+            <a:schemeClr val="accent1"/>
+          </a:effectRef>
+          <a:fontRef idx="minor">
+            <a:schemeClr val="tx1"/>
+          </a:fontRef>
+        </p:style>
+      </p:cxnSp>
+      <p:cxnSp>
+        <p:nvCxnSpPr>
+          <p:cNvPr id="26" name="Straight Arrow Connector 25"/>
+          <p:cNvCxnSpPr>
+            <a:stCxn id="6" idx="3"/>
+            <a:endCxn id="5" idx="1"/>
+          </p:cNvCxnSpPr>
+          <p:nvPr/>
+        </p:nvCxnSpPr>
+        <p:spPr>
+          <a:xfrm flipV="1">
+            <a:off x="2514600" y="2857500"/>
+            <a:ext cx="1828800" cy="1905000"/>
+          </a:xfrm>
+          <a:prstGeom prst="straightConnector1">
+            <a:avLst/>
+          </a:prstGeom>
+          <a:ln w="25400">
+            <a:solidFill>
+              <a:schemeClr val="tx1"/>
+            </a:solidFill>
+            <a:tailEnd type="triangle" w="lg" len="lg"/>
+          </a:ln>
+        </p:spPr>
+        <p:style>
+          <a:lnRef idx="1">
+            <a:schemeClr val="accent1"/>
+          </a:lnRef>
+          <a:fillRef idx="0">
+            <a:schemeClr val="accent1"/>
+          </a:fillRef>
+          <a:effectRef idx="0">
+            <a:schemeClr val="accent1"/>
+          </a:effectRef>
+          <a:fontRef idx="minor">
+            <a:schemeClr val="tx1"/>
+          </a:fontRef>
+        </p:style>
+      </p:cxnSp>
+      <p:cxnSp>
+        <p:nvCxnSpPr>
+          <p:cNvPr id="30" name="Straight Arrow Connector 29"/>
+          <p:cNvCxnSpPr>
+            <a:stCxn id="8" idx="2"/>
+            <a:endCxn id="5" idx="0"/>
+          </p:cNvCxnSpPr>
+          <p:nvPr/>
+        </p:nvCxnSpPr>
+        <p:spPr>
+          <a:xfrm>
+            <a:off x="5029200" y="2095500"/>
+            <a:ext cx="0" cy="533400"/>
+          </a:xfrm>
+          <a:prstGeom prst="straightConnector1">
+            <a:avLst/>
+          </a:prstGeom>
+          <a:ln w="25400">
+            <a:solidFill>
+              <a:schemeClr val="tx1"/>
+            </a:solidFill>
+            <a:tailEnd type="triangle" w="lg" len="lg"/>
+          </a:ln>
+        </p:spPr>
+        <p:style>
+          <a:lnRef idx="1">
+            <a:schemeClr val="accent1"/>
+          </a:lnRef>
+          <a:fillRef idx="0">
+            <a:schemeClr val="accent1"/>
+          </a:fillRef>
+          <a:effectRef idx="0">
+            <a:schemeClr val="accent1"/>
+          </a:effectRef>
+          <a:fontRef idx="minor">
+            <a:schemeClr val="tx1"/>
+          </a:fontRef>
+        </p:style>
+      </p:cxnSp>
+      <p:cxnSp>
+        <p:nvCxnSpPr>
+          <p:cNvPr id="32" name="Straight Arrow Connector 31"/>
+          <p:cNvCxnSpPr>
+            <a:stCxn id="9" idx="0"/>
+            <a:endCxn id="5" idx="2"/>
+          </p:cNvCxnSpPr>
+          <p:nvPr/>
+        </p:nvCxnSpPr>
+        <p:spPr>
+          <a:xfrm flipV="1">
+            <a:off x="5029200" y="3086100"/>
+            <a:ext cx="0" cy="609600"/>
           </a:xfrm>
           <a:prstGeom prst="straightConnector1">
             <a:avLst/>
@@ -3758,6 +3759,1020 @@
     <p:extLst>
       <p:ext uri="{BB962C8B-B14F-4D97-AF65-F5344CB8AC3E}">
         <p14:creationId xmlns:p14="http://schemas.microsoft.com/office/powerpoint/2010/main" val="2449230172"/>
+      </p:ext>
+    </p:extLst>
+  </p:cSld>
+  <p:clrMapOvr>
+    <a:masterClrMapping/>
+  </p:clrMapOvr>
+</p:sld>
+</file>
+
+<file path=ppt/slides/slide2.xml><?xml version="1.0" encoding="utf-8"?>
+<p:sld xmlns:a="http://schemas.openxmlformats.org/drawingml/2006/main" xmlns:r="http://schemas.openxmlformats.org/officeDocument/2006/relationships" xmlns:p="http://schemas.openxmlformats.org/presentationml/2006/main">
+  <p:cSld>
+    <p:spTree>
+      <p:nvGrpSpPr>
+        <p:cNvPr id="1" name=""/>
+        <p:cNvGrpSpPr/>
+        <p:nvPr/>
+      </p:nvGrpSpPr>
+      <p:grpSpPr>
+        <a:xfrm>
+          <a:off x="0" y="0"/>
+          <a:ext cx="0" cy="0"/>
+          <a:chOff x="0" y="0"/>
+          <a:chExt cx="0" cy="0"/>
+        </a:xfrm>
+      </p:grpSpPr>
+      <p:sp>
+        <p:nvSpPr>
+          <p:cNvPr id="4" name="Rounded Rectangle 3"/>
+          <p:cNvSpPr/>
+          <p:nvPr/>
+        </p:nvSpPr>
+        <p:spPr>
+          <a:xfrm>
+            <a:off x="6781800" y="2628900"/>
+            <a:ext cx="1371600" cy="457200"/>
+          </a:xfrm>
+          <a:prstGeom prst="roundRect">
+            <a:avLst/>
+          </a:prstGeom>
+        </p:spPr>
+        <p:style>
+          <a:lnRef idx="2">
+            <a:schemeClr val="accent1">
+              <a:shade val="50000"/>
+            </a:schemeClr>
+          </a:lnRef>
+          <a:fillRef idx="1">
+            <a:schemeClr val="accent1"/>
+          </a:fillRef>
+          <a:effectRef idx="0">
+            <a:schemeClr val="accent1"/>
+          </a:effectRef>
+          <a:fontRef idx="minor">
+            <a:schemeClr val="lt1"/>
+          </a:fontRef>
+        </p:style>
+        <p:txBody>
+          <a:bodyPr rtlCol="0" anchor="ctr"/>
+          <a:lstStyle/>
+          <a:p>
+            <a:pPr algn="ctr"/>
+            <a:r>
+              <a:rPr lang="en-US" dirty="0" err="1" smtClean="0"/>
+              <a:t>CRECEIVEtr</a:t>
+            </a:r>
+            <a:endParaRPr lang="en-US" dirty="0"/>
+          </a:p>
+        </p:txBody>
+      </p:sp>
+      <p:sp>
+        <p:nvSpPr>
+          <p:cNvPr id="5" name="Rounded Rectangle 4"/>
+          <p:cNvSpPr/>
+          <p:nvPr/>
+        </p:nvSpPr>
+        <p:spPr>
+          <a:xfrm>
+            <a:off x="4343400" y="2628900"/>
+            <a:ext cx="1371600" cy="457200"/>
+          </a:xfrm>
+          <a:prstGeom prst="roundRect">
+            <a:avLst/>
+          </a:prstGeom>
+        </p:spPr>
+        <p:style>
+          <a:lnRef idx="2">
+            <a:schemeClr val="accent1">
+              <a:shade val="50000"/>
+            </a:schemeClr>
+          </a:lnRef>
+          <a:fillRef idx="1">
+            <a:schemeClr val="accent1"/>
+          </a:fillRef>
+          <a:effectRef idx="0">
+            <a:schemeClr val="accent1"/>
+          </a:effectRef>
+          <a:fontRef idx="minor">
+            <a:schemeClr val="lt1"/>
+          </a:fontRef>
+        </p:style>
+        <p:txBody>
+          <a:bodyPr rtlCol="0" anchor="ctr"/>
+          <a:lstStyle/>
+          <a:p>
+            <a:pPr algn="ctr"/>
+            <a:r>
+              <a:rPr lang="en-US" dirty="0" smtClean="0"/>
+              <a:t>CLAIMS</a:t>
+            </a:r>
+            <a:endParaRPr lang="en-US" dirty="0"/>
+          </a:p>
+        </p:txBody>
+      </p:sp>
+      <p:sp>
+        <p:nvSpPr>
+          <p:cNvPr id="6" name="Rounded Rectangle 5"/>
+          <p:cNvSpPr/>
+          <p:nvPr/>
+        </p:nvSpPr>
+        <p:spPr>
+          <a:xfrm>
+            <a:off x="1143000" y="4533900"/>
+            <a:ext cx="1371600" cy="457200"/>
+          </a:xfrm>
+          <a:prstGeom prst="roundRect">
+            <a:avLst/>
+          </a:prstGeom>
+        </p:spPr>
+        <p:style>
+          <a:lnRef idx="2">
+            <a:schemeClr val="accent1">
+              <a:shade val="50000"/>
+            </a:schemeClr>
+          </a:lnRef>
+          <a:fillRef idx="1">
+            <a:schemeClr val="accent1"/>
+          </a:fillRef>
+          <a:effectRef idx="0">
+            <a:schemeClr val="accent1"/>
+          </a:effectRef>
+          <a:fontRef idx="minor">
+            <a:schemeClr val="lt1"/>
+          </a:fontRef>
+        </p:style>
+        <p:txBody>
+          <a:bodyPr rtlCol="0" anchor="ctr"/>
+          <a:lstStyle/>
+          <a:p>
+            <a:pPr algn="ctr"/>
+            <a:r>
+              <a:rPr lang="en-US" dirty="0" smtClean="0"/>
+              <a:t>ORIGINAL</a:t>
+            </a:r>
+            <a:endParaRPr lang="en-US" dirty="0"/>
+          </a:p>
+        </p:txBody>
+      </p:sp>
+      <p:sp>
+        <p:nvSpPr>
+          <p:cNvPr id="7" name="Rounded Rectangle 6"/>
+          <p:cNvSpPr/>
+          <p:nvPr/>
+        </p:nvSpPr>
+        <p:spPr>
+          <a:xfrm>
+            <a:off x="1143000" y="800100"/>
+            <a:ext cx="1371600" cy="457200"/>
+          </a:xfrm>
+          <a:prstGeom prst="roundRect">
+            <a:avLst/>
+          </a:prstGeom>
+        </p:spPr>
+        <p:style>
+          <a:lnRef idx="2">
+            <a:schemeClr val="accent1">
+              <a:shade val="50000"/>
+            </a:schemeClr>
+          </a:lnRef>
+          <a:fillRef idx="1">
+            <a:schemeClr val="accent1"/>
+          </a:fillRef>
+          <a:effectRef idx="0">
+            <a:schemeClr val="accent1"/>
+          </a:effectRef>
+          <a:fontRef idx="minor">
+            <a:schemeClr val="lt1"/>
+          </a:fontRef>
+        </p:style>
+        <p:txBody>
+          <a:bodyPr rtlCol="0" anchor="ctr"/>
+          <a:lstStyle/>
+          <a:p>
+            <a:pPr algn="ctr"/>
+            <a:r>
+              <a:rPr lang="en-US" dirty="0" smtClean="0"/>
+              <a:t>GENERAL</a:t>
+            </a:r>
+            <a:endParaRPr lang="en-US" dirty="0"/>
+          </a:p>
+        </p:txBody>
+      </p:sp>
+      <p:sp>
+        <p:nvSpPr>
+          <p:cNvPr id="8" name="Rounded Rectangle 7"/>
+          <p:cNvSpPr/>
+          <p:nvPr/>
+        </p:nvSpPr>
+        <p:spPr>
+          <a:xfrm>
+            <a:off x="4343400" y="1638300"/>
+            <a:ext cx="1371600" cy="457200"/>
+          </a:xfrm>
+          <a:prstGeom prst="roundRect">
+            <a:avLst/>
+          </a:prstGeom>
+        </p:spPr>
+        <p:style>
+          <a:lnRef idx="2">
+            <a:schemeClr val="accent1">
+              <a:shade val="50000"/>
+            </a:schemeClr>
+          </a:lnRef>
+          <a:fillRef idx="1">
+            <a:schemeClr val="accent1"/>
+          </a:fillRef>
+          <a:effectRef idx="0">
+            <a:schemeClr val="accent1"/>
+          </a:effectRef>
+          <a:fontRef idx="minor">
+            <a:schemeClr val="lt1"/>
+          </a:fontRef>
+        </p:style>
+        <p:txBody>
+          <a:bodyPr rtlCol="0" anchor="ctr"/>
+          <a:lstStyle/>
+          <a:p>
+            <a:pPr algn="ctr"/>
+            <a:r>
+              <a:rPr lang="en-US" dirty="0" smtClean="0"/>
+              <a:t>GYEAR</a:t>
+            </a:r>
+            <a:endParaRPr lang="en-US" dirty="0"/>
+          </a:p>
+        </p:txBody>
+      </p:sp>
+      <p:sp>
+        <p:nvSpPr>
+          <p:cNvPr id="9" name="Rounded Rectangle 8"/>
+          <p:cNvSpPr/>
+          <p:nvPr/>
+        </p:nvSpPr>
+        <p:spPr>
+          <a:xfrm>
+            <a:off x="4343400" y="3695700"/>
+            <a:ext cx="1371600" cy="457200"/>
+          </a:xfrm>
+          <a:prstGeom prst="roundRect">
+            <a:avLst/>
+          </a:prstGeom>
+        </p:spPr>
+        <p:style>
+          <a:lnRef idx="2">
+            <a:schemeClr val="accent1">
+              <a:shade val="50000"/>
+            </a:schemeClr>
+          </a:lnRef>
+          <a:fillRef idx="1">
+            <a:schemeClr val="accent1"/>
+          </a:fillRef>
+          <a:effectRef idx="0">
+            <a:schemeClr val="accent1"/>
+          </a:effectRef>
+          <a:fontRef idx="minor">
+            <a:schemeClr val="lt1"/>
+          </a:fontRef>
+        </p:style>
+        <p:txBody>
+          <a:bodyPr rtlCol="0" anchor="ctr"/>
+          <a:lstStyle/>
+          <a:p>
+            <a:pPr algn="ctr"/>
+            <a:r>
+              <a:rPr lang="en-US" dirty="0" smtClean="0"/>
+              <a:t>RATIOCIT</a:t>
+            </a:r>
+            <a:endParaRPr lang="en-US" dirty="0"/>
+          </a:p>
+        </p:txBody>
+      </p:sp>
+      <p:cxnSp>
+        <p:nvCxnSpPr>
+          <p:cNvPr id="11" name="Straight Arrow Connector 10"/>
+          <p:cNvCxnSpPr>
+            <a:stCxn id="5" idx="3"/>
+            <a:endCxn id="4" idx="1"/>
+          </p:cNvCxnSpPr>
+          <p:nvPr/>
+        </p:nvCxnSpPr>
+        <p:spPr>
+          <a:xfrm>
+            <a:off x="5715000" y="2857500"/>
+            <a:ext cx="1066800" cy="0"/>
+          </a:xfrm>
+          <a:prstGeom prst="straightConnector1">
+            <a:avLst/>
+          </a:prstGeom>
+          <a:ln w="25400">
+            <a:solidFill>
+              <a:schemeClr val="tx1"/>
+            </a:solidFill>
+            <a:tailEnd type="triangle" w="lg" len="lg"/>
+          </a:ln>
+        </p:spPr>
+        <p:style>
+          <a:lnRef idx="1">
+            <a:schemeClr val="accent1"/>
+          </a:lnRef>
+          <a:fillRef idx="0">
+            <a:schemeClr val="accent1"/>
+          </a:fillRef>
+          <a:effectRef idx="0">
+            <a:schemeClr val="accent1"/>
+          </a:effectRef>
+          <a:fontRef idx="minor">
+            <a:schemeClr val="tx1"/>
+          </a:fontRef>
+        </p:style>
+      </p:cxnSp>
+      <p:cxnSp>
+        <p:nvCxnSpPr>
+          <p:cNvPr id="21" name="Straight Arrow Connector 20"/>
+          <p:cNvCxnSpPr>
+            <a:stCxn id="9" idx="3"/>
+            <a:endCxn id="4" idx="1"/>
+          </p:cNvCxnSpPr>
+          <p:nvPr/>
+        </p:nvCxnSpPr>
+        <p:spPr>
+          <a:xfrm flipV="1">
+            <a:off x="5715000" y="2857500"/>
+            <a:ext cx="1066800" cy="1066800"/>
+          </a:xfrm>
+          <a:prstGeom prst="straightConnector1">
+            <a:avLst/>
+          </a:prstGeom>
+          <a:ln w="25400">
+            <a:solidFill>
+              <a:schemeClr val="tx1"/>
+            </a:solidFill>
+            <a:tailEnd type="triangle" w="lg" len="lg"/>
+          </a:ln>
+        </p:spPr>
+        <p:style>
+          <a:lnRef idx="1">
+            <a:schemeClr val="accent1"/>
+          </a:lnRef>
+          <a:fillRef idx="0">
+            <a:schemeClr val="accent1"/>
+          </a:fillRef>
+          <a:effectRef idx="0">
+            <a:schemeClr val="accent1"/>
+          </a:effectRef>
+          <a:fontRef idx="minor">
+            <a:schemeClr val="tx1"/>
+          </a:fontRef>
+        </p:style>
+      </p:cxnSp>
+      <p:cxnSp>
+        <p:nvCxnSpPr>
+          <p:cNvPr id="23" name="Straight Arrow Connector 22"/>
+          <p:cNvCxnSpPr>
+            <a:stCxn id="8" idx="3"/>
+            <a:endCxn id="4" idx="1"/>
+          </p:cNvCxnSpPr>
+          <p:nvPr/>
+        </p:nvCxnSpPr>
+        <p:spPr>
+          <a:xfrm>
+            <a:off x="5715000" y="1866900"/>
+            <a:ext cx="1066800" cy="990600"/>
+          </a:xfrm>
+          <a:prstGeom prst="straightConnector1">
+            <a:avLst/>
+          </a:prstGeom>
+          <a:ln w="25400">
+            <a:solidFill>
+              <a:schemeClr val="tx1"/>
+            </a:solidFill>
+            <a:tailEnd type="triangle" w="lg" len="lg"/>
+          </a:ln>
+        </p:spPr>
+        <p:style>
+          <a:lnRef idx="1">
+            <a:schemeClr val="accent1"/>
+          </a:lnRef>
+          <a:fillRef idx="0">
+            <a:schemeClr val="accent1"/>
+          </a:fillRef>
+          <a:effectRef idx="0">
+            <a:schemeClr val="accent1"/>
+          </a:effectRef>
+          <a:fontRef idx="minor">
+            <a:schemeClr val="tx1"/>
+          </a:fontRef>
+        </p:style>
+      </p:cxnSp>
+      <p:cxnSp>
+        <p:nvCxnSpPr>
+          <p:cNvPr id="25" name="Elbow Connector 24"/>
+          <p:cNvCxnSpPr>
+            <a:stCxn id="7" idx="3"/>
+            <a:endCxn id="4" idx="0"/>
+          </p:cNvCxnSpPr>
+          <p:nvPr/>
+        </p:nvCxnSpPr>
+        <p:spPr>
+          <a:xfrm>
+            <a:off x="2514600" y="1028700"/>
+            <a:ext cx="4953000" cy="1600200"/>
+          </a:xfrm>
+          <a:prstGeom prst="bentConnector2">
+            <a:avLst/>
+          </a:prstGeom>
+          <a:ln w="25400">
+            <a:solidFill>
+              <a:schemeClr val="tx1"/>
+            </a:solidFill>
+            <a:tailEnd type="triangle" w="lg" len="lg"/>
+          </a:ln>
+        </p:spPr>
+        <p:style>
+          <a:lnRef idx="1">
+            <a:schemeClr val="accent1"/>
+          </a:lnRef>
+          <a:fillRef idx="0">
+            <a:schemeClr val="accent1"/>
+          </a:fillRef>
+          <a:effectRef idx="0">
+            <a:schemeClr val="accent1"/>
+          </a:effectRef>
+          <a:fontRef idx="minor">
+            <a:schemeClr val="tx1"/>
+          </a:fontRef>
+        </p:style>
+      </p:cxnSp>
+      <p:cxnSp>
+        <p:nvCxnSpPr>
+          <p:cNvPr id="27" name="Elbow Connector 26"/>
+          <p:cNvCxnSpPr>
+            <a:stCxn id="6" idx="3"/>
+            <a:endCxn id="4" idx="2"/>
+          </p:cNvCxnSpPr>
+          <p:nvPr/>
+        </p:nvCxnSpPr>
+        <p:spPr>
+          <a:xfrm flipV="1">
+            <a:off x="2514600" y="3086100"/>
+            <a:ext cx="4953000" cy="1676400"/>
+          </a:xfrm>
+          <a:prstGeom prst="bentConnector2">
+            <a:avLst/>
+          </a:prstGeom>
+          <a:ln w="25400">
+            <a:solidFill>
+              <a:schemeClr val="tx1"/>
+            </a:solidFill>
+            <a:tailEnd type="triangle" w="lg" len="lg"/>
+          </a:ln>
+        </p:spPr>
+        <p:style>
+          <a:lnRef idx="1">
+            <a:schemeClr val="accent1"/>
+          </a:lnRef>
+          <a:fillRef idx="0">
+            <a:schemeClr val="accent1"/>
+          </a:fillRef>
+          <a:effectRef idx="0">
+            <a:schemeClr val="accent1"/>
+          </a:effectRef>
+          <a:fontRef idx="minor">
+            <a:schemeClr val="tx1"/>
+          </a:fontRef>
+        </p:style>
+      </p:cxnSp>
+      <p:cxnSp>
+        <p:nvCxnSpPr>
+          <p:cNvPr id="29" name="Straight Arrow Connector 28"/>
+          <p:cNvCxnSpPr>
+            <a:stCxn id="6" idx="0"/>
+            <a:endCxn id="7" idx="2"/>
+          </p:cNvCxnSpPr>
+          <p:nvPr/>
+        </p:nvCxnSpPr>
+        <p:spPr>
+          <a:xfrm flipV="1">
+            <a:off x="1828800" y="1257300"/>
+            <a:ext cx="0" cy="3276600"/>
+          </a:xfrm>
+          <a:prstGeom prst="straightConnector1">
+            <a:avLst/>
+          </a:prstGeom>
+          <a:ln w="25400">
+            <a:solidFill>
+              <a:schemeClr val="tx1"/>
+            </a:solidFill>
+            <a:tailEnd type="triangle" w="lg" len="lg"/>
+          </a:ln>
+        </p:spPr>
+        <p:style>
+          <a:lnRef idx="1">
+            <a:schemeClr val="accent1"/>
+          </a:lnRef>
+          <a:fillRef idx="0">
+            <a:schemeClr val="accent1"/>
+          </a:fillRef>
+          <a:effectRef idx="0">
+            <a:schemeClr val="accent1"/>
+          </a:effectRef>
+          <a:fontRef idx="minor">
+            <a:schemeClr val="tx1"/>
+          </a:fontRef>
+        </p:style>
+      </p:cxnSp>
+      <p:cxnSp>
+        <p:nvCxnSpPr>
+          <p:cNvPr id="22" name="Straight Arrow Connector 21"/>
+          <p:cNvCxnSpPr>
+            <a:stCxn id="7" idx="3"/>
+            <a:endCxn id="5" idx="1"/>
+          </p:cNvCxnSpPr>
+          <p:nvPr/>
+        </p:nvCxnSpPr>
+        <p:spPr>
+          <a:xfrm>
+            <a:off x="2514600" y="1028700"/>
+            <a:ext cx="1828800" cy="1828800"/>
+          </a:xfrm>
+          <a:prstGeom prst="straightConnector1">
+            <a:avLst/>
+          </a:prstGeom>
+          <a:ln w="25400">
+            <a:solidFill>
+              <a:schemeClr val="tx1"/>
+            </a:solidFill>
+            <a:tailEnd type="triangle" w="lg" len="lg"/>
+          </a:ln>
+        </p:spPr>
+        <p:style>
+          <a:lnRef idx="1">
+            <a:schemeClr val="accent1"/>
+          </a:lnRef>
+          <a:fillRef idx="0">
+            <a:schemeClr val="accent1"/>
+          </a:fillRef>
+          <a:effectRef idx="0">
+            <a:schemeClr val="accent1"/>
+          </a:effectRef>
+          <a:fontRef idx="minor">
+            <a:schemeClr val="tx1"/>
+          </a:fontRef>
+        </p:style>
+      </p:cxnSp>
+      <p:cxnSp>
+        <p:nvCxnSpPr>
+          <p:cNvPr id="26" name="Straight Arrow Connector 25"/>
+          <p:cNvCxnSpPr>
+            <a:stCxn id="6" idx="3"/>
+            <a:endCxn id="5" idx="1"/>
+          </p:cNvCxnSpPr>
+          <p:nvPr/>
+        </p:nvCxnSpPr>
+        <p:spPr>
+          <a:xfrm flipV="1">
+            <a:off x="2514600" y="2857500"/>
+            <a:ext cx="1828800" cy="1905000"/>
+          </a:xfrm>
+          <a:prstGeom prst="straightConnector1">
+            <a:avLst/>
+          </a:prstGeom>
+          <a:ln w="25400">
+            <a:solidFill>
+              <a:schemeClr val="tx1"/>
+            </a:solidFill>
+            <a:tailEnd type="triangle" w="lg" len="lg"/>
+          </a:ln>
+        </p:spPr>
+        <p:style>
+          <a:lnRef idx="1">
+            <a:schemeClr val="accent1"/>
+          </a:lnRef>
+          <a:fillRef idx="0">
+            <a:schemeClr val="accent1"/>
+          </a:fillRef>
+          <a:effectRef idx="0">
+            <a:schemeClr val="accent1"/>
+          </a:effectRef>
+          <a:fontRef idx="minor">
+            <a:schemeClr val="tx1"/>
+          </a:fontRef>
+        </p:style>
+      </p:cxnSp>
+      <p:cxnSp>
+        <p:nvCxnSpPr>
+          <p:cNvPr id="30" name="Straight Arrow Connector 29"/>
+          <p:cNvCxnSpPr>
+            <a:stCxn id="8" idx="2"/>
+            <a:endCxn id="5" idx="0"/>
+          </p:cNvCxnSpPr>
+          <p:nvPr/>
+        </p:nvCxnSpPr>
+        <p:spPr>
+          <a:xfrm>
+            <a:off x="5029200" y="2095500"/>
+            <a:ext cx="0" cy="533400"/>
+          </a:xfrm>
+          <a:prstGeom prst="straightConnector1">
+            <a:avLst/>
+          </a:prstGeom>
+          <a:ln w="25400">
+            <a:solidFill>
+              <a:schemeClr val="tx1"/>
+            </a:solidFill>
+            <a:tailEnd type="triangle" w="lg" len="lg"/>
+          </a:ln>
+        </p:spPr>
+        <p:style>
+          <a:lnRef idx="1">
+            <a:schemeClr val="accent1"/>
+          </a:lnRef>
+          <a:fillRef idx="0">
+            <a:schemeClr val="accent1"/>
+          </a:fillRef>
+          <a:effectRef idx="0">
+            <a:schemeClr val="accent1"/>
+          </a:effectRef>
+          <a:fontRef idx="minor">
+            <a:schemeClr val="tx1"/>
+          </a:fontRef>
+        </p:style>
+      </p:cxnSp>
+      <p:cxnSp>
+        <p:nvCxnSpPr>
+          <p:cNvPr id="32" name="Straight Arrow Connector 31"/>
+          <p:cNvCxnSpPr>
+            <a:stCxn id="9" idx="0"/>
+            <a:endCxn id="5" idx="2"/>
+          </p:cNvCxnSpPr>
+          <p:nvPr/>
+        </p:nvCxnSpPr>
+        <p:spPr>
+          <a:xfrm flipV="1">
+            <a:off x="5029200" y="3086100"/>
+            <a:ext cx="0" cy="609600"/>
+          </a:xfrm>
+          <a:prstGeom prst="straightConnector1">
+            <a:avLst/>
+          </a:prstGeom>
+          <a:ln w="25400">
+            <a:solidFill>
+              <a:schemeClr val="tx1"/>
+            </a:solidFill>
+            <a:tailEnd type="triangle" w="lg" len="lg"/>
+          </a:ln>
+        </p:spPr>
+        <p:style>
+          <a:lnRef idx="1">
+            <a:schemeClr val="accent1"/>
+          </a:lnRef>
+          <a:fillRef idx="0">
+            <a:schemeClr val="accent1"/>
+          </a:fillRef>
+          <a:effectRef idx="0">
+            <a:schemeClr val="accent1"/>
+          </a:effectRef>
+          <a:fontRef idx="minor">
+            <a:schemeClr val="tx1"/>
+          </a:fontRef>
+        </p:style>
+      </p:cxnSp>
+      <p:sp>
+        <p:nvSpPr>
+          <p:cNvPr id="2" name="TextBox 1"/>
+          <p:cNvSpPr txBox="1"/>
+          <p:nvPr/>
+        </p:nvSpPr>
+        <p:spPr>
+          <a:xfrm>
+            <a:off x="1097280" y="2672834"/>
+            <a:ext cx="914400" cy="369332"/>
+          </a:xfrm>
+          <a:prstGeom prst="rect">
+            <a:avLst/>
+          </a:prstGeom>
+          <a:noFill/>
+        </p:spPr>
+        <p:txBody>
+          <a:bodyPr wrap="square" rtlCol="0">
+            <a:spAutoFit/>
+          </a:bodyPr>
+          <a:lstStyle/>
+          <a:p>
+            <a:r>
+              <a:rPr lang="en-US" dirty="0" smtClean="0"/>
+              <a:t>0.160*</a:t>
+            </a:r>
+            <a:endParaRPr lang="en-US" dirty="0"/>
+          </a:p>
+        </p:txBody>
+      </p:sp>
+      <p:sp>
+        <p:nvSpPr>
+          <p:cNvPr id="19" name="TextBox 18"/>
+          <p:cNvSpPr txBox="1"/>
+          <p:nvPr/>
+        </p:nvSpPr>
+        <p:spPr>
+          <a:xfrm>
+            <a:off x="4572000" y="664167"/>
+            <a:ext cx="914400" cy="369332"/>
+          </a:xfrm>
+          <a:prstGeom prst="rect">
+            <a:avLst/>
+          </a:prstGeom>
+          <a:noFill/>
+        </p:spPr>
+        <p:txBody>
+          <a:bodyPr wrap="square" rtlCol="0">
+            <a:spAutoFit/>
+          </a:bodyPr>
+          <a:lstStyle/>
+          <a:p>
+            <a:r>
+              <a:rPr lang="en-US" dirty="0" smtClean="0"/>
+              <a:t>-0.830*</a:t>
+            </a:r>
+            <a:endParaRPr lang="en-US" dirty="0"/>
+          </a:p>
+        </p:txBody>
+      </p:sp>
+      <p:sp>
+        <p:nvSpPr>
+          <p:cNvPr id="20" name="TextBox 19"/>
+          <p:cNvSpPr txBox="1"/>
+          <p:nvPr/>
+        </p:nvSpPr>
+        <p:spPr>
+          <a:xfrm>
+            <a:off x="4610100" y="4760210"/>
+            <a:ext cx="914400" cy="369332"/>
+          </a:xfrm>
+          <a:prstGeom prst="rect">
+            <a:avLst/>
+          </a:prstGeom>
+          <a:noFill/>
+        </p:spPr>
+        <p:txBody>
+          <a:bodyPr wrap="square" rtlCol="0">
+            <a:spAutoFit/>
+          </a:bodyPr>
+          <a:lstStyle/>
+          <a:p>
+            <a:r>
+              <a:rPr lang="en-US" dirty="0" smtClean="0"/>
+              <a:t>0.120*</a:t>
+            </a:r>
+            <a:endParaRPr lang="en-US" dirty="0"/>
+          </a:p>
+        </p:txBody>
+      </p:sp>
+      <p:sp>
+        <p:nvSpPr>
+          <p:cNvPr id="24" name="TextBox 23"/>
+          <p:cNvSpPr txBox="1"/>
+          <p:nvPr/>
+        </p:nvSpPr>
+        <p:spPr>
+          <a:xfrm>
+            <a:off x="3448493" y="1682234"/>
+            <a:ext cx="914400" cy="369332"/>
+          </a:xfrm>
+          <a:prstGeom prst="rect">
+            <a:avLst/>
+          </a:prstGeom>
+          <a:noFill/>
+        </p:spPr>
+        <p:txBody>
+          <a:bodyPr wrap="square" rtlCol="0">
+            <a:spAutoFit/>
+          </a:bodyPr>
+          <a:lstStyle/>
+          <a:p>
+            <a:r>
+              <a:rPr lang="en-US" dirty="0" smtClean="0"/>
+              <a:t>2.806*</a:t>
+            </a:r>
+            <a:endParaRPr lang="en-US" dirty="0"/>
+          </a:p>
+        </p:txBody>
+      </p:sp>
+      <p:sp>
+        <p:nvSpPr>
+          <p:cNvPr id="28" name="TextBox 27"/>
+          <p:cNvSpPr txBox="1"/>
+          <p:nvPr/>
+        </p:nvSpPr>
+        <p:spPr>
+          <a:xfrm>
+            <a:off x="3448493" y="3751153"/>
+            <a:ext cx="914400" cy="369332"/>
+          </a:xfrm>
+          <a:prstGeom prst="rect">
+            <a:avLst/>
+          </a:prstGeom>
+          <a:noFill/>
+        </p:spPr>
+        <p:txBody>
+          <a:bodyPr wrap="square" rtlCol="0">
+            <a:spAutoFit/>
+          </a:bodyPr>
+          <a:lstStyle/>
+          <a:p>
+            <a:r>
+              <a:rPr lang="en-US" dirty="0" smtClean="0"/>
+              <a:t>4.311*</a:t>
+            </a:r>
+            <a:endParaRPr lang="en-US" dirty="0"/>
+          </a:p>
+        </p:txBody>
+      </p:sp>
+      <p:sp>
+        <p:nvSpPr>
+          <p:cNvPr id="31" name="TextBox 30"/>
+          <p:cNvSpPr txBox="1"/>
+          <p:nvPr/>
+        </p:nvSpPr>
+        <p:spPr>
+          <a:xfrm>
+            <a:off x="5075274" y="2136995"/>
+            <a:ext cx="914400" cy="369332"/>
+          </a:xfrm>
+          <a:prstGeom prst="rect">
+            <a:avLst/>
+          </a:prstGeom>
+          <a:noFill/>
+        </p:spPr>
+        <p:txBody>
+          <a:bodyPr wrap="square" rtlCol="0">
+            <a:spAutoFit/>
+          </a:bodyPr>
+          <a:lstStyle/>
+          <a:p>
+            <a:r>
+              <a:rPr lang="en-US" dirty="0" smtClean="0"/>
+              <a:t>0.505*</a:t>
+            </a:r>
+            <a:endParaRPr lang="en-US" dirty="0"/>
+          </a:p>
+        </p:txBody>
+      </p:sp>
+      <p:sp>
+        <p:nvSpPr>
+          <p:cNvPr id="33" name="TextBox 32"/>
+          <p:cNvSpPr txBox="1"/>
+          <p:nvPr/>
+        </p:nvSpPr>
+        <p:spPr>
+          <a:xfrm>
+            <a:off x="5078818" y="3238500"/>
+            <a:ext cx="914400" cy="369332"/>
+          </a:xfrm>
+          <a:prstGeom prst="rect">
+            <a:avLst/>
+          </a:prstGeom>
+          <a:noFill/>
+        </p:spPr>
+        <p:txBody>
+          <a:bodyPr wrap="square" rtlCol="0">
+            <a:spAutoFit/>
+          </a:bodyPr>
+          <a:lstStyle/>
+          <a:p>
+            <a:r>
+              <a:rPr lang="en-US" dirty="0" smtClean="0"/>
+              <a:t>3.650*</a:t>
+            </a:r>
+            <a:endParaRPr lang="en-US" dirty="0"/>
+          </a:p>
+        </p:txBody>
+      </p:sp>
+      <p:sp>
+        <p:nvSpPr>
+          <p:cNvPr id="34" name="TextBox 33"/>
+          <p:cNvSpPr txBox="1"/>
+          <p:nvPr/>
+        </p:nvSpPr>
+        <p:spPr>
+          <a:xfrm>
+            <a:off x="5715000" y="2552700"/>
+            <a:ext cx="914400" cy="369332"/>
+          </a:xfrm>
+          <a:prstGeom prst="rect">
+            <a:avLst/>
+          </a:prstGeom>
+          <a:noFill/>
+        </p:spPr>
+        <p:txBody>
+          <a:bodyPr wrap="square" rtlCol="0">
+            <a:spAutoFit/>
+          </a:bodyPr>
+          <a:lstStyle/>
+          <a:p>
+            <a:r>
+              <a:rPr lang="en-US" dirty="0" smtClean="0"/>
+              <a:t>-0.001*</a:t>
+            </a:r>
+            <a:endParaRPr lang="en-US" dirty="0"/>
+          </a:p>
+        </p:txBody>
+      </p:sp>
+      <p:sp>
+        <p:nvSpPr>
+          <p:cNvPr id="35" name="TextBox 34"/>
+          <p:cNvSpPr txBox="1"/>
+          <p:nvPr/>
+        </p:nvSpPr>
+        <p:spPr>
+          <a:xfrm>
+            <a:off x="6172200" y="1943100"/>
+            <a:ext cx="914400" cy="369332"/>
+          </a:xfrm>
+          <a:prstGeom prst="rect">
+            <a:avLst/>
+          </a:prstGeom>
+          <a:noFill/>
+        </p:spPr>
+        <p:txBody>
+          <a:bodyPr wrap="square" rtlCol="0">
+            <a:spAutoFit/>
+          </a:bodyPr>
+          <a:lstStyle/>
+          <a:p>
+            <a:r>
+              <a:rPr lang="en-US" dirty="0" smtClean="0"/>
+              <a:t>0.062*</a:t>
+            </a:r>
+            <a:endParaRPr lang="en-US" dirty="0"/>
+          </a:p>
+        </p:txBody>
+      </p:sp>
+      <p:sp>
+        <p:nvSpPr>
+          <p:cNvPr id="36" name="TextBox 35"/>
+          <p:cNvSpPr txBox="1"/>
+          <p:nvPr/>
+        </p:nvSpPr>
+        <p:spPr>
+          <a:xfrm>
+            <a:off x="6172200" y="3445467"/>
+            <a:ext cx="914400" cy="369332"/>
+          </a:xfrm>
+          <a:prstGeom prst="rect">
+            <a:avLst/>
+          </a:prstGeom>
+          <a:noFill/>
+        </p:spPr>
+        <p:txBody>
+          <a:bodyPr wrap="square" rtlCol="0">
+            <a:spAutoFit/>
+          </a:bodyPr>
+          <a:lstStyle/>
+          <a:p>
+            <a:r>
+              <a:rPr lang="en-US" dirty="0" smtClean="0"/>
+              <a:t>-0.205*</a:t>
+            </a:r>
+            <a:endParaRPr lang="en-US" dirty="0"/>
+          </a:p>
+        </p:txBody>
+      </p:sp>
+      <p:sp>
+        <p:nvSpPr>
+          <p:cNvPr id="3" name="TextBox 2"/>
+          <p:cNvSpPr txBox="1"/>
+          <p:nvPr/>
+        </p:nvSpPr>
+        <p:spPr>
+          <a:xfrm>
+            <a:off x="1142999" y="5230183"/>
+            <a:ext cx="3886201" cy="369332"/>
+          </a:xfrm>
+          <a:prstGeom prst="rect">
+            <a:avLst/>
+          </a:prstGeom>
+          <a:noFill/>
+        </p:spPr>
+        <p:txBody>
+          <a:bodyPr wrap="square" rtlCol="0">
+            <a:spAutoFit/>
+          </a:bodyPr>
+          <a:lstStyle/>
+          <a:p>
+            <a:r>
+              <a:rPr lang="en-US" dirty="0" smtClean="0"/>
+              <a:t>* p&lt;0.05, ** p&lt;0.01, *** p&lt;0.001</a:t>
+            </a:r>
+            <a:endParaRPr lang="en-US" dirty="0"/>
+          </a:p>
+        </p:txBody>
+      </p:sp>
+    </p:spTree>
+    <p:extLst>
+      <p:ext uri="{BB962C8B-B14F-4D97-AF65-F5344CB8AC3E}">
+        <p14:creationId xmlns:p14="http://schemas.microsoft.com/office/powerpoint/2010/main" val="2495332603"/>
       </p:ext>
     </p:extLst>
   </p:cSld>

--- a/Assignments/Assignment03/Docs/Townes_SOC6100_Assignment03_PathModel_Diagram_v00.pptx
+++ b/Assignments/Assignment03/Docs/Townes_SOC6100_Assignment03_PathModel_Diagram_v00.pptx
@@ -6,7 +6,7 @@
   </p:sldMasterIdLst>
   <p:sldIdLst>
     <p:sldId id="256" r:id="rId2"/>
-    <p:sldId id="257" r:id="rId3"/>
+    <p:sldId id="258" r:id="rId3"/>
   </p:sldIdLst>
   <p:sldSz cx="9144000" cy="5715000" type="screen16x10"/>
   <p:notesSz cx="7010400" cy="9296400"/>
@@ -289,7 +289,7 @@
           <a:p>
             <a:fld id="{BF30DF70-5848-4672-8949-A08F2F452BE1}" type="datetimeFigureOut">
               <a:rPr lang="en-US" smtClean="0"/>
-              <a:t>10/23/2018</a:t>
+              <a:t>10/24/2018</a:t>
             </a:fld>
             <a:endParaRPr lang="en-US"/>
           </a:p>
@@ -459,7 +459,7 @@
           <a:p>
             <a:fld id="{BF30DF70-5848-4672-8949-A08F2F452BE1}" type="datetimeFigureOut">
               <a:rPr lang="en-US" smtClean="0"/>
-              <a:t>10/23/2018</a:t>
+              <a:t>10/24/2018</a:t>
             </a:fld>
             <a:endParaRPr lang="en-US"/>
           </a:p>
@@ -639,7 +639,7 @@
           <a:p>
             <a:fld id="{BF30DF70-5848-4672-8949-A08F2F452BE1}" type="datetimeFigureOut">
               <a:rPr lang="en-US" smtClean="0"/>
-              <a:t>10/23/2018</a:t>
+              <a:t>10/24/2018</a:t>
             </a:fld>
             <a:endParaRPr lang="en-US"/>
           </a:p>
@@ -809,7 +809,7 @@
           <a:p>
             <a:fld id="{BF30DF70-5848-4672-8949-A08F2F452BE1}" type="datetimeFigureOut">
               <a:rPr lang="en-US" smtClean="0"/>
-              <a:t>10/23/2018</a:t>
+              <a:t>10/24/2018</a:t>
             </a:fld>
             <a:endParaRPr lang="en-US"/>
           </a:p>
@@ -1055,7 +1055,7 @@
           <a:p>
             <a:fld id="{BF30DF70-5848-4672-8949-A08F2F452BE1}" type="datetimeFigureOut">
               <a:rPr lang="en-US" smtClean="0"/>
-              <a:t>10/23/2018</a:t>
+              <a:t>10/24/2018</a:t>
             </a:fld>
             <a:endParaRPr lang="en-US"/>
           </a:p>
@@ -1343,7 +1343,7 @@
           <a:p>
             <a:fld id="{BF30DF70-5848-4672-8949-A08F2F452BE1}" type="datetimeFigureOut">
               <a:rPr lang="en-US" smtClean="0"/>
-              <a:t>10/23/2018</a:t>
+              <a:t>10/24/2018</a:t>
             </a:fld>
             <a:endParaRPr lang="en-US"/>
           </a:p>
@@ -1770,7 +1770,7 @@
           <a:p>
             <a:fld id="{BF30DF70-5848-4672-8949-A08F2F452BE1}" type="datetimeFigureOut">
               <a:rPr lang="en-US" smtClean="0"/>
-              <a:t>10/23/2018</a:t>
+              <a:t>10/24/2018</a:t>
             </a:fld>
             <a:endParaRPr lang="en-US"/>
           </a:p>
@@ -1888,7 +1888,7 @@
           <a:p>
             <a:fld id="{BF30DF70-5848-4672-8949-A08F2F452BE1}" type="datetimeFigureOut">
               <a:rPr lang="en-US" smtClean="0"/>
-              <a:t>10/23/2018</a:t>
+              <a:t>10/24/2018</a:t>
             </a:fld>
             <a:endParaRPr lang="en-US"/>
           </a:p>
@@ -1983,7 +1983,7 @@
           <a:p>
             <a:fld id="{BF30DF70-5848-4672-8949-A08F2F452BE1}" type="datetimeFigureOut">
               <a:rPr lang="en-US" smtClean="0"/>
-              <a:t>10/23/2018</a:t>
+              <a:t>10/24/2018</a:t>
             </a:fld>
             <a:endParaRPr lang="en-US"/>
           </a:p>
@@ -2260,7 +2260,7 @@
           <a:p>
             <a:fld id="{BF30DF70-5848-4672-8949-A08F2F452BE1}" type="datetimeFigureOut">
               <a:rPr lang="en-US" smtClean="0"/>
-              <a:t>10/23/2018</a:t>
+              <a:t>10/24/2018</a:t>
             </a:fld>
             <a:endParaRPr lang="en-US"/>
           </a:p>
@@ -2513,7 +2513,7 @@
           <a:p>
             <a:fld id="{BF30DF70-5848-4672-8949-A08F2F452BE1}" type="datetimeFigureOut">
               <a:rPr lang="en-US" smtClean="0"/>
-              <a:t>10/23/2018</a:t>
+              <a:t>10/24/2018</a:t>
             </a:fld>
             <a:endParaRPr lang="en-US"/>
           </a:p>
@@ -2726,7 +2726,7 @@
           <a:p>
             <a:fld id="{BF30DF70-5848-4672-8949-A08F2F452BE1}" type="datetimeFigureOut">
               <a:rPr lang="en-US" smtClean="0"/>
-              <a:t>10/23/2018</a:t>
+              <a:t>10/24/2018</a:t>
             </a:fld>
             <a:endParaRPr lang="en-US"/>
           </a:p>
@@ -3197,7 +3197,7 @@
         </p:nvSpPr>
         <p:spPr>
           <a:xfrm>
-            <a:off x="1143000" y="4533900"/>
+            <a:off x="685800" y="2628900"/>
             <a:ext cx="1371600" cy="457200"/>
           </a:xfrm>
           <a:prstGeom prst="roundRect">
@@ -3241,7 +3241,7 @@
         </p:nvSpPr>
         <p:spPr>
           <a:xfrm>
-            <a:off x="1143000" y="800100"/>
+            <a:off x="2057400" y="952500"/>
             <a:ext cx="1371600" cy="457200"/>
           </a:xfrm>
           <a:prstGeom prst="roundRect">
@@ -3493,88 +3493,10 @@
         </p:nvCxnSpPr>
         <p:spPr>
           <a:xfrm>
-            <a:off x="2514600" y="1028700"/>
-            <a:ext cx="4953000" cy="1600200"/>
+            <a:off x="3429000" y="1181100"/>
+            <a:ext cx="4038600" cy="1447800"/>
           </a:xfrm>
           <a:prstGeom prst="bentConnector2">
-            <a:avLst/>
-          </a:prstGeom>
-          <a:ln w="25400">
-            <a:solidFill>
-              <a:schemeClr val="tx1"/>
-            </a:solidFill>
-            <a:tailEnd type="triangle" w="lg" len="lg"/>
-          </a:ln>
-        </p:spPr>
-        <p:style>
-          <a:lnRef idx="1">
-            <a:schemeClr val="accent1"/>
-          </a:lnRef>
-          <a:fillRef idx="0">
-            <a:schemeClr val="accent1"/>
-          </a:fillRef>
-          <a:effectRef idx="0">
-            <a:schemeClr val="accent1"/>
-          </a:effectRef>
-          <a:fontRef idx="minor">
-            <a:schemeClr val="tx1"/>
-          </a:fontRef>
-        </p:style>
-      </p:cxnSp>
-      <p:cxnSp>
-        <p:nvCxnSpPr>
-          <p:cNvPr id="27" name="Elbow Connector 26"/>
-          <p:cNvCxnSpPr>
-            <a:stCxn id="6" idx="3"/>
-            <a:endCxn id="4" idx="2"/>
-          </p:cNvCxnSpPr>
-          <p:nvPr/>
-        </p:nvCxnSpPr>
-        <p:spPr>
-          <a:xfrm flipV="1">
-            <a:off x="2514600" y="3086100"/>
-            <a:ext cx="4953000" cy="1676400"/>
-          </a:xfrm>
-          <a:prstGeom prst="bentConnector2">
-            <a:avLst/>
-          </a:prstGeom>
-          <a:ln w="25400">
-            <a:solidFill>
-              <a:schemeClr val="tx1"/>
-            </a:solidFill>
-            <a:tailEnd type="triangle" w="lg" len="lg"/>
-          </a:ln>
-        </p:spPr>
-        <p:style>
-          <a:lnRef idx="1">
-            <a:schemeClr val="accent1"/>
-          </a:lnRef>
-          <a:fillRef idx="0">
-            <a:schemeClr val="accent1"/>
-          </a:fillRef>
-          <a:effectRef idx="0">
-            <a:schemeClr val="accent1"/>
-          </a:effectRef>
-          <a:fontRef idx="minor">
-            <a:schemeClr val="tx1"/>
-          </a:fontRef>
-        </p:style>
-      </p:cxnSp>
-      <p:cxnSp>
-        <p:nvCxnSpPr>
-          <p:cNvPr id="29" name="Straight Arrow Connector 28"/>
-          <p:cNvCxnSpPr>
-            <a:stCxn id="6" idx="0"/>
-            <a:endCxn id="7" idx="2"/>
-          </p:cNvCxnSpPr>
-          <p:nvPr/>
-        </p:nvCxnSpPr>
-        <p:spPr>
-          <a:xfrm flipV="1">
-            <a:off x="1828800" y="1257300"/>
-            <a:ext cx="0" cy="3276600"/>
-          </a:xfrm>
-          <a:prstGeom prst="straightConnector1">
             <a:avLst/>
           </a:prstGeom>
           <a:ln w="25400">
@@ -3603,15 +3525,15 @@
         <p:nvCxnSpPr>
           <p:cNvPr id="22" name="Straight Arrow Connector 21"/>
           <p:cNvCxnSpPr>
-            <a:stCxn id="7" idx="3"/>
+            <a:stCxn id="7" idx="2"/>
             <a:endCxn id="5" idx="1"/>
           </p:cNvCxnSpPr>
           <p:nvPr/>
         </p:nvCxnSpPr>
         <p:spPr>
           <a:xfrm>
-            <a:off x="2514600" y="1028700"/>
-            <a:ext cx="1828800" cy="1828800"/>
+            <a:off x="2743200" y="1409700"/>
+            <a:ext cx="1600200" cy="1447800"/>
           </a:xfrm>
           <a:prstGeom prst="straightConnector1">
             <a:avLst/>
@@ -3648,9 +3570,9 @@
           <p:nvPr/>
         </p:nvCxnSpPr>
         <p:spPr>
-          <a:xfrm flipV="1">
-            <a:off x="2514600" y="2857500"/>
-            <a:ext cx="1828800" cy="1905000"/>
+          <a:xfrm>
+            <a:off x="2057400" y="2857500"/>
+            <a:ext cx="2286000" cy="0"/>
           </a:xfrm>
           <a:prstGeom prst="straightConnector1">
             <a:avLst/>
@@ -3755,6 +3677,116 @@
           </a:fontRef>
         </p:style>
       </p:cxnSp>
+      <p:cxnSp>
+        <p:nvCxnSpPr>
+          <p:cNvPr id="18" name="Elbow Connector 17"/>
+          <p:cNvCxnSpPr>
+            <a:stCxn id="6" idx="2"/>
+            <a:endCxn id="4" idx="2"/>
+          </p:cNvCxnSpPr>
+          <p:nvPr/>
+        </p:nvCxnSpPr>
+        <p:spPr>
+          <a:xfrm rot="16200000" flipH="1">
+            <a:off x="4419600" y="38100"/>
+            <a:ext cx="12700" cy="6096000"/>
+          </a:xfrm>
+          <a:prstGeom prst="bentConnector3">
+            <a:avLst>
+              <a:gd name="adj1" fmla="val 11381953"/>
+            </a:avLst>
+          </a:prstGeom>
+          <a:ln w="25400">
+            <a:solidFill>
+              <a:schemeClr val="tx1"/>
+            </a:solidFill>
+            <a:tailEnd type="triangle" w="lg" len="lg"/>
+          </a:ln>
+        </p:spPr>
+        <p:style>
+          <a:lnRef idx="1">
+            <a:schemeClr val="accent1"/>
+          </a:lnRef>
+          <a:fillRef idx="0">
+            <a:schemeClr val="accent1"/>
+          </a:fillRef>
+          <a:effectRef idx="0">
+            <a:schemeClr val="accent1"/>
+          </a:effectRef>
+          <a:fontRef idx="minor">
+            <a:schemeClr val="tx1"/>
+          </a:fontRef>
+        </p:style>
+      </p:cxnSp>
+      <p:cxnSp>
+        <p:nvCxnSpPr>
+          <p:cNvPr id="24" name="Elbow Connector 23"/>
+          <p:cNvCxnSpPr>
+            <a:stCxn id="6" idx="0"/>
+            <a:endCxn id="7" idx="1"/>
+          </p:cNvCxnSpPr>
+          <p:nvPr/>
+        </p:nvCxnSpPr>
+        <p:spPr>
+          <a:xfrm rot="5400000" flipH="1" flipV="1">
+            <a:off x="990600" y="1562100"/>
+            <a:ext cx="1447800" cy="685800"/>
+          </a:xfrm>
+          <a:prstGeom prst="bentConnector2">
+            <a:avLst/>
+          </a:prstGeom>
+          <a:ln w="25400">
+            <a:solidFill>
+              <a:schemeClr val="tx1"/>
+            </a:solidFill>
+            <a:tailEnd type="triangle" w="lg" len="lg"/>
+          </a:ln>
+        </p:spPr>
+        <p:style>
+          <a:lnRef idx="1">
+            <a:schemeClr val="accent1"/>
+          </a:lnRef>
+          <a:fillRef idx="0">
+            <a:schemeClr val="accent1"/>
+          </a:fillRef>
+          <a:effectRef idx="0">
+            <a:schemeClr val="accent1"/>
+          </a:effectRef>
+          <a:fontRef idx="minor">
+            <a:schemeClr val="tx1"/>
+          </a:fontRef>
+        </p:style>
+      </p:cxnSp>
+      <p:sp>
+        <p:nvSpPr>
+          <p:cNvPr id="35" name="TextBox 34"/>
+          <p:cNvSpPr txBox="1"/>
+          <p:nvPr/>
+        </p:nvSpPr>
+        <p:spPr>
+          <a:xfrm>
+            <a:off x="914400" y="190500"/>
+            <a:ext cx="7315200" cy="369332"/>
+          </a:xfrm>
+          <a:prstGeom prst="rect">
+            <a:avLst/>
+          </a:prstGeom>
+          <a:noFill/>
+        </p:spPr>
+        <p:txBody>
+          <a:bodyPr wrap="square" rtlCol="0">
+            <a:spAutoFit/>
+          </a:bodyPr>
+          <a:lstStyle/>
+          <a:p>
+            <a:pPr algn="ctr"/>
+            <a:r>
+              <a:rPr lang="en-US" b="1" dirty="0" smtClean="0"/>
+              <a:t>Analysis of Path Model</a:t>
+            </a:r>
+          </a:p>
+        </p:txBody>
+      </p:sp>
     </p:spTree>
     <p:extLst>
       <p:ext uri="{BB962C8B-B14F-4D97-AF65-F5344CB8AC3E}">
@@ -3881,7 +3913,7 @@
         </p:nvSpPr>
         <p:spPr>
           <a:xfrm>
-            <a:off x="1143000" y="4533900"/>
+            <a:off x="685800" y="2628900"/>
             <a:ext cx="1371600" cy="457200"/>
           </a:xfrm>
           <a:prstGeom prst="roundRect">
@@ -3925,7 +3957,7 @@
         </p:nvSpPr>
         <p:spPr>
           <a:xfrm>
-            <a:off x="1143000" y="800100"/>
+            <a:off x="2057400" y="952500"/>
             <a:ext cx="1371600" cy="457200"/>
           </a:xfrm>
           <a:prstGeom prst="roundRect">
@@ -4177,88 +4209,10 @@
         </p:nvCxnSpPr>
         <p:spPr>
           <a:xfrm>
-            <a:off x="2514600" y="1028700"/>
-            <a:ext cx="4953000" cy="1600200"/>
+            <a:off x="3429000" y="1181100"/>
+            <a:ext cx="4038600" cy="1447800"/>
           </a:xfrm>
           <a:prstGeom prst="bentConnector2">
-            <a:avLst/>
-          </a:prstGeom>
-          <a:ln w="25400">
-            <a:solidFill>
-              <a:schemeClr val="tx1"/>
-            </a:solidFill>
-            <a:tailEnd type="triangle" w="lg" len="lg"/>
-          </a:ln>
-        </p:spPr>
-        <p:style>
-          <a:lnRef idx="1">
-            <a:schemeClr val="accent1"/>
-          </a:lnRef>
-          <a:fillRef idx="0">
-            <a:schemeClr val="accent1"/>
-          </a:fillRef>
-          <a:effectRef idx="0">
-            <a:schemeClr val="accent1"/>
-          </a:effectRef>
-          <a:fontRef idx="minor">
-            <a:schemeClr val="tx1"/>
-          </a:fontRef>
-        </p:style>
-      </p:cxnSp>
-      <p:cxnSp>
-        <p:nvCxnSpPr>
-          <p:cNvPr id="27" name="Elbow Connector 26"/>
-          <p:cNvCxnSpPr>
-            <a:stCxn id="6" idx="3"/>
-            <a:endCxn id="4" idx="2"/>
-          </p:cNvCxnSpPr>
-          <p:nvPr/>
-        </p:nvCxnSpPr>
-        <p:spPr>
-          <a:xfrm flipV="1">
-            <a:off x="2514600" y="3086100"/>
-            <a:ext cx="4953000" cy="1676400"/>
-          </a:xfrm>
-          <a:prstGeom prst="bentConnector2">
-            <a:avLst/>
-          </a:prstGeom>
-          <a:ln w="25400">
-            <a:solidFill>
-              <a:schemeClr val="tx1"/>
-            </a:solidFill>
-            <a:tailEnd type="triangle" w="lg" len="lg"/>
-          </a:ln>
-        </p:spPr>
-        <p:style>
-          <a:lnRef idx="1">
-            <a:schemeClr val="accent1"/>
-          </a:lnRef>
-          <a:fillRef idx="0">
-            <a:schemeClr val="accent1"/>
-          </a:fillRef>
-          <a:effectRef idx="0">
-            <a:schemeClr val="accent1"/>
-          </a:effectRef>
-          <a:fontRef idx="minor">
-            <a:schemeClr val="tx1"/>
-          </a:fontRef>
-        </p:style>
-      </p:cxnSp>
-      <p:cxnSp>
-        <p:nvCxnSpPr>
-          <p:cNvPr id="29" name="Straight Arrow Connector 28"/>
-          <p:cNvCxnSpPr>
-            <a:stCxn id="6" idx="0"/>
-            <a:endCxn id="7" idx="2"/>
-          </p:cNvCxnSpPr>
-          <p:nvPr/>
-        </p:nvCxnSpPr>
-        <p:spPr>
-          <a:xfrm flipV="1">
-            <a:off x="1828800" y="1257300"/>
-            <a:ext cx="0" cy="3276600"/>
-          </a:xfrm>
-          <a:prstGeom prst="straightConnector1">
             <a:avLst/>
           </a:prstGeom>
           <a:ln w="25400">
@@ -4287,15 +4241,15 @@
         <p:nvCxnSpPr>
           <p:cNvPr id="22" name="Straight Arrow Connector 21"/>
           <p:cNvCxnSpPr>
-            <a:stCxn id="7" idx="3"/>
+            <a:stCxn id="7" idx="2"/>
             <a:endCxn id="5" idx="1"/>
           </p:cNvCxnSpPr>
           <p:nvPr/>
         </p:nvCxnSpPr>
         <p:spPr>
           <a:xfrm>
-            <a:off x="2514600" y="1028700"/>
-            <a:ext cx="1828800" cy="1828800"/>
+            <a:off x="2743200" y="1409700"/>
+            <a:ext cx="1600200" cy="1447800"/>
           </a:xfrm>
           <a:prstGeom prst="straightConnector1">
             <a:avLst/>
@@ -4332,9 +4286,9 @@
           <p:nvPr/>
         </p:nvCxnSpPr>
         <p:spPr>
-          <a:xfrm flipV="1">
-            <a:off x="2514600" y="2857500"/>
-            <a:ext cx="1828800" cy="1905000"/>
+          <a:xfrm>
+            <a:off x="2057400" y="2857500"/>
+            <a:ext cx="2286000" cy="0"/>
           </a:xfrm>
           <a:prstGeom prst="straightConnector1">
             <a:avLst/>
@@ -4439,16 +4393,96 @@
           </a:fontRef>
         </p:style>
       </p:cxnSp>
-      <p:sp>
-        <p:nvSpPr>
-          <p:cNvPr id="2" name="TextBox 1"/>
+      <p:cxnSp>
+        <p:nvCxnSpPr>
+          <p:cNvPr id="18" name="Elbow Connector 17"/>
+          <p:cNvCxnSpPr>
+            <a:stCxn id="6" idx="2"/>
+            <a:endCxn id="4" idx="2"/>
+          </p:cNvCxnSpPr>
+          <p:nvPr/>
+        </p:nvCxnSpPr>
+        <p:spPr>
+          <a:xfrm rot="16200000" flipH="1">
+            <a:off x="4419600" y="38100"/>
+            <a:ext cx="12700" cy="6096000"/>
+          </a:xfrm>
+          <a:prstGeom prst="bentConnector3">
+            <a:avLst>
+              <a:gd name="adj1" fmla="val 11381953"/>
+            </a:avLst>
+          </a:prstGeom>
+          <a:ln w="25400">
+            <a:solidFill>
+              <a:schemeClr val="tx1"/>
+            </a:solidFill>
+            <a:tailEnd type="triangle" w="lg" len="lg"/>
+          </a:ln>
+        </p:spPr>
+        <p:style>
+          <a:lnRef idx="1">
+            <a:schemeClr val="accent1"/>
+          </a:lnRef>
+          <a:fillRef idx="0">
+            <a:schemeClr val="accent1"/>
+          </a:fillRef>
+          <a:effectRef idx="0">
+            <a:schemeClr val="accent1"/>
+          </a:effectRef>
+          <a:fontRef idx="minor">
+            <a:schemeClr val="tx1"/>
+          </a:fontRef>
+        </p:style>
+      </p:cxnSp>
+      <p:cxnSp>
+        <p:nvCxnSpPr>
+          <p:cNvPr id="24" name="Elbow Connector 23"/>
+          <p:cNvCxnSpPr>
+            <a:stCxn id="6" idx="0"/>
+            <a:endCxn id="7" idx="1"/>
+          </p:cNvCxnSpPr>
+          <p:nvPr/>
+        </p:nvCxnSpPr>
+        <p:spPr>
+          <a:xfrm rot="5400000" flipH="1" flipV="1">
+            <a:off x="990600" y="1562100"/>
+            <a:ext cx="1447800" cy="685800"/>
+          </a:xfrm>
+          <a:prstGeom prst="bentConnector2">
+            <a:avLst/>
+          </a:prstGeom>
+          <a:ln w="25400">
+            <a:solidFill>
+              <a:schemeClr val="tx1"/>
+            </a:solidFill>
+            <a:tailEnd type="triangle" w="lg" len="lg"/>
+          </a:ln>
+        </p:spPr>
+        <p:style>
+          <a:lnRef idx="1">
+            <a:schemeClr val="accent1"/>
+          </a:lnRef>
+          <a:fillRef idx="0">
+            <a:schemeClr val="accent1"/>
+          </a:fillRef>
+          <a:effectRef idx="0">
+            <a:schemeClr val="accent1"/>
+          </a:effectRef>
+          <a:fontRef idx="minor">
+            <a:schemeClr val="tx1"/>
+          </a:fontRef>
+        </p:style>
+      </p:cxnSp>
+      <p:sp>
+        <p:nvSpPr>
+          <p:cNvPr id="19" name="TextBox 18"/>
           <p:cNvSpPr txBox="1"/>
           <p:nvPr/>
         </p:nvSpPr>
         <p:spPr>
           <a:xfrm>
-            <a:off x="1097280" y="2672834"/>
-            <a:ext cx="914400" cy="369332"/>
+            <a:off x="685800" y="5242098"/>
+            <a:ext cx="3886201" cy="369332"/>
           </a:xfrm>
           <a:prstGeom prst="rect">
             <a:avLst/>
@@ -4463,7 +4497,7 @@
           <a:p>
             <a:r>
               <a:rPr lang="en-US" dirty="0" smtClean="0"/>
-              <a:t>0.160*</a:t>
+              <a:t>* p&lt;0.05, ** p&lt;0.01, *** p&lt;0.001</a:t>
             </a:r>
             <a:endParaRPr lang="en-US" dirty="0"/>
           </a:p>
@@ -4471,14 +4505,14 @@
       </p:sp>
       <p:sp>
         <p:nvSpPr>
-          <p:cNvPr id="19" name="TextBox 18"/>
+          <p:cNvPr id="20" name="TextBox 19"/>
           <p:cNvSpPr txBox="1"/>
           <p:nvPr/>
         </p:nvSpPr>
         <p:spPr>
           <a:xfrm>
-            <a:off x="4572000" y="664167"/>
-            <a:ext cx="914400" cy="369332"/>
+            <a:off x="1371600" y="1834634"/>
+            <a:ext cx="1188720" cy="369332"/>
           </a:xfrm>
           <a:prstGeom prst="rect">
             <a:avLst/>
@@ -4493,7 +4527,7 @@
           <a:p>
             <a:r>
               <a:rPr lang="en-US" dirty="0" smtClean="0"/>
-              <a:t>-0.830*</a:t>
+              <a:t>0.169***</a:t>
             </a:r>
             <a:endParaRPr lang="en-US" dirty="0"/>
           </a:p>
@@ -4501,14 +4535,14 @@
       </p:sp>
       <p:sp>
         <p:nvSpPr>
-          <p:cNvPr id="20" name="TextBox 19"/>
+          <p:cNvPr id="27" name="TextBox 26"/>
           <p:cNvSpPr txBox="1"/>
           <p:nvPr/>
         </p:nvSpPr>
         <p:spPr>
           <a:xfrm>
-            <a:off x="4610100" y="4760210"/>
-            <a:ext cx="914400" cy="369332"/>
+            <a:off x="7465881" y="1682234"/>
+            <a:ext cx="1188720" cy="369332"/>
           </a:xfrm>
           <a:prstGeom prst="rect">
             <a:avLst/>
@@ -4523,22 +4557,25 @@
           <a:p>
             <a:r>
               <a:rPr lang="en-US" dirty="0" smtClean="0"/>
-              <a:t>0.120*</a:t>
-            </a:r>
-            <a:endParaRPr lang="en-US" dirty="0"/>
-          </a:p>
-        </p:txBody>
-      </p:sp>
-      <p:sp>
-        <p:nvSpPr>
-          <p:cNvPr id="24" name="TextBox 23"/>
+              <a:t>-</a:t>
+            </a:r>
+            <a:r>
+              <a:rPr lang="en-US" dirty="0" smtClean="0"/>
+              <a:t>0.612***</a:t>
+            </a:r>
+          </a:p>
+        </p:txBody>
+      </p:sp>
+      <p:sp>
+        <p:nvSpPr>
+          <p:cNvPr id="28" name="TextBox 27"/>
           <p:cNvSpPr txBox="1"/>
           <p:nvPr/>
         </p:nvSpPr>
         <p:spPr>
           <a:xfrm>
-            <a:off x="3448493" y="1682234"/>
-            <a:ext cx="914400" cy="369332"/>
+            <a:off x="3124200" y="1333500"/>
+            <a:ext cx="1188720" cy="369332"/>
           </a:xfrm>
           <a:prstGeom prst="rect">
             <a:avLst/>
@@ -4553,7 +4590,7 @@
           <a:p>
             <a:r>
               <a:rPr lang="en-US" dirty="0" smtClean="0"/>
-              <a:t>2.806*</a:t>
+              <a:t>0.060**(?)</a:t>
             </a:r>
             <a:endParaRPr lang="en-US" dirty="0"/>
           </a:p>
@@ -4561,14 +4598,14 @@
       </p:sp>
       <p:sp>
         <p:nvSpPr>
-          <p:cNvPr id="28" name="TextBox 27"/>
+          <p:cNvPr id="29" name="TextBox 28"/>
           <p:cNvSpPr txBox="1"/>
           <p:nvPr/>
         </p:nvSpPr>
         <p:spPr>
           <a:xfrm>
-            <a:off x="3448493" y="3751153"/>
-            <a:ext cx="914400" cy="369332"/>
+            <a:off x="2514600" y="2497291"/>
+            <a:ext cx="1188720" cy="369332"/>
           </a:xfrm>
           <a:prstGeom prst="rect">
             <a:avLst/>
@@ -4583,7 +4620,7 @@
           <a:p>
             <a:r>
               <a:rPr lang="en-US" dirty="0" smtClean="0"/>
-              <a:t>4.311*</a:t>
+              <a:t>0.097***</a:t>
             </a:r>
             <a:endParaRPr lang="en-US" dirty="0"/>
           </a:p>
@@ -4598,7 +4635,7 @@
         <p:spPr>
           <a:xfrm>
             <a:off x="5075274" y="2136995"/>
-            <a:ext cx="914400" cy="369332"/>
+            <a:ext cx="1188720" cy="369332"/>
           </a:xfrm>
           <a:prstGeom prst="rect">
             <a:avLst/>
@@ -4613,7 +4650,7 @@
           <a:p>
             <a:r>
               <a:rPr lang="en-US" dirty="0" smtClean="0"/>
-              <a:t>0.505*</a:t>
+              <a:t>0.044*(?)</a:t>
             </a:r>
             <a:endParaRPr lang="en-US" dirty="0"/>
           </a:p>
@@ -4628,7 +4665,7 @@
         <p:spPr>
           <a:xfrm>
             <a:off x="5078818" y="3238500"/>
-            <a:ext cx="914400" cy="369332"/>
+            <a:ext cx="1188720" cy="369332"/>
           </a:xfrm>
           <a:prstGeom prst="rect">
             <a:avLst/>
@@ -4643,7 +4680,7 @@
           <a:p>
             <a:r>
               <a:rPr lang="en-US" dirty="0" smtClean="0"/>
-              <a:t>3.650*</a:t>
+              <a:t>0.042*(?)</a:t>
             </a:r>
             <a:endParaRPr lang="en-US" dirty="0"/>
           </a:p>
@@ -4658,7 +4695,7 @@
         <p:spPr>
           <a:xfrm>
             <a:off x="5715000" y="2552700"/>
-            <a:ext cx="914400" cy="369332"/>
+            <a:ext cx="1188720" cy="369332"/>
           </a:xfrm>
           <a:prstGeom prst="rect">
             <a:avLst/>
@@ -4673,7 +4710,11 @@
           <a:p>
             <a:r>
               <a:rPr lang="en-US" dirty="0" smtClean="0"/>
-              <a:t>-0.001*</a:t>
+              <a:t>-</a:t>
+            </a:r>
+            <a:r>
+              <a:rPr lang="en-US" dirty="0" smtClean="0"/>
+              <a:t>0.047*</a:t>
             </a:r>
             <a:endParaRPr lang="en-US" dirty="0"/>
           </a:p>
@@ -4688,7 +4729,7 @@
         <p:spPr>
           <a:xfrm>
             <a:off x="6172200" y="1943100"/>
-            <a:ext cx="914400" cy="369332"/>
+            <a:ext cx="1188720" cy="369332"/>
           </a:xfrm>
           <a:prstGeom prst="rect">
             <a:avLst/>
@@ -4703,7 +4744,7 @@
           <a:p>
             <a:r>
               <a:rPr lang="en-US" dirty="0" smtClean="0"/>
-              <a:t>0.062*</a:t>
+              <a:t>0.189***</a:t>
             </a:r>
             <a:endParaRPr lang="en-US" dirty="0"/>
           </a:p>
@@ -4718,7 +4759,7 @@
         <p:spPr>
           <a:xfrm>
             <a:off x="6172200" y="3445467"/>
-            <a:ext cx="914400" cy="369332"/>
+            <a:ext cx="1188720" cy="369332"/>
           </a:xfrm>
           <a:prstGeom prst="rect">
             <a:avLst/>
@@ -4733,9 +4774,41 @@
           <a:p>
             <a:r>
               <a:rPr lang="en-US" dirty="0" smtClean="0"/>
-              <a:t>-0.205*</a:t>
-            </a:r>
-            <a:endParaRPr lang="en-US" dirty="0"/>
+              <a:t>-</a:t>
+            </a:r>
+            <a:r>
+              <a:rPr lang="en-US" dirty="0" smtClean="0"/>
+              <a:t>0.082***</a:t>
+            </a:r>
+          </a:p>
+        </p:txBody>
+      </p:sp>
+      <p:sp>
+        <p:nvSpPr>
+          <p:cNvPr id="37" name="TextBox 36"/>
+          <p:cNvSpPr txBox="1"/>
+          <p:nvPr/>
+        </p:nvSpPr>
+        <p:spPr>
+          <a:xfrm>
+            <a:off x="7507180" y="3739634"/>
+            <a:ext cx="1188720" cy="369332"/>
+          </a:xfrm>
+          <a:prstGeom prst="rect">
+            <a:avLst/>
+          </a:prstGeom>
+          <a:noFill/>
+        </p:spPr>
+        <p:txBody>
+          <a:bodyPr wrap="square" rtlCol="0">
+            <a:spAutoFit/>
+          </a:bodyPr>
+          <a:lstStyle/>
+          <a:p>
+            <a:r>
+              <a:rPr lang="en-US" dirty="0" smtClean="0"/>
+              <a:t>0.094***</a:t>
+            </a:r>
           </a:p>
         </p:txBody>
       </p:sp>
@@ -4747,8 +4820,8 @@
         </p:nvSpPr>
         <p:spPr>
           <a:xfrm>
-            <a:off x="1142999" y="5230183"/>
-            <a:ext cx="3886201" cy="369332"/>
+            <a:off x="3140528" y="1593622"/>
+            <a:ext cx="914400" cy="261610"/>
           </a:xfrm>
           <a:prstGeom prst="rect">
             <a:avLst/>
@@ -4762,17 +4835,187 @@
           <a:lstStyle/>
           <a:p>
             <a:r>
+              <a:rPr lang="en-US" sz="1100" dirty="0"/>
+              <a:t>p</a:t>
+            </a:r>
+            <a:r>
+              <a:rPr lang="en-US" sz="1100" dirty="0" smtClean="0"/>
+              <a:t> = 0.011</a:t>
+            </a:r>
+          </a:p>
+        </p:txBody>
+      </p:sp>
+      <p:sp>
+        <p:nvSpPr>
+          <p:cNvPr id="38" name="TextBox 37"/>
+          <p:cNvSpPr txBox="1"/>
+          <p:nvPr/>
+        </p:nvSpPr>
+        <p:spPr>
+          <a:xfrm>
+            <a:off x="5105400" y="2367290"/>
+            <a:ext cx="914400" cy="261610"/>
+          </a:xfrm>
+          <a:prstGeom prst="rect">
+            <a:avLst/>
+          </a:prstGeom>
+          <a:noFill/>
+        </p:spPr>
+        <p:txBody>
+          <a:bodyPr wrap="square" rtlCol="0">
+            <a:spAutoFit/>
+          </a:bodyPr>
+          <a:lstStyle/>
+          <a:p>
+            <a:r>
+              <a:rPr lang="en-US" sz="1100" dirty="0"/>
+              <a:t>p</a:t>
+            </a:r>
+            <a:r>
+              <a:rPr lang="en-US" sz="1100" dirty="0" smtClean="0"/>
+              <a:t> = 0.055</a:t>
+            </a:r>
+          </a:p>
+        </p:txBody>
+      </p:sp>
+      <p:sp>
+        <p:nvSpPr>
+          <p:cNvPr id="39" name="TextBox 38"/>
+          <p:cNvSpPr txBox="1"/>
+          <p:nvPr/>
+        </p:nvSpPr>
+        <p:spPr>
+          <a:xfrm>
+            <a:off x="5105400" y="3467100"/>
+            <a:ext cx="914400" cy="261610"/>
+          </a:xfrm>
+          <a:prstGeom prst="rect">
+            <a:avLst/>
+          </a:prstGeom>
+          <a:noFill/>
+        </p:spPr>
+        <p:txBody>
+          <a:bodyPr wrap="square" rtlCol="0">
+            <a:spAutoFit/>
+          </a:bodyPr>
+          <a:lstStyle/>
+          <a:p>
+            <a:r>
+              <a:rPr lang="en-US" sz="1100" dirty="0"/>
+              <a:t>p</a:t>
+            </a:r>
+            <a:r>
+              <a:rPr lang="en-US" sz="1100" dirty="0" smtClean="0"/>
+              <a:t> = 0.063</a:t>
+            </a:r>
+          </a:p>
+        </p:txBody>
+      </p:sp>
+      <p:sp>
+        <p:nvSpPr>
+          <p:cNvPr id="40" name="TextBox 39"/>
+          <p:cNvSpPr txBox="1"/>
+          <p:nvPr/>
+        </p:nvSpPr>
+        <p:spPr>
+          <a:xfrm>
+            <a:off x="5791200" y="2857500"/>
+            <a:ext cx="914400" cy="261610"/>
+          </a:xfrm>
+          <a:prstGeom prst="rect">
+            <a:avLst/>
+          </a:prstGeom>
+          <a:noFill/>
+        </p:spPr>
+        <p:txBody>
+          <a:bodyPr wrap="square" rtlCol="0">
+            <a:spAutoFit/>
+          </a:bodyPr>
+          <a:lstStyle/>
+          <a:p>
+            <a:r>
+              <a:rPr lang="en-US" sz="1100" dirty="0"/>
+              <a:t>p</a:t>
+            </a:r>
+            <a:r>
+              <a:rPr lang="en-US" sz="1100" dirty="0" smtClean="0"/>
+              <a:t> = 0.05</a:t>
+            </a:r>
+          </a:p>
+        </p:txBody>
+      </p:sp>
+      <p:sp>
+        <p:nvSpPr>
+          <p:cNvPr id="10" name="TextBox 9"/>
+          <p:cNvSpPr txBox="1"/>
+          <p:nvPr/>
+        </p:nvSpPr>
+        <p:spPr>
+          <a:xfrm>
+            <a:off x="685800" y="4838700"/>
+            <a:ext cx="5562600" cy="369332"/>
+          </a:xfrm>
+          <a:prstGeom prst="rect">
+            <a:avLst/>
+          </a:prstGeom>
+          <a:noFill/>
+        </p:spPr>
+        <p:txBody>
+          <a:bodyPr wrap="square" rtlCol="0">
+            <a:spAutoFit/>
+          </a:bodyPr>
+          <a:lstStyle/>
+          <a:p>
+            <a:r>
               <a:rPr lang="en-US" dirty="0" smtClean="0"/>
-              <a:t>* p&lt;0.05, ** p&lt;0.01, *** p&lt;0.001</a:t>
+              <a:t>Pearson Correlation (</a:t>
+            </a:r>
+            <a:r>
+              <a:rPr lang="en-US" dirty="0" err="1" smtClean="0"/>
+              <a:t>CRECEIVEtr</a:t>
+            </a:r>
+            <a:r>
+              <a:rPr lang="en-US" dirty="0" smtClean="0"/>
+              <a:t>, ORIGINAL) = 0.110</a:t>
             </a:r>
             <a:endParaRPr lang="en-US" dirty="0"/>
+          </a:p>
+        </p:txBody>
+      </p:sp>
+      <p:sp>
+        <p:nvSpPr>
+          <p:cNvPr id="12" name="TextBox 11"/>
+          <p:cNvSpPr txBox="1"/>
+          <p:nvPr/>
+        </p:nvSpPr>
+        <p:spPr>
+          <a:xfrm>
+            <a:off x="914400" y="190500"/>
+            <a:ext cx="7315200" cy="369332"/>
+          </a:xfrm>
+          <a:prstGeom prst="rect">
+            <a:avLst/>
+          </a:prstGeom>
+          <a:noFill/>
+        </p:spPr>
+        <p:txBody>
+          <a:bodyPr wrap="square" rtlCol="0">
+            <a:spAutoFit/>
+          </a:bodyPr>
+          <a:lstStyle/>
+          <a:p>
+            <a:pPr algn="ctr"/>
+            <a:r>
+              <a:rPr lang="en-US" b="1" dirty="0" smtClean="0"/>
+              <a:t>Analysis of Path Model with Standardized Regression Coefficients</a:t>
+            </a:r>
           </a:p>
         </p:txBody>
       </p:sp>
     </p:spTree>
     <p:extLst>
       <p:ext uri="{BB962C8B-B14F-4D97-AF65-F5344CB8AC3E}">
-        <p14:creationId xmlns:p14="http://schemas.microsoft.com/office/powerpoint/2010/main" val="2495332603"/>
+        <p14:creationId xmlns:p14="http://schemas.microsoft.com/office/powerpoint/2010/main" val="1887972628"/>
       </p:ext>
     </p:extLst>
   </p:cSld>

--- a/Assignments/Assignment03/Docs/Townes_SOC6100_Assignment03_PathModel_Diagram_v00.pptx
+++ b/Assignments/Assignment03/Docs/Townes_SOC6100_Assignment03_PathModel_Diagram_v00.pptx
@@ -4,9 +4,14 @@
   <p:sldMasterIdLst>
     <p:sldMasterId id="2147483648" r:id="rId1"/>
   </p:sldMasterIdLst>
+  <p:notesMasterIdLst>
+    <p:notesMasterId r:id="rId6"/>
+  </p:notesMasterIdLst>
   <p:sldIdLst>
     <p:sldId id="256" r:id="rId2"/>
     <p:sldId id="258" r:id="rId3"/>
+    <p:sldId id="259" r:id="rId4"/>
+    <p:sldId id="260" r:id="rId5"/>
   </p:sldIdLst>
   <p:sldSz cx="9144000" cy="5715000" type="screen16x10"/>
   <p:notesSz cx="7010400" cy="9296400"/>
@@ -108,6 +113,536 @@
 </p:presentation>
 </file>
 
+<file path=ppt/notesMasters/notesMaster1.xml><?xml version="1.0" encoding="utf-8"?>
+<p:notesMaster xmlns:a="http://schemas.openxmlformats.org/drawingml/2006/main" xmlns:r="http://schemas.openxmlformats.org/officeDocument/2006/relationships" xmlns:p="http://schemas.openxmlformats.org/presentationml/2006/main">
+  <p:cSld>
+    <p:bg>
+      <p:bgRef idx="1001">
+        <a:schemeClr val="bg1"/>
+      </p:bgRef>
+    </p:bg>
+    <p:spTree>
+      <p:nvGrpSpPr>
+        <p:cNvPr id="1" name=""/>
+        <p:cNvGrpSpPr/>
+        <p:nvPr/>
+      </p:nvGrpSpPr>
+      <p:grpSpPr>
+        <a:xfrm>
+          <a:off x="0" y="0"/>
+          <a:ext cx="0" cy="0"/>
+          <a:chOff x="0" y="0"/>
+          <a:chExt cx="0" cy="0"/>
+        </a:xfrm>
+      </p:grpSpPr>
+      <p:sp>
+        <p:nvSpPr>
+          <p:cNvPr id="2" name="Header Placeholder 1"/>
+          <p:cNvSpPr>
+            <a:spLocks noGrp="1"/>
+          </p:cNvSpPr>
+          <p:nvPr>
+            <p:ph type="hdr" sz="quarter"/>
+          </p:nvPr>
+        </p:nvSpPr>
+        <p:spPr>
+          <a:xfrm>
+            <a:off x="0" y="0"/>
+            <a:ext cx="3038475" cy="465138"/>
+          </a:xfrm>
+          <a:prstGeom prst="rect">
+            <a:avLst/>
+          </a:prstGeom>
+        </p:spPr>
+        <p:txBody>
+          <a:bodyPr vert="horz" lIns="91440" tIns="45720" rIns="91440" bIns="45720" rtlCol="0"/>
+          <a:lstStyle>
+            <a:lvl1pPr algn="l">
+              <a:defRPr sz="1200"/>
+            </a:lvl1pPr>
+          </a:lstStyle>
+          <a:p>
+            <a:endParaRPr lang="en-US"/>
+          </a:p>
+        </p:txBody>
+      </p:sp>
+      <p:sp>
+        <p:nvSpPr>
+          <p:cNvPr id="3" name="Date Placeholder 2"/>
+          <p:cNvSpPr>
+            <a:spLocks noGrp="1"/>
+          </p:cNvSpPr>
+          <p:nvPr>
+            <p:ph type="dt" idx="1"/>
+          </p:nvPr>
+        </p:nvSpPr>
+        <p:spPr>
+          <a:xfrm>
+            <a:off x="3970338" y="0"/>
+            <a:ext cx="3038475" cy="465138"/>
+          </a:xfrm>
+          <a:prstGeom prst="rect">
+            <a:avLst/>
+          </a:prstGeom>
+        </p:spPr>
+        <p:txBody>
+          <a:bodyPr vert="horz" lIns="91440" tIns="45720" rIns="91440" bIns="45720" rtlCol="0"/>
+          <a:lstStyle>
+            <a:lvl1pPr algn="r">
+              <a:defRPr sz="1200"/>
+            </a:lvl1pPr>
+          </a:lstStyle>
+          <a:p>
+            <a:fld id="{F9983AA4-ADB7-4D78-BC0B-61D53AF05290}" type="datetimeFigureOut">
+              <a:rPr lang="en-US" smtClean="0"/>
+              <a:t>10/28/2018</a:t>
+            </a:fld>
+            <a:endParaRPr lang="en-US"/>
+          </a:p>
+        </p:txBody>
+      </p:sp>
+      <p:sp>
+        <p:nvSpPr>
+          <p:cNvPr id="4" name="Slide Image Placeholder 3"/>
+          <p:cNvSpPr>
+            <a:spLocks noGrp="1" noRot="1" noChangeAspect="1"/>
+          </p:cNvSpPr>
+          <p:nvPr>
+            <p:ph type="sldImg" idx="2"/>
+          </p:nvPr>
+        </p:nvSpPr>
+        <p:spPr>
+          <a:xfrm>
+            <a:off x="717550" y="696913"/>
+            <a:ext cx="5575300" cy="3486150"/>
+          </a:xfrm>
+          <a:prstGeom prst="rect">
+            <a:avLst/>
+          </a:prstGeom>
+          <a:noFill/>
+          <a:ln w="12700">
+            <a:solidFill>
+              <a:prstClr val="black"/>
+            </a:solidFill>
+          </a:ln>
+        </p:spPr>
+        <p:txBody>
+          <a:bodyPr vert="horz" lIns="91440" tIns="45720" rIns="91440" bIns="45720" rtlCol="0" anchor="ctr"/>
+          <a:lstStyle/>
+          <a:p>
+            <a:endParaRPr lang="en-US"/>
+          </a:p>
+        </p:txBody>
+      </p:sp>
+      <p:sp>
+        <p:nvSpPr>
+          <p:cNvPr id="5" name="Notes Placeholder 4"/>
+          <p:cNvSpPr>
+            <a:spLocks noGrp="1"/>
+          </p:cNvSpPr>
+          <p:nvPr>
+            <p:ph type="body" sz="quarter" idx="3"/>
+          </p:nvPr>
+        </p:nvSpPr>
+        <p:spPr>
+          <a:xfrm>
+            <a:off x="701675" y="4416425"/>
+            <a:ext cx="5607050" cy="4183063"/>
+          </a:xfrm>
+          <a:prstGeom prst="rect">
+            <a:avLst/>
+          </a:prstGeom>
+        </p:spPr>
+        <p:txBody>
+          <a:bodyPr vert="horz" lIns="91440" tIns="45720" rIns="91440" bIns="45720" rtlCol="0"/>
+          <a:lstStyle/>
+          <a:p>
+            <a:pPr lvl="0"/>
+            <a:r>
+              <a:rPr lang="en-US" smtClean="0"/>
+              <a:t>Click to edit Master text styles</a:t>
+            </a:r>
+          </a:p>
+          <a:p>
+            <a:pPr lvl="1"/>
+            <a:r>
+              <a:rPr lang="en-US" smtClean="0"/>
+              <a:t>Second level</a:t>
+            </a:r>
+          </a:p>
+          <a:p>
+            <a:pPr lvl="2"/>
+            <a:r>
+              <a:rPr lang="en-US" smtClean="0"/>
+              <a:t>Third level</a:t>
+            </a:r>
+          </a:p>
+          <a:p>
+            <a:pPr lvl="3"/>
+            <a:r>
+              <a:rPr lang="en-US" smtClean="0"/>
+              <a:t>Fourth level</a:t>
+            </a:r>
+          </a:p>
+          <a:p>
+            <a:pPr lvl="4"/>
+            <a:r>
+              <a:rPr lang="en-US" smtClean="0"/>
+              <a:t>Fifth level</a:t>
+            </a:r>
+            <a:endParaRPr lang="en-US"/>
+          </a:p>
+        </p:txBody>
+      </p:sp>
+      <p:sp>
+        <p:nvSpPr>
+          <p:cNvPr id="6" name="Footer Placeholder 5"/>
+          <p:cNvSpPr>
+            <a:spLocks noGrp="1"/>
+          </p:cNvSpPr>
+          <p:nvPr>
+            <p:ph type="ftr" sz="quarter" idx="4"/>
+          </p:nvPr>
+        </p:nvSpPr>
+        <p:spPr>
+          <a:xfrm>
+            <a:off x="0" y="8829675"/>
+            <a:ext cx="3038475" cy="465138"/>
+          </a:xfrm>
+          <a:prstGeom prst="rect">
+            <a:avLst/>
+          </a:prstGeom>
+        </p:spPr>
+        <p:txBody>
+          <a:bodyPr vert="horz" lIns="91440" tIns="45720" rIns="91440" bIns="45720" rtlCol="0" anchor="b"/>
+          <a:lstStyle>
+            <a:lvl1pPr algn="l">
+              <a:defRPr sz="1200"/>
+            </a:lvl1pPr>
+          </a:lstStyle>
+          <a:p>
+            <a:endParaRPr lang="en-US"/>
+          </a:p>
+        </p:txBody>
+      </p:sp>
+      <p:sp>
+        <p:nvSpPr>
+          <p:cNvPr id="7" name="Slide Number Placeholder 6"/>
+          <p:cNvSpPr>
+            <a:spLocks noGrp="1"/>
+          </p:cNvSpPr>
+          <p:nvPr>
+            <p:ph type="sldNum" sz="quarter" idx="5"/>
+          </p:nvPr>
+        </p:nvSpPr>
+        <p:spPr>
+          <a:xfrm>
+            <a:off x="3970338" y="8829675"/>
+            <a:ext cx="3038475" cy="465138"/>
+          </a:xfrm>
+          <a:prstGeom prst="rect">
+            <a:avLst/>
+          </a:prstGeom>
+        </p:spPr>
+        <p:txBody>
+          <a:bodyPr vert="horz" lIns="91440" tIns="45720" rIns="91440" bIns="45720" rtlCol="0" anchor="b"/>
+          <a:lstStyle>
+            <a:lvl1pPr algn="r">
+              <a:defRPr sz="1200"/>
+            </a:lvl1pPr>
+          </a:lstStyle>
+          <a:p>
+            <a:fld id="{0AC83BEF-6787-481E-AFCA-033D79C6C037}" type="slidenum">
+              <a:rPr lang="en-US" smtClean="0"/>
+              <a:t>‹#›</a:t>
+            </a:fld>
+            <a:endParaRPr lang="en-US"/>
+          </a:p>
+        </p:txBody>
+      </p:sp>
+    </p:spTree>
+    <p:extLst>
+      <p:ext uri="{BB962C8B-B14F-4D97-AF65-F5344CB8AC3E}">
+        <p14:creationId xmlns:p14="http://schemas.microsoft.com/office/powerpoint/2010/main" val="2590870387"/>
+      </p:ext>
+    </p:extLst>
+  </p:cSld>
+  <p:clrMap bg1="lt1" tx1="dk1" bg2="lt2" tx2="dk2" accent1="accent1" accent2="accent2" accent3="accent3" accent4="accent4" accent5="accent5" accent6="accent6" hlink="hlink" folHlink="folHlink"/>
+  <p:notesStyle>
+    <a:lvl1pPr marL="0" algn="l" defTabSz="914400" rtl="0" eaLnBrk="1" latinLnBrk="0" hangingPunct="1">
+      <a:defRPr sz="1200" kern="1200">
+        <a:solidFill>
+          <a:schemeClr val="tx1"/>
+        </a:solidFill>
+        <a:latin typeface="+mn-lt"/>
+        <a:ea typeface="+mn-ea"/>
+        <a:cs typeface="+mn-cs"/>
+      </a:defRPr>
+    </a:lvl1pPr>
+    <a:lvl2pPr marL="457200" algn="l" defTabSz="914400" rtl="0" eaLnBrk="1" latinLnBrk="0" hangingPunct="1">
+      <a:defRPr sz="1200" kern="1200">
+        <a:solidFill>
+          <a:schemeClr val="tx1"/>
+        </a:solidFill>
+        <a:latin typeface="+mn-lt"/>
+        <a:ea typeface="+mn-ea"/>
+        <a:cs typeface="+mn-cs"/>
+      </a:defRPr>
+    </a:lvl2pPr>
+    <a:lvl3pPr marL="914400" algn="l" defTabSz="914400" rtl="0" eaLnBrk="1" latinLnBrk="0" hangingPunct="1">
+      <a:defRPr sz="1200" kern="1200">
+        <a:solidFill>
+          <a:schemeClr val="tx1"/>
+        </a:solidFill>
+        <a:latin typeface="+mn-lt"/>
+        <a:ea typeface="+mn-ea"/>
+        <a:cs typeface="+mn-cs"/>
+      </a:defRPr>
+    </a:lvl3pPr>
+    <a:lvl4pPr marL="1371600" algn="l" defTabSz="914400" rtl="0" eaLnBrk="1" latinLnBrk="0" hangingPunct="1">
+      <a:defRPr sz="1200" kern="1200">
+        <a:solidFill>
+          <a:schemeClr val="tx1"/>
+        </a:solidFill>
+        <a:latin typeface="+mn-lt"/>
+        <a:ea typeface="+mn-ea"/>
+        <a:cs typeface="+mn-cs"/>
+      </a:defRPr>
+    </a:lvl4pPr>
+    <a:lvl5pPr marL="1828800" algn="l" defTabSz="914400" rtl="0" eaLnBrk="1" latinLnBrk="0" hangingPunct="1">
+      <a:defRPr sz="1200" kern="1200">
+        <a:solidFill>
+          <a:schemeClr val="tx1"/>
+        </a:solidFill>
+        <a:latin typeface="+mn-lt"/>
+        <a:ea typeface="+mn-ea"/>
+        <a:cs typeface="+mn-cs"/>
+      </a:defRPr>
+    </a:lvl5pPr>
+    <a:lvl6pPr marL="2286000" algn="l" defTabSz="914400" rtl="0" eaLnBrk="1" latinLnBrk="0" hangingPunct="1">
+      <a:defRPr sz="1200" kern="1200">
+        <a:solidFill>
+          <a:schemeClr val="tx1"/>
+        </a:solidFill>
+        <a:latin typeface="+mn-lt"/>
+        <a:ea typeface="+mn-ea"/>
+        <a:cs typeface="+mn-cs"/>
+      </a:defRPr>
+    </a:lvl6pPr>
+    <a:lvl7pPr marL="2743200" algn="l" defTabSz="914400" rtl="0" eaLnBrk="1" latinLnBrk="0" hangingPunct="1">
+      <a:defRPr sz="1200" kern="1200">
+        <a:solidFill>
+          <a:schemeClr val="tx1"/>
+        </a:solidFill>
+        <a:latin typeface="+mn-lt"/>
+        <a:ea typeface="+mn-ea"/>
+        <a:cs typeface="+mn-cs"/>
+      </a:defRPr>
+    </a:lvl7pPr>
+    <a:lvl8pPr marL="3200400" algn="l" defTabSz="914400" rtl="0" eaLnBrk="1" latinLnBrk="0" hangingPunct="1">
+      <a:defRPr sz="1200" kern="1200">
+        <a:solidFill>
+          <a:schemeClr val="tx1"/>
+        </a:solidFill>
+        <a:latin typeface="+mn-lt"/>
+        <a:ea typeface="+mn-ea"/>
+        <a:cs typeface="+mn-cs"/>
+      </a:defRPr>
+    </a:lvl8pPr>
+    <a:lvl9pPr marL="3657600" algn="l" defTabSz="914400" rtl="0" eaLnBrk="1" latinLnBrk="0" hangingPunct="1">
+      <a:defRPr sz="1200" kern="1200">
+        <a:solidFill>
+          <a:schemeClr val="tx1"/>
+        </a:solidFill>
+        <a:latin typeface="+mn-lt"/>
+        <a:ea typeface="+mn-ea"/>
+        <a:cs typeface="+mn-cs"/>
+      </a:defRPr>
+    </a:lvl9pPr>
+  </p:notesStyle>
+</p:notesMaster>
+</file>
+
+<file path=ppt/notesSlides/notesSlide1.xml><?xml version="1.0" encoding="utf-8"?>
+<p:notes xmlns:a="http://schemas.openxmlformats.org/drawingml/2006/main" xmlns:r="http://schemas.openxmlformats.org/officeDocument/2006/relationships" xmlns:p="http://schemas.openxmlformats.org/presentationml/2006/main">
+  <p:cSld>
+    <p:spTree>
+      <p:nvGrpSpPr>
+        <p:cNvPr id="1" name=""/>
+        <p:cNvGrpSpPr/>
+        <p:nvPr/>
+      </p:nvGrpSpPr>
+      <p:grpSpPr>
+        <a:xfrm>
+          <a:off x="0" y="0"/>
+          <a:ext cx="0" cy="0"/>
+          <a:chOff x="0" y="0"/>
+          <a:chExt cx="0" cy="0"/>
+        </a:xfrm>
+      </p:grpSpPr>
+      <p:sp>
+        <p:nvSpPr>
+          <p:cNvPr id="2" name="Slide Image Placeholder 1"/>
+          <p:cNvSpPr>
+            <a:spLocks noGrp="1" noRot="1" noChangeAspect="1"/>
+          </p:cNvSpPr>
+          <p:nvPr>
+            <p:ph type="sldImg"/>
+          </p:nvPr>
+        </p:nvSpPr>
+        <p:spPr/>
+      </p:sp>
+      <p:sp>
+        <p:nvSpPr>
+          <p:cNvPr id="3" name="Notes Placeholder 2"/>
+          <p:cNvSpPr>
+            <a:spLocks noGrp="1"/>
+          </p:cNvSpPr>
+          <p:nvPr>
+            <p:ph type="body" idx="1"/>
+          </p:nvPr>
+        </p:nvSpPr>
+        <p:spPr/>
+        <p:txBody>
+          <a:bodyPr/>
+          <a:lstStyle/>
+          <a:p>
+            <a:r>
+              <a:rPr lang="en-US" dirty="0" smtClean="0"/>
+              <a:t>All observations</a:t>
+            </a:r>
+            <a:endParaRPr lang="en-US" dirty="0"/>
+          </a:p>
+        </p:txBody>
+      </p:sp>
+      <p:sp>
+        <p:nvSpPr>
+          <p:cNvPr id="4" name="Slide Number Placeholder 3"/>
+          <p:cNvSpPr>
+            <a:spLocks noGrp="1"/>
+          </p:cNvSpPr>
+          <p:nvPr>
+            <p:ph type="sldNum" sz="quarter" idx="10"/>
+          </p:nvPr>
+        </p:nvSpPr>
+        <p:spPr/>
+        <p:txBody>
+          <a:bodyPr/>
+          <a:lstStyle/>
+          <a:p>
+            <a:fld id="{0AC83BEF-6787-481E-AFCA-033D79C6C037}" type="slidenum">
+              <a:rPr lang="en-US" smtClean="0"/>
+              <a:t>2</a:t>
+            </a:fld>
+            <a:endParaRPr lang="en-US"/>
+          </a:p>
+        </p:txBody>
+      </p:sp>
+    </p:spTree>
+    <p:extLst>
+      <p:ext uri="{BB962C8B-B14F-4D97-AF65-F5344CB8AC3E}">
+        <p14:creationId xmlns:p14="http://schemas.microsoft.com/office/powerpoint/2010/main" val="1376807259"/>
+      </p:ext>
+    </p:extLst>
+  </p:cSld>
+  <p:clrMapOvr>
+    <a:masterClrMapping/>
+  </p:clrMapOvr>
+</p:notes>
+</file>
+
+<file path=ppt/notesSlides/notesSlide2.xml><?xml version="1.0" encoding="utf-8"?>
+<p:notes xmlns:a="http://schemas.openxmlformats.org/drawingml/2006/main" xmlns:r="http://schemas.openxmlformats.org/officeDocument/2006/relationships" xmlns:p="http://schemas.openxmlformats.org/presentationml/2006/main">
+  <p:cSld>
+    <p:spTree>
+      <p:nvGrpSpPr>
+        <p:cNvPr id="1" name=""/>
+        <p:cNvGrpSpPr/>
+        <p:nvPr/>
+      </p:nvGrpSpPr>
+      <p:grpSpPr>
+        <a:xfrm>
+          <a:off x="0" y="0"/>
+          <a:ext cx="0" cy="0"/>
+          <a:chOff x="0" y="0"/>
+          <a:chExt cx="0" cy="0"/>
+        </a:xfrm>
+      </p:grpSpPr>
+      <p:sp>
+        <p:nvSpPr>
+          <p:cNvPr id="2" name="Slide Image Placeholder 1"/>
+          <p:cNvSpPr>
+            <a:spLocks noGrp="1" noRot="1" noChangeAspect="1"/>
+          </p:cNvSpPr>
+          <p:nvPr>
+            <p:ph type="sldImg"/>
+          </p:nvPr>
+        </p:nvSpPr>
+        <p:spPr/>
+      </p:sp>
+      <p:sp>
+        <p:nvSpPr>
+          <p:cNvPr id="3" name="Notes Placeholder 2"/>
+          <p:cNvSpPr>
+            <a:spLocks noGrp="1"/>
+          </p:cNvSpPr>
+          <p:nvPr>
+            <p:ph type="body" idx="1"/>
+          </p:nvPr>
+        </p:nvSpPr>
+        <p:spPr/>
+        <p:txBody>
+          <a:bodyPr/>
+          <a:lstStyle/>
+          <a:p>
+            <a:r>
+              <a:rPr lang="en-US" dirty="0" smtClean="0"/>
+              <a:t>Select</a:t>
+            </a:r>
+            <a:r>
+              <a:rPr lang="en-US" baseline="0" dirty="0" smtClean="0"/>
+              <a:t> outliers removed (case 202, 230, and 1630)</a:t>
+            </a:r>
+            <a:endParaRPr lang="en-US" dirty="0"/>
+          </a:p>
+        </p:txBody>
+      </p:sp>
+      <p:sp>
+        <p:nvSpPr>
+          <p:cNvPr id="4" name="Slide Number Placeholder 3"/>
+          <p:cNvSpPr>
+            <a:spLocks noGrp="1"/>
+          </p:cNvSpPr>
+          <p:nvPr>
+            <p:ph type="sldNum" sz="quarter" idx="10"/>
+          </p:nvPr>
+        </p:nvSpPr>
+        <p:spPr/>
+        <p:txBody>
+          <a:bodyPr/>
+          <a:lstStyle/>
+          <a:p>
+            <a:fld id="{0AC83BEF-6787-481E-AFCA-033D79C6C037}" type="slidenum">
+              <a:rPr lang="en-US" smtClean="0"/>
+              <a:t>3</a:t>
+            </a:fld>
+            <a:endParaRPr lang="en-US"/>
+          </a:p>
+        </p:txBody>
+      </p:sp>
+    </p:spTree>
+    <p:extLst>
+      <p:ext uri="{BB962C8B-B14F-4D97-AF65-F5344CB8AC3E}">
+        <p14:creationId xmlns:p14="http://schemas.microsoft.com/office/powerpoint/2010/main" val="1178951907"/>
+      </p:ext>
+    </p:extLst>
+  </p:cSld>
+  <p:clrMapOvr>
+    <a:masterClrMapping/>
+  </p:clrMapOvr>
+</p:notes>
+</file>
+
 <file path=ppt/slideLayouts/slideLayout1.xml><?xml version="1.0" encoding="utf-8"?>
 <p:sldLayout xmlns:a="http://schemas.openxmlformats.org/drawingml/2006/main" xmlns:r="http://schemas.openxmlformats.org/officeDocument/2006/relationships" xmlns:p="http://schemas.openxmlformats.org/presentationml/2006/main" type="title" preserve="1">
   <p:cSld name="Title Slide">
@@ -289,7 +824,7 @@
           <a:p>
             <a:fld id="{BF30DF70-5848-4672-8949-A08F2F452BE1}" type="datetimeFigureOut">
               <a:rPr lang="en-US" smtClean="0"/>
-              <a:t>10/24/2018</a:t>
+              <a:t>10/28/2018</a:t>
             </a:fld>
             <a:endParaRPr lang="en-US"/>
           </a:p>
@@ -459,7 +994,7 @@
           <a:p>
             <a:fld id="{BF30DF70-5848-4672-8949-A08F2F452BE1}" type="datetimeFigureOut">
               <a:rPr lang="en-US" smtClean="0"/>
-              <a:t>10/24/2018</a:t>
+              <a:t>10/28/2018</a:t>
             </a:fld>
             <a:endParaRPr lang="en-US"/>
           </a:p>
@@ -639,7 +1174,7 @@
           <a:p>
             <a:fld id="{BF30DF70-5848-4672-8949-A08F2F452BE1}" type="datetimeFigureOut">
               <a:rPr lang="en-US" smtClean="0"/>
-              <a:t>10/24/2018</a:t>
+              <a:t>10/28/2018</a:t>
             </a:fld>
             <a:endParaRPr lang="en-US"/>
           </a:p>
@@ -809,7 +1344,7 @@
           <a:p>
             <a:fld id="{BF30DF70-5848-4672-8949-A08F2F452BE1}" type="datetimeFigureOut">
               <a:rPr lang="en-US" smtClean="0"/>
-              <a:t>10/24/2018</a:t>
+              <a:t>10/28/2018</a:t>
             </a:fld>
             <a:endParaRPr lang="en-US"/>
           </a:p>
@@ -1055,7 +1590,7 @@
           <a:p>
             <a:fld id="{BF30DF70-5848-4672-8949-A08F2F452BE1}" type="datetimeFigureOut">
               <a:rPr lang="en-US" smtClean="0"/>
-              <a:t>10/24/2018</a:t>
+              <a:t>10/28/2018</a:t>
             </a:fld>
             <a:endParaRPr lang="en-US"/>
           </a:p>
@@ -1343,7 +1878,7 @@
           <a:p>
             <a:fld id="{BF30DF70-5848-4672-8949-A08F2F452BE1}" type="datetimeFigureOut">
               <a:rPr lang="en-US" smtClean="0"/>
-              <a:t>10/24/2018</a:t>
+              <a:t>10/28/2018</a:t>
             </a:fld>
             <a:endParaRPr lang="en-US"/>
           </a:p>
@@ -1770,7 +2305,7 @@
           <a:p>
             <a:fld id="{BF30DF70-5848-4672-8949-A08F2F452BE1}" type="datetimeFigureOut">
               <a:rPr lang="en-US" smtClean="0"/>
-              <a:t>10/24/2018</a:t>
+              <a:t>10/28/2018</a:t>
             </a:fld>
             <a:endParaRPr lang="en-US"/>
           </a:p>
@@ -1888,7 +2423,7 @@
           <a:p>
             <a:fld id="{BF30DF70-5848-4672-8949-A08F2F452BE1}" type="datetimeFigureOut">
               <a:rPr lang="en-US" smtClean="0"/>
-              <a:t>10/24/2018</a:t>
+              <a:t>10/28/2018</a:t>
             </a:fld>
             <a:endParaRPr lang="en-US"/>
           </a:p>
@@ -1983,7 +2518,7 @@
           <a:p>
             <a:fld id="{BF30DF70-5848-4672-8949-A08F2F452BE1}" type="datetimeFigureOut">
               <a:rPr lang="en-US" smtClean="0"/>
-              <a:t>10/24/2018</a:t>
+              <a:t>10/28/2018</a:t>
             </a:fld>
             <a:endParaRPr lang="en-US"/>
           </a:p>
@@ -2260,7 +2795,7 @@
           <a:p>
             <a:fld id="{BF30DF70-5848-4672-8949-A08F2F452BE1}" type="datetimeFigureOut">
               <a:rPr lang="en-US" smtClean="0"/>
-              <a:t>10/24/2018</a:t>
+              <a:t>10/28/2018</a:t>
             </a:fld>
             <a:endParaRPr lang="en-US"/>
           </a:p>
@@ -2513,7 +3048,7 @@
           <a:p>
             <a:fld id="{BF30DF70-5848-4672-8949-A08F2F452BE1}" type="datetimeFigureOut">
               <a:rPr lang="en-US" smtClean="0"/>
-              <a:t>10/24/2018</a:t>
+              <a:t>10/28/2018</a:t>
             </a:fld>
             <a:endParaRPr lang="en-US"/>
           </a:p>
@@ -2726,7 +3261,7 @@
           <a:p>
             <a:fld id="{BF30DF70-5848-4672-8949-A08F2F452BE1}" type="datetimeFigureOut">
               <a:rPr lang="en-US" smtClean="0"/>
-              <a:t>10/24/2018</a:t>
+              <a:t>10/28/2018</a:t>
             </a:fld>
             <a:endParaRPr lang="en-US"/>
           </a:p>
@@ -3757,36 +4292,6 @@
           </a:fontRef>
         </p:style>
       </p:cxnSp>
-      <p:sp>
-        <p:nvSpPr>
-          <p:cNvPr id="35" name="TextBox 34"/>
-          <p:cNvSpPr txBox="1"/>
-          <p:nvPr/>
-        </p:nvSpPr>
-        <p:spPr>
-          <a:xfrm>
-            <a:off x="914400" y="190500"/>
-            <a:ext cx="7315200" cy="369332"/>
-          </a:xfrm>
-          <a:prstGeom prst="rect">
-            <a:avLst/>
-          </a:prstGeom>
-          <a:noFill/>
-        </p:spPr>
-        <p:txBody>
-          <a:bodyPr wrap="square" rtlCol="0">
-            <a:spAutoFit/>
-          </a:bodyPr>
-          <a:lstStyle/>
-          <a:p>
-            <a:pPr algn="ctr"/>
-            <a:r>
-              <a:rPr lang="en-US" b="1" dirty="0" smtClean="0"/>
-              <a:t>Analysis of Path Model</a:t>
-            </a:r>
-          </a:p>
-        </p:txBody>
-      </p:sp>
     </p:spTree>
     <p:extLst>
       <p:ext uri="{BB962C8B-B14F-4D97-AF65-F5344CB8AC3E}">
@@ -4557,11 +5062,7 @@
           <a:p>
             <a:r>
               <a:rPr lang="en-US" dirty="0" smtClean="0"/>
-              <a:t>-</a:t>
-            </a:r>
-            <a:r>
-              <a:rPr lang="en-US" dirty="0" smtClean="0"/>
-              <a:t>0.612***</a:t>
+              <a:t>-0.612***</a:t>
             </a:r>
           </a:p>
         </p:txBody>
@@ -4590,7 +5091,11 @@
           <a:p>
             <a:r>
               <a:rPr lang="en-US" dirty="0" smtClean="0"/>
-              <a:t>0.060**(?)</a:t>
+              <a:t>0.060</a:t>
+            </a:r>
+            <a:r>
+              <a:rPr lang="en-US" dirty="0" smtClean="0"/>
+              <a:t>*</a:t>
             </a:r>
             <a:endParaRPr lang="en-US" dirty="0"/>
           </a:p>
@@ -4634,7 +5139,7 @@
         </p:nvSpPr>
         <p:spPr>
           <a:xfrm>
-            <a:off x="5075274" y="2136995"/>
+            <a:off x="5075274" y="2095500"/>
             <a:ext cx="1188720" cy="369332"/>
           </a:xfrm>
           <a:prstGeom prst="rect">
@@ -4650,7 +5155,7 @@
           <a:p>
             <a:r>
               <a:rPr lang="en-US" dirty="0" smtClean="0"/>
-              <a:t>0.044*(?)</a:t>
+              <a:t>0.044</a:t>
             </a:r>
             <a:endParaRPr lang="en-US" dirty="0"/>
           </a:p>
@@ -4664,7 +5169,7 @@
         </p:nvSpPr>
         <p:spPr>
           <a:xfrm>
-            <a:off x="5078818" y="3238500"/>
+            <a:off x="5078818" y="3162300"/>
             <a:ext cx="1188720" cy="369332"/>
           </a:xfrm>
           <a:prstGeom prst="rect">
@@ -4680,7 +5185,7 @@
           <a:p>
             <a:r>
               <a:rPr lang="en-US" dirty="0" smtClean="0"/>
-              <a:t>0.042*(?)</a:t>
+              <a:t>0.042</a:t>
             </a:r>
             <a:endParaRPr lang="en-US" dirty="0"/>
           </a:p>
@@ -4710,11 +5215,7 @@
           <a:p>
             <a:r>
               <a:rPr lang="en-US" dirty="0" smtClean="0"/>
-              <a:t>-</a:t>
-            </a:r>
-            <a:r>
-              <a:rPr lang="en-US" dirty="0" smtClean="0"/>
-              <a:t>0.047*</a:t>
+              <a:t>-0.047*</a:t>
             </a:r>
             <a:endParaRPr lang="en-US" dirty="0"/>
           </a:p>
@@ -4774,11 +5275,7 @@
           <a:p>
             <a:r>
               <a:rPr lang="en-US" dirty="0" smtClean="0"/>
-              <a:t>-</a:t>
-            </a:r>
-            <a:r>
-              <a:rPr lang="en-US" dirty="0" smtClean="0"/>
-              <a:t>0.082***</a:t>
+              <a:t>-0.082***</a:t>
             </a:r>
           </a:p>
         </p:txBody>
@@ -4853,7 +5350,7 @@
         </p:nvSpPr>
         <p:spPr>
           <a:xfrm>
-            <a:off x="5105400" y="2367290"/>
+            <a:off x="5105400" y="2325795"/>
             <a:ext cx="914400" cy="261610"/>
           </a:xfrm>
           <a:prstGeom prst="rect">
@@ -4886,7 +5383,7 @@
         </p:nvSpPr>
         <p:spPr>
           <a:xfrm>
-            <a:off x="5105400" y="3467100"/>
+            <a:off x="5105400" y="3390900"/>
             <a:ext cx="914400" cy="261610"/>
           </a:xfrm>
           <a:prstGeom prst="rect">
@@ -4976,39 +5473,13 @@
             </a:r>
             <a:r>
               <a:rPr lang="en-US" dirty="0" smtClean="0"/>
-              <a:t>, ORIGINAL) = 0.110</a:t>
+              <a:t>, ORIGINAL) = </a:t>
+            </a:r>
+            <a:r>
+              <a:rPr lang="en-US" dirty="0" smtClean="0"/>
+              <a:t>-0.016</a:t>
             </a:r>
             <a:endParaRPr lang="en-US" dirty="0"/>
-          </a:p>
-        </p:txBody>
-      </p:sp>
-      <p:sp>
-        <p:nvSpPr>
-          <p:cNvPr id="12" name="TextBox 11"/>
-          <p:cNvSpPr txBox="1"/>
-          <p:nvPr/>
-        </p:nvSpPr>
-        <p:spPr>
-          <a:xfrm>
-            <a:off x="914400" y="190500"/>
-            <a:ext cx="7315200" cy="369332"/>
-          </a:xfrm>
-          <a:prstGeom prst="rect">
-            <a:avLst/>
-          </a:prstGeom>
-          <a:noFill/>
-        </p:spPr>
-        <p:txBody>
-          <a:bodyPr wrap="square" rtlCol="0">
-            <a:spAutoFit/>
-          </a:bodyPr>
-          <a:lstStyle/>
-          <a:p>
-            <a:pPr algn="ctr"/>
-            <a:r>
-              <a:rPr lang="en-US" b="1" dirty="0" smtClean="0"/>
-              <a:t>Analysis of Path Model with Standardized Regression Coefficients</a:t>
-            </a:r>
           </a:p>
         </p:txBody>
       </p:sp>
@@ -5016,6 +5487,1831 @@
     <p:extLst>
       <p:ext uri="{BB962C8B-B14F-4D97-AF65-F5344CB8AC3E}">
         <p14:creationId xmlns:p14="http://schemas.microsoft.com/office/powerpoint/2010/main" val="1887972628"/>
+      </p:ext>
+    </p:extLst>
+  </p:cSld>
+  <p:clrMapOvr>
+    <a:masterClrMapping/>
+  </p:clrMapOvr>
+</p:sld>
+</file>
+
+<file path=ppt/slides/slide3.xml><?xml version="1.0" encoding="utf-8"?>
+<p:sld xmlns:a="http://schemas.openxmlformats.org/drawingml/2006/main" xmlns:r="http://schemas.openxmlformats.org/officeDocument/2006/relationships" xmlns:p="http://schemas.openxmlformats.org/presentationml/2006/main">
+  <p:cSld>
+    <p:spTree>
+      <p:nvGrpSpPr>
+        <p:cNvPr id="1" name=""/>
+        <p:cNvGrpSpPr/>
+        <p:nvPr/>
+      </p:nvGrpSpPr>
+      <p:grpSpPr>
+        <a:xfrm>
+          <a:off x="0" y="0"/>
+          <a:ext cx="0" cy="0"/>
+          <a:chOff x="0" y="0"/>
+          <a:chExt cx="0" cy="0"/>
+        </a:xfrm>
+      </p:grpSpPr>
+      <p:sp>
+        <p:nvSpPr>
+          <p:cNvPr id="4" name="Rounded Rectangle 3"/>
+          <p:cNvSpPr/>
+          <p:nvPr/>
+        </p:nvSpPr>
+        <p:spPr>
+          <a:xfrm>
+            <a:off x="6781800" y="2628900"/>
+            <a:ext cx="1371600" cy="457200"/>
+          </a:xfrm>
+          <a:prstGeom prst="roundRect">
+            <a:avLst/>
+          </a:prstGeom>
+        </p:spPr>
+        <p:style>
+          <a:lnRef idx="2">
+            <a:schemeClr val="accent1">
+              <a:shade val="50000"/>
+            </a:schemeClr>
+          </a:lnRef>
+          <a:fillRef idx="1">
+            <a:schemeClr val="accent1"/>
+          </a:fillRef>
+          <a:effectRef idx="0">
+            <a:schemeClr val="accent1"/>
+          </a:effectRef>
+          <a:fontRef idx="minor">
+            <a:schemeClr val="lt1"/>
+          </a:fontRef>
+        </p:style>
+        <p:txBody>
+          <a:bodyPr rtlCol="0" anchor="ctr"/>
+          <a:lstStyle/>
+          <a:p>
+            <a:pPr algn="ctr"/>
+            <a:r>
+              <a:rPr lang="en-US" dirty="0" err="1" smtClean="0"/>
+              <a:t>CRECEIVEtr</a:t>
+            </a:r>
+            <a:endParaRPr lang="en-US" dirty="0"/>
+          </a:p>
+        </p:txBody>
+      </p:sp>
+      <p:sp>
+        <p:nvSpPr>
+          <p:cNvPr id="5" name="Rounded Rectangle 4"/>
+          <p:cNvSpPr/>
+          <p:nvPr/>
+        </p:nvSpPr>
+        <p:spPr>
+          <a:xfrm>
+            <a:off x="4343400" y="2628900"/>
+            <a:ext cx="1371600" cy="457200"/>
+          </a:xfrm>
+          <a:prstGeom prst="roundRect">
+            <a:avLst/>
+          </a:prstGeom>
+        </p:spPr>
+        <p:style>
+          <a:lnRef idx="2">
+            <a:schemeClr val="accent1">
+              <a:shade val="50000"/>
+            </a:schemeClr>
+          </a:lnRef>
+          <a:fillRef idx="1">
+            <a:schemeClr val="accent1"/>
+          </a:fillRef>
+          <a:effectRef idx="0">
+            <a:schemeClr val="accent1"/>
+          </a:effectRef>
+          <a:fontRef idx="minor">
+            <a:schemeClr val="lt1"/>
+          </a:fontRef>
+        </p:style>
+        <p:txBody>
+          <a:bodyPr rtlCol="0" anchor="ctr"/>
+          <a:lstStyle/>
+          <a:p>
+            <a:pPr algn="ctr"/>
+            <a:r>
+              <a:rPr lang="en-US" dirty="0" smtClean="0"/>
+              <a:t>CLAIMS</a:t>
+            </a:r>
+            <a:endParaRPr lang="en-US" dirty="0"/>
+          </a:p>
+        </p:txBody>
+      </p:sp>
+      <p:sp>
+        <p:nvSpPr>
+          <p:cNvPr id="6" name="Rounded Rectangle 5"/>
+          <p:cNvSpPr/>
+          <p:nvPr/>
+        </p:nvSpPr>
+        <p:spPr>
+          <a:xfrm>
+            <a:off x="685800" y="2628900"/>
+            <a:ext cx="1371600" cy="457200"/>
+          </a:xfrm>
+          <a:prstGeom prst="roundRect">
+            <a:avLst/>
+          </a:prstGeom>
+        </p:spPr>
+        <p:style>
+          <a:lnRef idx="2">
+            <a:schemeClr val="accent1">
+              <a:shade val="50000"/>
+            </a:schemeClr>
+          </a:lnRef>
+          <a:fillRef idx="1">
+            <a:schemeClr val="accent1"/>
+          </a:fillRef>
+          <a:effectRef idx="0">
+            <a:schemeClr val="accent1"/>
+          </a:effectRef>
+          <a:fontRef idx="minor">
+            <a:schemeClr val="lt1"/>
+          </a:fontRef>
+        </p:style>
+        <p:txBody>
+          <a:bodyPr rtlCol="0" anchor="ctr"/>
+          <a:lstStyle/>
+          <a:p>
+            <a:pPr algn="ctr"/>
+            <a:r>
+              <a:rPr lang="en-US" dirty="0" smtClean="0"/>
+              <a:t>ORIGINAL</a:t>
+            </a:r>
+            <a:endParaRPr lang="en-US" dirty="0"/>
+          </a:p>
+        </p:txBody>
+      </p:sp>
+      <p:sp>
+        <p:nvSpPr>
+          <p:cNvPr id="7" name="Rounded Rectangle 6"/>
+          <p:cNvSpPr/>
+          <p:nvPr/>
+        </p:nvSpPr>
+        <p:spPr>
+          <a:xfrm>
+            <a:off x="2057400" y="952500"/>
+            <a:ext cx="1371600" cy="457200"/>
+          </a:xfrm>
+          <a:prstGeom prst="roundRect">
+            <a:avLst/>
+          </a:prstGeom>
+        </p:spPr>
+        <p:style>
+          <a:lnRef idx="2">
+            <a:schemeClr val="accent1">
+              <a:shade val="50000"/>
+            </a:schemeClr>
+          </a:lnRef>
+          <a:fillRef idx="1">
+            <a:schemeClr val="accent1"/>
+          </a:fillRef>
+          <a:effectRef idx="0">
+            <a:schemeClr val="accent1"/>
+          </a:effectRef>
+          <a:fontRef idx="minor">
+            <a:schemeClr val="lt1"/>
+          </a:fontRef>
+        </p:style>
+        <p:txBody>
+          <a:bodyPr rtlCol="0" anchor="ctr"/>
+          <a:lstStyle/>
+          <a:p>
+            <a:pPr algn="ctr"/>
+            <a:r>
+              <a:rPr lang="en-US" dirty="0" smtClean="0"/>
+              <a:t>GENERAL</a:t>
+            </a:r>
+            <a:endParaRPr lang="en-US" dirty="0"/>
+          </a:p>
+        </p:txBody>
+      </p:sp>
+      <p:sp>
+        <p:nvSpPr>
+          <p:cNvPr id="8" name="Rounded Rectangle 7"/>
+          <p:cNvSpPr/>
+          <p:nvPr/>
+        </p:nvSpPr>
+        <p:spPr>
+          <a:xfrm>
+            <a:off x="4343400" y="1638300"/>
+            <a:ext cx="1371600" cy="457200"/>
+          </a:xfrm>
+          <a:prstGeom prst="roundRect">
+            <a:avLst/>
+          </a:prstGeom>
+        </p:spPr>
+        <p:style>
+          <a:lnRef idx="2">
+            <a:schemeClr val="accent1">
+              <a:shade val="50000"/>
+            </a:schemeClr>
+          </a:lnRef>
+          <a:fillRef idx="1">
+            <a:schemeClr val="accent1"/>
+          </a:fillRef>
+          <a:effectRef idx="0">
+            <a:schemeClr val="accent1"/>
+          </a:effectRef>
+          <a:fontRef idx="minor">
+            <a:schemeClr val="lt1"/>
+          </a:fontRef>
+        </p:style>
+        <p:txBody>
+          <a:bodyPr rtlCol="0" anchor="ctr"/>
+          <a:lstStyle/>
+          <a:p>
+            <a:pPr algn="ctr"/>
+            <a:r>
+              <a:rPr lang="en-US" dirty="0" smtClean="0"/>
+              <a:t>GYEAR</a:t>
+            </a:r>
+            <a:endParaRPr lang="en-US" dirty="0"/>
+          </a:p>
+        </p:txBody>
+      </p:sp>
+      <p:sp>
+        <p:nvSpPr>
+          <p:cNvPr id="9" name="Rounded Rectangle 8"/>
+          <p:cNvSpPr/>
+          <p:nvPr/>
+        </p:nvSpPr>
+        <p:spPr>
+          <a:xfrm>
+            <a:off x="4343400" y="3695700"/>
+            <a:ext cx="1371600" cy="457200"/>
+          </a:xfrm>
+          <a:prstGeom prst="roundRect">
+            <a:avLst/>
+          </a:prstGeom>
+        </p:spPr>
+        <p:style>
+          <a:lnRef idx="2">
+            <a:schemeClr val="accent1">
+              <a:shade val="50000"/>
+            </a:schemeClr>
+          </a:lnRef>
+          <a:fillRef idx="1">
+            <a:schemeClr val="accent1"/>
+          </a:fillRef>
+          <a:effectRef idx="0">
+            <a:schemeClr val="accent1"/>
+          </a:effectRef>
+          <a:fontRef idx="minor">
+            <a:schemeClr val="lt1"/>
+          </a:fontRef>
+        </p:style>
+        <p:txBody>
+          <a:bodyPr rtlCol="0" anchor="ctr"/>
+          <a:lstStyle/>
+          <a:p>
+            <a:pPr algn="ctr"/>
+            <a:r>
+              <a:rPr lang="en-US" dirty="0" smtClean="0"/>
+              <a:t>RATIOCIT</a:t>
+            </a:r>
+            <a:endParaRPr lang="en-US" dirty="0"/>
+          </a:p>
+        </p:txBody>
+      </p:sp>
+      <p:cxnSp>
+        <p:nvCxnSpPr>
+          <p:cNvPr id="11" name="Straight Arrow Connector 10"/>
+          <p:cNvCxnSpPr>
+            <a:stCxn id="5" idx="3"/>
+            <a:endCxn id="4" idx="1"/>
+          </p:cNvCxnSpPr>
+          <p:nvPr/>
+        </p:nvCxnSpPr>
+        <p:spPr>
+          <a:xfrm>
+            <a:off x="5715000" y="2857500"/>
+            <a:ext cx="1066800" cy="0"/>
+          </a:xfrm>
+          <a:prstGeom prst="straightConnector1">
+            <a:avLst/>
+          </a:prstGeom>
+          <a:ln w="25400">
+            <a:solidFill>
+              <a:schemeClr val="tx1"/>
+            </a:solidFill>
+            <a:tailEnd type="triangle" w="lg" len="lg"/>
+          </a:ln>
+        </p:spPr>
+        <p:style>
+          <a:lnRef idx="1">
+            <a:schemeClr val="accent1"/>
+          </a:lnRef>
+          <a:fillRef idx="0">
+            <a:schemeClr val="accent1"/>
+          </a:fillRef>
+          <a:effectRef idx="0">
+            <a:schemeClr val="accent1"/>
+          </a:effectRef>
+          <a:fontRef idx="minor">
+            <a:schemeClr val="tx1"/>
+          </a:fontRef>
+        </p:style>
+      </p:cxnSp>
+      <p:cxnSp>
+        <p:nvCxnSpPr>
+          <p:cNvPr id="21" name="Straight Arrow Connector 20"/>
+          <p:cNvCxnSpPr>
+            <a:stCxn id="9" idx="3"/>
+            <a:endCxn id="4" idx="1"/>
+          </p:cNvCxnSpPr>
+          <p:nvPr/>
+        </p:nvCxnSpPr>
+        <p:spPr>
+          <a:xfrm flipV="1">
+            <a:off x="5715000" y="2857500"/>
+            <a:ext cx="1066800" cy="1066800"/>
+          </a:xfrm>
+          <a:prstGeom prst="straightConnector1">
+            <a:avLst/>
+          </a:prstGeom>
+          <a:ln w="25400">
+            <a:solidFill>
+              <a:schemeClr val="tx1"/>
+            </a:solidFill>
+            <a:tailEnd type="triangle" w="lg" len="lg"/>
+          </a:ln>
+        </p:spPr>
+        <p:style>
+          <a:lnRef idx="1">
+            <a:schemeClr val="accent1"/>
+          </a:lnRef>
+          <a:fillRef idx="0">
+            <a:schemeClr val="accent1"/>
+          </a:fillRef>
+          <a:effectRef idx="0">
+            <a:schemeClr val="accent1"/>
+          </a:effectRef>
+          <a:fontRef idx="minor">
+            <a:schemeClr val="tx1"/>
+          </a:fontRef>
+        </p:style>
+      </p:cxnSp>
+      <p:cxnSp>
+        <p:nvCxnSpPr>
+          <p:cNvPr id="23" name="Straight Arrow Connector 22"/>
+          <p:cNvCxnSpPr>
+            <a:stCxn id="8" idx="3"/>
+            <a:endCxn id="4" idx="1"/>
+          </p:cNvCxnSpPr>
+          <p:nvPr/>
+        </p:nvCxnSpPr>
+        <p:spPr>
+          <a:xfrm>
+            <a:off x="5715000" y="1866900"/>
+            <a:ext cx="1066800" cy="990600"/>
+          </a:xfrm>
+          <a:prstGeom prst="straightConnector1">
+            <a:avLst/>
+          </a:prstGeom>
+          <a:ln w="25400">
+            <a:solidFill>
+              <a:schemeClr val="tx1"/>
+            </a:solidFill>
+            <a:tailEnd type="triangle" w="lg" len="lg"/>
+          </a:ln>
+        </p:spPr>
+        <p:style>
+          <a:lnRef idx="1">
+            <a:schemeClr val="accent1"/>
+          </a:lnRef>
+          <a:fillRef idx="0">
+            <a:schemeClr val="accent1"/>
+          </a:fillRef>
+          <a:effectRef idx="0">
+            <a:schemeClr val="accent1"/>
+          </a:effectRef>
+          <a:fontRef idx="minor">
+            <a:schemeClr val="tx1"/>
+          </a:fontRef>
+        </p:style>
+      </p:cxnSp>
+      <p:cxnSp>
+        <p:nvCxnSpPr>
+          <p:cNvPr id="25" name="Elbow Connector 24"/>
+          <p:cNvCxnSpPr>
+            <a:stCxn id="7" idx="3"/>
+            <a:endCxn id="4" idx="0"/>
+          </p:cNvCxnSpPr>
+          <p:nvPr/>
+        </p:nvCxnSpPr>
+        <p:spPr>
+          <a:xfrm>
+            <a:off x="3429000" y="1181100"/>
+            <a:ext cx="4038600" cy="1447800"/>
+          </a:xfrm>
+          <a:prstGeom prst="bentConnector2">
+            <a:avLst/>
+          </a:prstGeom>
+          <a:ln w="25400">
+            <a:solidFill>
+              <a:schemeClr val="tx1"/>
+            </a:solidFill>
+            <a:tailEnd type="triangle" w="lg" len="lg"/>
+          </a:ln>
+        </p:spPr>
+        <p:style>
+          <a:lnRef idx="1">
+            <a:schemeClr val="accent1"/>
+          </a:lnRef>
+          <a:fillRef idx="0">
+            <a:schemeClr val="accent1"/>
+          </a:fillRef>
+          <a:effectRef idx="0">
+            <a:schemeClr val="accent1"/>
+          </a:effectRef>
+          <a:fontRef idx="minor">
+            <a:schemeClr val="tx1"/>
+          </a:fontRef>
+        </p:style>
+      </p:cxnSp>
+      <p:cxnSp>
+        <p:nvCxnSpPr>
+          <p:cNvPr id="22" name="Straight Arrow Connector 21"/>
+          <p:cNvCxnSpPr>
+            <a:stCxn id="7" idx="2"/>
+            <a:endCxn id="5" idx="1"/>
+          </p:cNvCxnSpPr>
+          <p:nvPr/>
+        </p:nvCxnSpPr>
+        <p:spPr>
+          <a:xfrm>
+            <a:off x="2743200" y="1409700"/>
+            <a:ext cx="1600200" cy="1447800"/>
+          </a:xfrm>
+          <a:prstGeom prst="straightConnector1">
+            <a:avLst/>
+          </a:prstGeom>
+          <a:ln w="25400">
+            <a:solidFill>
+              <a:schemeClr val="tx1"/>
+            </a:solidFill>
+            <a:tailEnd type="triangle" w="lg" len="lg"/>
+          </a:ln>
+        </p:spPr>
+        <p:style>
+          <a:lnRef idx="1">
+            <a:schemeClr val="accent1"/>
+          </a:lnRef>
+          <a:fillRef idx="0">
+            <a:schemeClr val="accent1"/>
+          </a:fillRef>
+          <a:effectRef idx="0">
+            <a:schemeClr val="accent1"/>
+          </a:effectRef>
+          <a:fontRef idx="minor">
+            <a:schemeClr val="tx1"/>
+          </a:fontRef>
+        </p:style>
+      </p:cxnSp>
+      <p:cxnSp>
+        <p:nvCxnSpPr>
+          <p:cNvPr id="26" name="Straight Arrow Connector 25"/>
+          <p:cNvCxnSpPr>
+            <a:stCxn id="6" idx="3"/>
+            <a:endCxn id="5" idx="1"/>
+          </p:cNvCxnSpPr>
+          <p:nvPr/>
+        </p:nvCxnSpPr>
+        <p:spPr>
+          <a:xfrm>
+            <a:off x="2057400" y="2857500"/>
+            <a:ext cx="2286000" cy="0"/>
+          </a:xfrm>
+          <a:prstGeom prst="straightConnector1">
+            <a:avLst/>
+          </a:prstGeom>
+          <a:ln w="25400">
+            <a:solidFill>
+              <a:schemeClr val="tx1"/>
+            </a:solidFill>
+            <a:tailEnd type="triangle" w="lg" len="lg"/>
+          </a:ln>
+        </p:spPr>
+        <p:style>
+          <a:lnRef idx="1">
+            <a:schemeClr val="accent1"/>
+          </a:lnRef>
+          <a:fillRef idx="0">
+            <a:schemeClr val="accent1"/>
+          </a:fillRef>
+          <a:effectRef idx="0">
+            <a:schemeClr val="accent1"/>
+          </a:effectRef>
+          <a:fontRef idx="minor">
+            <a:schemeClr val="tx1"/>
+          </a:fontRef>
+        </p:style>
+      </p:cxnSp>
+      <p:cxnSp>
+        <p:nvCxnSpPr>
+          <p:cNvPr id="30" name="Straight Arrow Connector 29"/>
+          <p:cNvCxnSpPr>
+            <a:stCxn id="8" idx="2"/>
+            <a:endCxn id="5" idx="0"/>
+          </p:cNvCxnSpPr>
+          <p:nvPr/>
+        </p:nvCxnSpPr>
+        <p:spPr>
+          <a:xfrm>
+            <a:off x="5029200" y="2095500"/>
+            <a:ext cx="0" cy="533400"/>
+          </a:xfrm>
+          <a:prstGeom prst="straightConnector1">
+            <a:avLst/>
+          </a:prstGeom>
+          <a:ln w="25400">
+            <a:solidFill>
+              <a:schemeClr val="tx1"/>
+            </a:solidFill>
+            <a:tailEnd type="triangle" w="lg" len="lg"/>
+          </a:ln>
+        </p:spPr>
+        <p:style>
+          <a:lnRef idx="1">
+            <a:schemeClr val="accent1"/>
+          </a:lnRef>
+          <a:fillRef idx="0">
+            <a:schemeClr val="accent1"/>
+          </a:fillRef>
+          <a:effectRef idx="0">
+            <a:schemeClr val="accent1"/>
+          </a:effectRef>
+          <a:fontRef idx="minor">
+            <a:schemeClr val="tx1"/>
+          </a:fontRef>
+        </p:style>
+      </p:cxnSp>
+      <p:cxnSp>
+        <p:nvCxnSpPr>
+          <p:cNvPr id="32" name="Straight Arrow Connector 31"/>
+          <p:cNvCxnSpPr>
+            <a:stCxn id="9" idx="0"/>
+            <a:endCxn id="5" idx="2"/>
+          </p:cNvCxnSpPr>
+          <p:nvPr/>
+        </p:nvCxnSpPr>
+        <p:spPr>
+          <a:xfrm flipV="1">
+            <a:off x="5029200" y="3086100"/>
+            <a:ext cx="0" cy="609600"/>
+          </a:xfrm>
+          <a:prstGeom prst="straightConnector1">
+            <a:avLst/>
+          </a:prstGeom>
+          <a:ln w="25400">
+            <a:solidFill>
+              <a:schemeClr val="tx1"/>
+            </a:solidFill>
+            <a:tailEnd type="triangle" w="lg" len="lg"/>
+          </a:ln>
+        </p:spPr>
+        <p:style>
+          <a:lnRef idx="1">
+            <a:schemeClr val="accent1"/>
+          </a:lnRef>
+          <a:fillRef idx="0">
+            <a:schemeClr val="accent1"/>
+          </a:fillRef>
+          <a:effectRef idx="0">
+            <a:schemeClr val="accent1"/>
+          </a:effectRef>
+          <a:fontRef idx="minor">
+            <a:schemeClr val="tx1"/>
+          </a:fontRef>
+        </p:style>
+      </p:cxnSp>
+      <p:cxnSp>
+        <p:nvCxnSpPr>
+          <p:cNvPr id="18" name="Elbow Connector 17"/>
+          <p:cNvCxnSpPr>
+            <a:stCxn id="6" idx="2"/>
+            <a:endCxn id="4" idx="2"/>
+          </p:cNvCxnSpPr>
+          <p:nvPr/>
+        </p:nvCxnSpPr>
+        <p:spPr>
+          <a:xfrm rot="16200000" flipH="1">
+            <a:off x="4419600" y="38100"/>
+            <a:ext cx="12700" cy="6096000"/>
+          </a:xfrm>
+          <a:prstGeom prst="bentConnector3">
+            <a:avLst>
+              <a:gd name="adj1" fmla="val 11381953"/>
+            </a:avLst>
+          </a:prstGeom>
+          <a:ln w="25400">
+            <a:solidFill>
+              <a:schemeClr val="tx1"/>
+            </a:solidFill>
+            <a:tailEnd type="triangle" w="lg" len="lg"/>
+          </a:ln>
+        </p:spPr>
+        <p:style>
+          <a:lnRef idx="1">
+            <a:schemeClr val="accent1"/>
+          </a:lnRef>
+          <a:fillRef idx="0">
+            <a:schemeClr val="accent1"/>
+          </a:fillRef>
+          <a:effectRef idx="0">
+            <a:schemeClr val="accent1"/>
+          </a:effectRef>
+          <a:fontRef idx="minor">
+            <a:schemeClr val="tx1"/>
+          </a:fontRef>
+        </p:style>
+      </p:cxnSp>
+      <p:cxnSp>
+        <p:nvCxnSpPr>
+          <p:cNvPr id="24" name="Elbow Connector 23"/>
+          <p:cNvCxnSpPr>
+            <a:stCxn id="6" idx="0"/>
+            <a:endCxn id="7" idx="1"/>
+          </p:cNvCxnSpPr>
+          <p:nvPr/>
+        </p:nvCxnSpPr>
+        <p:spPr>
+          <a:xfrm rot="5400000" flipH="1" flipV="1">
+            <a:off x="990600" y="1562100"/>
+            <a:ext cx="1447800" cy="685800"/>
+          </a:xfrm>
+          <a:prstGeom prst="bentConnector2">
+            <a:avLst/>
+          </a:prstGeom>
+          <a:ln w="25400">
+            <a:solidFill>
+              <a:schemeClr val="tx1"/>
+            </a:solidFill>
+            <a:tailEnd type="triangle" w="lg" len="lg"/>
+          </a:ln>
+        </p:spPr>
+        <p:style>
+          <a:lnRef idx="1">
+            <a:schemeClr val="accent1"/>
+          </a:lnRef>
+          <a:fillRef idx="0">
+            <a:schemeClr val="accent1"/>
+          </a:fillRef>
+          <a:effectRef idx="0">
+            <a:schemeClr val="accent1"/>
+          </a:effectRef>
+          <a:fontRef idx="minor">
+            <a:schemeClr val="tx1"/>
+          </a:fontRef>
+        </p:style>
+      </p:cxnSp>
+      <p:sp>
+        <p:nvSpPr>
+          <p:cNvPr id="19" name="TextBox 18"/>
+          <p:cNvSpPr txBox="1"/>
+          <p:nvPr/>
+        </p:nvSpPr>
+        <p:spPr>
+          <a:xfrm>
+            <a:off x="685800" y="5242098"/>
+            <a:ext cx="3886201" cy="369332"/>
+          </a:xfrm>
+          <a:prstGeom prst="rect">
+            <a:avLst/>
+          </a:prstGeom>
+          <a:noFill/>
+        </p:spPr>
+        <p:txBody>
+          <a:bodyPr wrap="square" rtlCol="0">
+            <a:spAutoFit/>
+          </a:bodyPr>
+          <a:lstStyle/>
+          <a:p>
+            <a:r>
+              <a:rPr lang="en-US" dirty="0" smtClean="0"/>
+              <a:t>* p&lt;0.05, ** p&lt;0.01, *** p&lt;0.001</a:t>
+            </a:r>
+            <a:endParaRPr lang="en-US" dirty="0"/>
+          </a:p>
+        </p:txBody>
+      </p:sp>
+      <p:sp>
+        <p:nvSpPr>
+          <p:cNvPr id="20" name="TextBox 19"/>
+          <p:cNvSpPr txBox="1"/>
+          <p:nvPr/>
+        </p:nvSpPr>
+        <p:spPr>
+          <a:xfrm>
+            <a:off x="1371600" y="1834634"/>
+            <a:ext cx="1188720" cy="369332"/>
+          </a:xfrm>
+          <a:prstGeom prst="rect">
+            <a:avLst/>
+          </a:prstGeom>
+          <a:noFill/>
+        </p:spPr>
+        <p:txBody>
+          <a:bodyPr wrap="square" rtlCol="0">
+            <a:spAutoFit/>
+          </a:bodyPr>
+          <a:lstStyle/>
+          <a:p>
+            <a:r>
+              <a:rPr lang="en-US" dirty="0" smtClean="0"/>
+              <a:t>0.170***</a:t>
+            </a:r>
+            <a:endParaRPr lang="en-US" dirty="0"/>
+          </a:p>
+        </p:txBody>
+      </p:sp>
+      <p:sp>
+        <p:nvSpPr>
+          <p:cNvPr id="27" name="TextBox 26"/>
+          <p:cNvSpPr txBox="1"/>
+          <p:nvPr/>
+        </p:nvSpPr>
+        <p:spPr>
+          <a:xfrm>
+            <a:off x="7465881" y="1682234"/>
+            <a:ext cx="1188720" cy="369332"/>
+          </a:xfrm>
+          <a:prstGeom prst="rect">
+            <a:avLst/>
+          </a:prstGeom>
+          <a:noFill/>
+        </p:spPr>
+        <p:txBody>
+          <a:bodyPr wrap="square" rtlCol="0">
+            <a:spAutoFit/>
+          </a:bodyPr>
+          <a:lstStyle/>
+          <a:p>
+            <a:r>
+              <a:rPr lang="en-US" dirty="0" smtClean="0"/>
+              <a:t>-</a:t>
+            </a:r>
+            <a:r>
+              <a:rPr lang="en-US" dirty="0" smtClean="0"/>
+              <a:t>0.611***</a:t>
+            </a:r>
+            <a:endParaRPr lang="en-US" dirty="0" smtClean="0"/>
+          </a:p>
+        </p:txBody>
+      </p:sp>
+      <p:sp>
+        <p:nvSpPr>
+          <p:cNvPr id="28" name="TextBox 27"/>
+          <p:cNvSpPr txBox="1"/>
+          <p:nvPr/>
+        </p:nvSpPr>
+        <p:spPr>
+          <a:xfrm>
+            <a:off x="3124200" y="1333500"/>
+            <a:ext cx="1188720" cy="369332"/>
+          </a:xfrm>
+          <a:prstGeom prst="rect">
+            <a:avLst/>
+          </a:prstGeom>
+          <a:noFill/>
+        </p:spPr>
+        <p:txBody>
+          <a:bodyPr wrap="square" rtlCol="0">
+            <a:spAutoFit/>
+          </a:bodyPr>
+          <a:lstStyle/>
+          <a:p>
+            <a:r>
+              <a:rPr lang="en-US" dirty="0" smtClean="0"/>
+              <a:t>0.058*</a:t>
+            </a:r>
+            <a:endParaRPr lang="en-US" dirty="0"/>
+          </a:p>
+        </p:txBody>
+      </p:sp>
+      <p:sp>
+        <p:nvSpPr>
+          <p:cNvPr id="29" name="TextBox 28"/>
+          <p:cNvSpPr txBox="1"/>
+          <p:nvPr/>
+        </p:nvSpPr>
+        <p:spPr>
+          <a:xfrm>
+            <a:off x="2514600" y="2497291"/>
+            <a:ext cx="1188720" cy="369332"/>
+          </a:xfrm>
+          <a:prstGeom prst="rect">
+            <a:avLst/>
+          </a:prstGeom>
+          <a:noFill/>
+        </p:spPr>
+        <p:txBody>
+          <a:bodyPr wrap="square" rtlCol="0">
+            <a:spAutoFit/>
+          </a:bodyPr>
+          <a:lstStyle/>
+          <a:p>
+            <a:r>
+              <a:rPr lang="en-US" dirty="0" smtClean="0"/>
+              <a:t>0.097***</a:t>
+            </a:r>
+            <a:endParaRPr lang="en-US" dirty="0"/>
+          </a:p>
+        </p:txBody>
+      </p:sp>
+      <p:sp>
+        <p:nvSpPr>
+          <p:cNvPr id="31" name="TextBox 30"/>
+          <p:cNvSpPr txBox="1"/>
+          <p:nvPr/>
+        </p:nvSpPr>
+        <p:spPr>
+          <a:xfrm>
+            <a:off x="5075274" y="2095500"/>
+            <a:ext cx="1188720" cy="369332"/>
+          </a:xfrm>
+          <a:prstGeom prst="rect">
+            <a:avLst/>
+          </a:prstGeom>
+          <a:noFill/>
+        </p:spPr>
+        <p:txBody>
+          <a:bodyPr wrap="square" rtlCol="0">
+            <a:spAutoFit/>
+          </a:bodyPr>
+          <a:lstStyle/>
+          <a:p>
+            <a:r>
+              <a:rPr lang="en-US" dirty="0" smtClean="0"/>
+              <a:t>0.045</a:t>
+            </a:r>
+            <a:endParaRPr lang="en-US" dirty="0"/>
+          </a:p>
+        </p:txBody>
+      </p:sp>
+      <p:sp>
+        <p:nvSpPr>
+          <p:cNvPr id="33" name="TextBox 32"/>
+          <p:cNvSpPr txBox="1"/>
+          <p:nvPr/>
+        </p:nvSpPr>
+        <p:spPr>
+          <a:xfrm>
+            <a:off x="5078818" y="3162300"/>
+            <a:ext cx="1188720" cy="369332"/>
+          </a:xfrm>
+          <a:prstGeom prst="rect">
+            <a:avLst/>
+          </a:prstGeom>
+          <a:noFill/>
+        </p:spPr>
+        <p:txBody>
+          <a:bodyPr wrap="square" rtlCol="0">
+            <a:spAutoFit/>
+          </a:bodyPr>
+          <a:lstStyle/>
+          <a:p>
+            <a:r>
+              <a:rPr lang="en-US" dirty="0" smtClean="0"/>
+              <a:t>0.042</a:t>
+            </a:r>
+            <a:endParaRPr lang="en-US" dirty="0"/>
+          </a:p>
+        </p:txBody>
+      </p:sp>
+      <p:sp>
+        <p:nvSpPr>
+          <p:cNvPr id="34" name="TextBox 33"/>
+          <p:cNvSpPr txBox="1"/>
+          <p:nvPr/>
+        </p:nvSpPr>
+        <p:spPr>
+          <a:xfrm>
+            <a:off x="5715000" y="2552700"/>
+            <a:ext cx="1188720" cy="369332"/>
+          </a:xfrm>
+          <a:prstGeom prst="rect">
+            <a:avLst/>
+          </a:prstGeom>
+          <a:noFill/>
+        </p:spPr>
+        <p:txBody>
+          <a:bodyPr wrap="square" rtlCol="0">
+            <a:spAutoFit/>
+          </a:bodyPr>
+          <a:lstStyle/>
+          <a:p>
+            <a:r>
+              <a:rPr lang="en-US" dirty="0" smtClean="0"/>
+              <a:t>-0.047*</a:t>
+            </a:r>
+            <a:endParaRPr lang="en-US" dirty="0"/>
+          </a:p>
+        </p:txBody>
+      </p:sp>
+      <p:sp>
+        <p:nvSpPr>
+          <p:cNvPr id="35" name="TextBox 34"/>
+          <p:cNvSpPr txBox="1"/>
+          <p:nvPr/>
+        </p:nvSpPr>
+        <p:spPr>
+          <a:xfrm>
+            <a:off x="6172200" y="1943100"/>
+            <a:ext cx="1188720" cy="369332"/>
+          </a:xfrm>
+          <a:prstGeom prst="rect">
+            <a:avLst/>
+          </a:prstGeom>
+          <a:noFill/>
+        </p:spPr>
+        <p:txBody>
+          <a:bodyPr wrap="square" rtlCol="0">
+            <a:spAutoFit/>
+          </a:bodyPr>
+          <a:lstStyle/>
+          <a:p>
+            <a:r>
+              <a:rPr lang="en-US" dirty="0" smtClean="0"/>
+              <a:t>0.190***</a:t>
+            </a:r>
+            <a:endParaRPr lang="en-US" dirty="0"/>
+          </a:p>
+        </p:txBody>
+      </p:sp>
+      <p:sp>
+        <p:nvSpPr>
+          <p:cNvPr id="36" name="TextBox 35"/>
+          <p:cNvSpPr txBox="1"/>
+          <p:nvPr/>
+        </p:nvSpPr>
+        <p:spPr>
+          <a:xfrm>
+            <a:off x="6172200" y="3445467"/>
+            <a:ext cx="1188720" cy="369332"/>
+          </a:xfrm>
+          <a:prstGeom prst="rect">
+            <a:avLst/>
+          </a:prstGeom>
+          <a:noFill/>
+        </p:spPr>
+        <p:txBody>
+          <a:bodyPr wrap="square" rtlCol="0">
+            <a:spAutoFit/>
+          </a:bodyPr>
+          <a:lstStyle/>
+          <a:p>
+            <a:r>
+              <a:rPr lang="en-US" dirty="0" smtClean="0"/>
+              <a:t>-0.082***</a:t>
+            </a:r>
+          </a:p>
+        </p:txBody>
+      </p:sp>
+      <p:sp>
+        <p:nvSpPr>
+          <p:cNvPr id="37" name="TextBox 36"/>
+          <p:cNvSpPr txBox="1"/>
+          <p:nvPr/>
+        </p:nvSpPr>
+        <p:spPr>
+          <a:xfrm>
+            <a:off x="7507180" y="3739634"/>
+            <a:ext cx="1188720" cy="369332"/>
+          </a:xfrm>
+          <a:prstGeom prst="rect">
+            <a:avLst/>
+          </a:prstGeom>
+          <a:noFill/>
+        </p:spPr>
+        <p:txBody>
+          <a:bodyPr wrap="square" rtlCol="0">
+            <a:spAutoFit/>
+          </a:bodyPr>
+          <a:lstStyle/>
+          <a:p>
+            <a:r>
+              <a:rPr lang="en-US" dirty="0" smtClean="0"/>
+              <a:t>0.093***</a:t>
+            </a:r>
+            <a:endParaRPr lang="en-US" dirty="0" smtClean="0"/>
+          </a:p>
+        </p:txBody>
+      </p:sp>
+      <p:sp>
+        <p:nvSpPr>
+          <p:cNvPr id="38" name="TextBox 37"/>
+          <p:cNvSpPr txBox="1"/>
+          <p:nvPr/>
+        </p:nvSpPr>
+        <p:spPr>
+          <a:xfrm>
+            <a:off x="5105400" y="2325795"/>
+            <a:ext cx="914400" cy="261610"/>
+          </a:xfrm>
+          <a:prstGeom prst="rect">
+            <a:avLst/>
+          </a:prstGeom>
+          <a:noFill/>
+        </p:spPr>
+        <p:txBody>
+          <a:bodyPr wrap="square" rtlCol="0">
+            <a:spAutoFit/>
+          </a:bodyPr>
+          <a:lstStyle/>
+          <a:p>
+            <a:r>
+              <a:rPr lang="en-US" sz="1100" dirty="0"/>
+              <a:t>p</a:t>
+            </a:r>
+            <a:r>
+              <a:rPr lang="en-US" sz="1100" dirty="0" smtClean="0"/>
+              <a:t> = </a:t>
+            </a:r>
+            <a:r>
+              <a:rPr lang="en-US" sz="1100" dirty="0" smtClean="0"/>
+              <a:t>0.054</a:t>
+            </a:r>
+            <a:endParaRPr lang="en-US" sz="1100" dirty="0" smtClean="0"/>
+          </a:p>
+        </p:txBody>
+      </p:sp>
+      <p:sp>
+        <p:nvSpPr>
+          <p:cNvPr id="39" name="TextBox 38"/>
+          <p:cNvSpPr txBox="1"/>
+          <p:nvPr/>
+        </p:nvSpPr>
+        <p:spPr>
+          <a:xfrm>
+            <a:off x="5105400" y="3390900"/>
+            <a:ext cx="914400" cy="261610"/>
+          </a:xfrm>
+          <a:prstGeom prst="rect">
+            <a:avLst/>
+          </a:prstGeom>
+          <a:noFill/>
+        </p:spPr>
+        <p:txBody>
+          <a:bodyPr wrap="square" rtlCol="0">
+            <a:spAutoFit/>
+          </a:bodyPr>
+          <a:lstStyle/>
+          <a:p>
+            <a:r>
+              <a:rPr lang="en-US" sz="1100" dirty="0"/>
+              <a:t>p</a:t>
+            </a:r>
+            <a:r>
+              <a:rPr lang="en-US" sz="1100" dirty="0" smtClean="0"/>
+              <a:t> = 0.063</a:t>
+            </a:r>
+          </a:p>
+        </p:txBody>
+      </p:sp>
+      <p:sp>
+        <p:nvSpPr>
+          <p:cNvPr id="40" name="TextBox 39"/>
+          <p:cNvSpPr txBox="1"/>
+          <p:nvPr/>
+        </p:nvSpPr>
+        <p:spPr>
+          <a:xfrm>
+            <a:off x="5791200" y="2857500"/>
+            <a:ext cx="914400" cy="261610"/>
+          </a:xfrm>
+          <a:prstGeom prst="rect">
+            <a:avLst/>
+          </a:prstGeom>
+          <a:noFill/>
+        </p:spPr>
+        <p:txBody>
+          <a:bodyPr wrap="square" rtlCol="0">
+            <a:spAutoFit/>
+          </a:bodyPr>
+          <a:lstStyle/>
+          <a:p>
+            <a:r>
+              <a:rPr lang="en-US" sz="1100" dirty="0"/>
+              <a:t>p</a:t>
+            </a:r>
+            <a:r>
+              <a:rPr lang="en-US" sz="1100" dirty="0" smtClean="0"/>
+              <a:t> = 0.05</a:t>
+            </a:r>
+          </a:p>
+        </p:txBody>
+      </p:sp>
+      <p:sp>
+        <p:nvSpPr>
+          <p:cNvPr id="10" name="TextBox 9"/>
+          <p:cNvSpPr txBox="1"/>
+          <p:nvPr/>
+        </p:nvSpPr>
+        <p:spPr>
+          <a:xfrm>
+            <a:off x="685800" y="4838700"/>
+            <a:ext cx="5562600" cy="369332"/>
+          </a:xfrm>
+          <a:prstGeom prst="rect">
+            <a:avLst/>
+          </a:prstGeom>
+          <a:noFill/>
+        </p:spPr>
+        <p:txBody>
+          <a:bodyPr wrap="square" rtlCol="0">
+            <a:spAutoFit/>
+          </a:bodyPr>
+          <a:lstStyle/>
+          <a:p>
+            <a:r>
+              <a:rPr lang="en-US" dirty="0" smtClean="0"/>
+              <a:t>Pearson Correlation (</a:t>
+            </a:r>
+            <a:r>
+              <a:rPr lang="en-US" dirty="0" err="1" smtClean="0"/>
+              <a:t>CRECEIVEtr</a:t>
+            </a:r>
+            <a:r>
+              <a:rPr lang="en-US" dirty="0" smtClean="0"/>
+              <a:t>, ORIGINAL) = </a:t>
+            </a:r>
+            <a:r>
+              <a:rPr lang="en-US" dirty="0" smtClean="0"/>
+              <a:t>-0.017</a:t>
+            </a:r>
+            <a:endParaRPr lang="en-US" dirty="0"/>
+          </a:p>
+        </p:txBody>
+      </p:sp>
+      <p:sp>
+        <p:nvSpPr>
+          <p:cNvPr id="41" name="TextBox 40"/>
+          <p:cNvSpPr txBox="1"/>
+          <p:nvPr/>
+        </p:nvSpPr>
+        <p:spPr>
+          <a:xfrm>
+            <a:off x="3144819" y="1605290"/>
+            <a:ext cx="914400" cy="261610"/>
+          </a:xfrm>
+          <a:prstGeom prst="rect">
+            <a:avLst/>
+          </a:prstGeom>
+          <a:noFill/>
+        </p:spPr>
+        <p:txBody>
+          <a:bodyPr wrap="square" rtlCol="0">
+            <a:spAutoFit/>
+          </a:bodyPr>
+          <a:lstStyle/>
+          <a:p>
+            <a:r>
+              <a:rPr lang="en-US" sz="1100" dirty="0"/>
+              <a:t>p</a:t>
+            </a:r>
+            <a:r>
+              <a:rPr lang="en-US" sz="1100" dirty="0" smtClean="0"/>
+              <a:t> = </a:t>
+            </a:r>
+            <a:r>
+              <a:rPr lang="en-US" sz="1100" dirty="0" smtClean="0"/>
+              <a:t>0.014</a:t>
+            </a:r>
+            <a:endParaRPr lang="en-US" sz="1100" dirty="0" smtClean="0"/>
+          </a:p>
+        </p:txBody>
+      </p:sp>
+    </p:spTree>
+    <p:extLst>
+      <p:ext uri="{BB962C8B-B14F-4D97-AF65-F5344CB8AC3E}">
+        <p14:creationId xmlns:p14="http://schemas.microsoft.com/office/powerpoint/2010/main" val="1986106564"/>
+      </p:ext>
+    </p:extLst>
+  </p:cSld>
+  <p:clrMapOvr>
+    <a:masterClrMapping/>
+  </p:clrMapOvr>
+</p:sld>
+</file>
+
+<file path=ppt/slides/slide4.xml><?xml version="1.0" encoding="utf-8"?>
+<p:sld xmlns:a="http://schemas.openxmlformats.org/drawingml/2006/main" xmlns:r="http://schemas.openxmlformats.org/officeDocument/2006/relationships" xmlns:p="http://schemas.openxmlformats.org/presentationml/2006/main">
+  <p:cSld>
+    <p:spTree>
+      <p:nvGrpSpPr>
+        <p:cNvPr id="1" name=""/>
+        <p:cNvGrpSpPr/>
+        <p:nvPr/>
+      </p:nvGrpSpPr>
+      <p:grpSpPr>
+        <a:xfrm>
+          <a:off x="0" y="0"/>
+          <a:ext cx="0" cy="0"/>
+          <a:chOff x="0" y="0"/>
+          <a:chExt cx="0" cy="0"/>
+        </a:xfrm>
+      </p:grpSpPr>
+      <p:graphicFrame>
+        <p:nvGraphicFramePr>
+          <p:cNvPr id="2" name="Table 1"/>
+          <p:cNvGraphicFramePr>
+            <a:graphicFrameLocks noGrp="1"/>
+          </p:cNvGraphicFramePr>
+          <p:nvPr>
+            <p:extLst>
+              <p:ext uri="{D42A27DB-BD31-4B8C-83A1-F6EECF244321}">
+                <p14:modId xmlns:p14="http://schemas.microsoft.com/office/powerpoint/2010/main" val="1492435359"/>
+              </p:ext>
+            </p:extLst>
+          </p:nvPr>
+        </p:nvGraphicFramePr>
+        <p:xfrm>
+          <a:off x="76200" y="767080"/>
+          <a:ext cx="8991600" cy="4180840"/>
+        </p:xfrm>
+        <a:graphic>
+          <a:graphicData uri="http://schemas.openxmlformats.org/drawingml/2006/table">
+            <a:tbl>
+              <a:tblPr firstRow="1" bandRow="1">
+                <a:tableStyleId>{5C22544A-7EE6-4342-B048-85BDC9FD1C3A}</a:tableStyleId>
+              </a:tblPr>
+              <a:tblGrid>
+                <a:gridCol w="1498600"/>
+                <a:gridCol w="1092200"/>
+                <a:gridCol w="1219200"/>
+                <a:gridCol w="2184400"/>
+                <a:gridCol w="1498600"/>
+                <a:gridCol w="1498600"/>
+              </a:tblGrid>
+              <a:tr h="370840">
+                <a:tc>
+                  <a:txBody>
+                    <a:bodyPr/>
+                    <a:lstStyle/>
+                    <a:p>
+                      <a:endParaRPr lang="en-US" sz="1400" dirty="0"/>
+                    </a:p>
+                  </a:txBody>
+                  <a:tcPr/>
+                </a:tc>
+                <a:tc>
+                  <a:txBody>
+                    <a:bodyPr/>
+                    <a:lstStyle/>
+                    <a:p>
+                      <a:r>
+                        <a:rPr lang="en-US" sz="1400" dirty="0" smtClean="0"/>
+                        <a:t>Total Assoc.</a:t>
+                      </a:r>
+                      <a:endParaRPr lang="en-US" sz="1400" dirty="0"/>
+                    </a:p>
+                  </a:txBody>
+                  <a:tcPr/>
+                </a:tc>
+                <a:tc>
+                  <a:txBody>
+                    <a:bodyPr/>
+                    <a:lstStyle/>
+                    <a:p>
+                      <a:r>
+                        <a:rPr lang="en-US" sz="1400" dirty="0" smtClean="0"/>
+                        <a:t>Direct Effects</a:t>
+                      </a:r>
+                      <a:endParaRPr lang="en-US" sz="1400" dirty="0"/>
+                    </a:p>
+                  </a:txBody>
+                  <a:tcPr/>
+                </a:tc>
+                <a:tc>
+                  <a:txBody>
+                    <a:bodyPr/>
+                    <a:lstStyle/>
+                    <a:p>
+                      <a:r>
+                        <a:rPr lang="en-US" sz="1400" dirty="0" smtClean="0"/>
+                        <a:t>Indirect Effects</a:t>
+                      </a:r>
+                      <a:endParaRPr lang="en-US" sz="1400" dirty="0"/>
+                    </a:p>
+                  </a:txBody>
+                  <a:tcPr/>
+                </a:tc>
+                <a:tc>
+                  <a:txBody>
+                    <a:bodyPr/>
+                    <a:lstStyle/>
+                    <a:p>
+                      <a:r>
+                        <a:rPr lang="en-US" sz="1400" dirty="0" smtClean="0"/>
+                        <a:t>Total Effect</a:t>
+                      </a:r>
+                      <a:endParaRPr lang="en-US" sz="1400" dirty="0"/>
+                    </a:p>
+                  </a:txBody>
+                  <a:tcPr/>
+                </a:tc>
+                <a:tc>
+                  <a:txBody>
+                    <a:bodyPr/>
+                    <a:lstStyle/>
+                    <a:p>
+                      <a:r>
+                        <a:rPr lang="en-US" sz="1400" dirty="0" smtClean="0"/>
+                        <a:t>Non-Causal</a:t>
+                      </a:r>
+                      <a:endParaRPr lang="en-US" sz="1400" dirty="0"/>
+                    </a:p>
+                  </a:txBody>
+                  <a:tcPr/>
+                </a:tc>
+              </a:tr>
+              <a:tr h="370840">
+                <a:tc>
+                  <a:txBody>
+                    <a:bodyPr/>
+                    <a:lstStyle/>
+                    <a:p>
+                      <a:r>
+                        <a:rPr lang="en-US" sz="1400" dirty="0" smtClean="0"/>
+                        <a:t>All data</a:t>
+                      </a:r>
+                      <a:endParaRPr lang="en-US" sz="1400" dirty="0"/>
+                    </a:p>
+                  </a:txBody>
+                  <a:tcPr/>
+                </a:tc>
+                <a:tc>
+                  <a:txBody>
+                    <a:bodyPr/>
+                    <a:lstStyle/>
+                    <a:p>
+                      <a:pPr algn="r"/>
+                      <a:r>
+                        <a:rPr lang="en-US" sz="1400" dirty="0" smtClean="0"/>
+                        <a:t>ORIGINAL</a:t>
+                      </a:r>
+                    </a:p>
+                    <a:p>
+                      <a:pPr algn="r"/>
+                      <a:r>
+                        <a:rPr lang="en-US" sz="1400" dirty="0" smtClean="0"/>
+                        <a:t>-0.016</a:t>
+                      </a:r>
+                      <a:endParaRPr lang="en-US" sz="1400" dirty="0"/>
+                    </a:p>
+                  </a:txBody>
+                  <a:tcPr/>
+                </a:tc>
+                <a:tc>
+                  <a:txBody>
+                    <a:bodyPr/>
+                    <a:lstStyle/>
+                    <a:p>
+                      <a:pPr algn="r"/>
+                      <a:r>
+                        <a:rPr lang="en-US" sz="1400" baseline="0" dirty="0" smtClean="0"/>
+                        <a:t>ORIGINAL</a:t>
+                      </a:r>
+                      <a:endParaRPr lang="en-US" sz="1400" dirty="0" smtClean="0"/>
+                    </a:p>
+                    <a:p>
+                      <a:pPr algn="r"/>
+                      <a:r>
+                        <a:rPr lang="en-US" sz="1400" dirty="0" smtClean="0"/>
+                        <a:t>0.094</a:t>
+                      </a:r>
+                    </a:p>
+                    <a:p>
+                      <a:pPr algn="r"/>
+                      <a:endParaRPr lang="en-US" sz="1400" dirty="0" smtClean="0"/>
+                    </a:p>
+                    <a:p>
+                      <a:pPr algn="r"/>
+                      <a:r>
+                        <a:rPr lang="en-US" sz="1400" dirty="0" smtClean="0"/>
+                        <a:t>GYEAR</a:t>
+                      </a:r>
+                    </a:p>
+                    <a:p>
+                      <a:pPr algn="r"/>
+                      <a:r>
+                        <a:rPr lang="en-US" sz="1400" dirty="0" smtClean="0"/>
+                        <a:t>0.189</a:t>
+                      </a:r>
+                    </a:p>
+                    <a:p>
+                      <a:pPr algn="r"/>
+                      <a:endParaRPr lang="en-US" sz="1400" dirty="0" smtClean="0"/>
+                    </a:p>
+                    <a:p>
+                      <a:pPr algn="r"/>
+                      <a:r>
+                        <a:rPr lang="en-US" sz="1400" dirty="0" smtClean="0"/>
+                        <a:t>RATIOCIT</a:t>
+                      </a:r>
+                    </a:p>
+                    <a:p>
+                      <a:pPr algn="r"/>
+                      <a:r>
+                        <a:rPr lang="en-US" sz="1400" dirty="0" smtClean="0"/>
+                        <a:t>-0.082</a:t>
+                      </a:r>
+                      <a:endParaRPr lang="en-US" sz="1400" dirty="0"/>
+                    </a:p>
+                  </a:txBody>
+                  <a:tcPr/>
+                </a:tc>
+                <a:tc>
+                  <a:txBody>
+                    <a:bodyPr/>
+                    <a:lstStyle/>
+                    <a:p>
+                      <a:pPr algn="r"/>
+                      <a:r>
+                        <a:rPr lang="en-US" sz="1400" dirty="0" smtClean="0"/>
+                        <a:t>via</a:t>
+                      </a:r>
+                      <a:r>
+                        <a:rPr lang="en-US" sz="1400" baseline="0" dirty="0" smtClean="0"/>
+                        <a:t> GENERAL</a:t>
+                      </a:r>
+                    </a:p>
+                    <a:p>
+                      <a:pPr algn="r"/>
+                      <a:r>
+                        <a:rPr lang="en-US" sz="1400" dirty="0" smtClean="0"/>
+                        <a:t>(0.169)(-0.612) = </a:t>
+                      </a:r>
+                      <a:r>
+                        <a:rPr lang="en-US" sz="1400" dirty="0" smtClean="0"/>
+                        <a:t>-0.103 </a:t>
+                      </a:r>
+                      <a:r>
+                        <a:rPr lang="en-US" sz="1400" dirty="0" smtClean="0"/>
+                        <a:t> </a:t>
+                      </a:r>
+                    </a:p>
+                    <a:p>
+                      <a:pPr algn="r"/>
+                      <a:endParaRPr lang="en-US" sz="1400" dirty="0" smtClean="0"/>
+                    </a:p>
+                    <a:p>
+                      <a:pPr algn="r"/>
+                      <a:r>
+                        <a:rPr lang="en-US" sz="1400" dirty="0" smtClean="0"/>
+                        <a:t>via</a:t>
+                      </a:r>
+                      <a:r>
+                        <a:rPr lang="en-US" sz="1400" baseline="0" dirty="0" smtClean="0"/>
+                        <a:t> CLAIMS</a:t>
+                      </a:r>
+                    </a:p>
+                    <a:p>
+                      <a:pPr algn="r"/>
+                      <a:r>
+                        <a:rPr lang="en-US" sz="1400" baseline="0" dirty="0" smtClean="0"/>
+                        <a:t>(0.097)(-0.047) = </a:t>
+                      </a:r>
+                      <a:r>
+                        <a:rPr lang="en-US" sz="1400" baseline="0" dirty="0" smtClean="0"/>
+                        <a:t>-0.005 </a:t>
+                      </a:r>
+                      <a:endParaRPr lang="en-US" sz="1400" baseline="0" dirty="0" smtClean="0"/>
+                    </a:p>
+                    <a:p>
+                      <a:pPr algn="r"/>
+                      <a:r>
+                        <a:rPr lang="en-US" sz="1400" baseline="0" dirty="0" smtClean="0"/>
+                        <a:t>(0.060)(-0.047) = </a:t>
+                      </a:r>
+                      <a:r>
+                        <a:rPr lang="en-US" sz="1400" baseline="0" dirty="0" smtClean="0"/>
+                        <a:t>-0.003 </a:t>
+                      </a:r>
+                      <a:endParaRPr lang="en-US" sz="1400" baseline="0" dirty="0" smtClean="0"/>
+                    </a:p>
+                    <a:p>
+                      <a:pPr algn="r"/>
+                      <a:r>
+                        <a:rPr lang="en-US" sz="1400" baseline="0" dirty="0" smtClean="0"/>
+                        <a:t>(0.044)(-0.047) = </a:t>
+                      </a:r>
+                      <a:r>
+                        <a:rPr lang="en-US" sz="1400" baseline="0" dirty="0" smtClean="0"/>
+                        <a:t>-0.002 </a:t>
+                      </a:r>
+                      <a:endParaRPr lang="en-US" sz="1400" baseline="0" dirty="0" smtClean="0"/>
+                    </a:p>
+                    <a:p>
+                      <a:pPr algn="r"/>
+                      <a:r>
+                        <a:rPr lang="en-US" sz="1400" baseline="0" dirty="0" smtClean="0"/>
+                        <a:t>(0.042)(-0.047) = -0.002</a:t>
+                      </a:r>
+                      <a:endParaRPr lang="en-US" sz="1400" dirty="0"/>
+                    </a:p>
+                  </a:txBody>
+                  <a:tcPr/>
+                </a:tc>
+                <a:tc>
+                  <a:txBody>
+                    <a:bodyPr/>
+                    <a:lstStyle/>
+                    <a:p>
+                      <a:pPr algn="r"/>
+                      <a:r>
+                        <a:rPr lang="en-US" sz="1400" dirty="0" smtClean="0"/>
+                        <a:t>0.094+0.189+</a:t>
+                      </a:r>
+                      <a:br>
+                        <a:rPr lang="en-US" sz="1400" dirty="0" smtClean="0"/>
+                      </a:br>
+                      <a:r>
+                        <a:rPr lang="en-US" sz="1400" dirty="0" smtClean="0"/>
+                        <a:t>(-0.082)+(-0.103)+</a:t>
+                      </a:r>
+                      <a:br>
+                        <a:rPr lang="en-US" sz="1400" dirty="0" smtClean="0"/>
+                      </a:br>
+                      <a:r>
+                        <a:rPr lang="en-US" sz="1400" dirty="0" smtClean="0"/>
+                        <a:t>(-0.005)+(-0.003)+</a:t>
+                      </a:r>
+                      <a:br>
+                        <a:rPr lang="en-US" sz="1400" dirty="0" smtClean="0"/>
+                      </a:br>
+                      <a:r>
+                        <a:rPr lang="en-US" sz="1400" dirty="0" smtClean="0"/>
+                        <a:t>(0.002)+(-0.002) = 0.086 </a:t>
+                      </a:r>
+                      <a:endParaRPr lang="en-US" sz="1400" dirty="0"/>
+                    </a:p>
+                  </a:txBody>
+                  <a:tcPr/>
+                </a:tc>
+                <a:tc>
+                  <a:txBody>
+                    <a:bodyPr/>
+                    <a:lstStyle/>
+                    <a:p>
+                      <a:pPr algn="r"/>
+                      <a:r>
+                        <a:rPr lang="en-US" sz="1400" dirty="0" smtClean="0"/>
+                        <a:t>-0.016-0.086 = </a:t>
+                      </a:r>
+                      <a:br>
+                        <a:rPr lang="en-US" sz="1400" dirty="0" smtClean="0"/>
+                      </a:br>
+                      <a:r>
+                        <a:rPr lang="en-US" sz="1400" dirty="0" smtClean="0"/>
+                        <a:t>-0.102</a:t>
+                      </a:r>
+                      <a:endParaRPr lang="en-US" sz="1400" dirty="0"/>
+                    </a:p>
+                  </a:txBody>
+                  <a:tcPr/>
+                </a:tc>
+              </a:tr>
+              <a:tr h="370840">
+                <a:tc>
+                  <a:txBody>
+                    <a:bodyPr/>
+                    <a:lstStyle/>
+                    <a:p>
+                      <a:r>
+                        <a:rPr lang="en-US" sz="1400" dirty="0" smtClean="0"/>
+                        <a:t>Select</a:t>
+                      </a:r>
+                      <a:r>
+                        <a:rPr lang="en-US" sz="1400" baseline="0" dirty="0" smtClean="0"/>
+                        <a:t> outliers removed</a:t>
+                      </a:r>
+                      <a:endParaRPr lang="en-US" sz="1400" dirty="0"/>
+                    </a:p>
+                  </a:txBody>
+                  <a:tcPr/>
+                </a:tc>
+                <a:tc>
+                  <a:txBody>
+                    <a:bodyPr/>
+                    <a:lstStyle/>
+                    <a:p>
+                      <a:pPr algn="r"/>
+                      <a:r>
+                        <a:rPr lang="en-US" sz="1400" dirty="0" smtClean="0"/>
+                        <a:t>ORIGINAL</a:t>
+                      </a:r>
+                    </a:p>
+                    <a:p>
+                      <a:pPr algn="r"/>
+                      <a:r>
+                        <a:rPr lang="en-US" sz="1400" dirty="0" smtClean="0"/>
+                        <a:t>-0.017</a:t>
+                      </a:r>
+                      <a:endParaRPr lang="en-US" sz="1400" dirty="0"/>
+                    </a:p>
+                  </a:txBody>
+                  <a:tcPr/>
+                </a:tc>
+                <a:tc>
+                  <a:txBody>
+                    <a:bodyPr/>
+                    <a:lstStyle/>
+                    <a:p>
+                      <a:pPr algn="r"/>
+                      <a:r>
+                        <a:rPr lang="en-US" sz="1400" dirty="0" smtClean="0"/>
+                        <a:t>ORIGINAL</a:t>
+                      </a:r>
+                    </a:p>
+                    <a:p>
+                      <a:pPr algn="r"/>
+                      <a:r>
+                        <a:rPr lang="en-US" sz="1400" dirty="0" smtClean="0"/>
+                        <a:t>0.093</a:t>
+                      </a:r>
+                    </a:p>
+                    <a:p>
+                      <a:pPr algn="r"/>
+                      <a:endParaRPr lang="en-US" sz="1400" dirty="0" smtClean="0"/>
+                    </a:p>
+                    <a:p>
+                      <a:pPr algn="r"/>
+                      <a:r>
+                        <a:rPr lang="en-US" sz="1400" dirty="0" smtClean="0"/>
+                        <a:t>GYEAR</a:t>
+                      </a:r>
+                    </a:p>
+                    <a:p>
+                      <a:pPr algn="r"/>
+                      <a:r>
+                        <a:rPr lang="en-US" sz="1400" dirty="0" smtClean="0"/>
+                        <a:t>0.190</a:t>
+                      </a:r>
+                    </a:p>
+                    <a:p>
+                      <a:pPr algn="r"/>
+                      <a:endParaRPr lang="en-US" sz="1400" dirty="0" smtClean="0"/>
+                    </a:p>
+                    <a:p>
+                      <a:pPr algn="r"/>
+                      <a:r>
+                        <a:rPr lang="en-US" sz="1400" dirty="0" smtClean="0"/>
+                        <a:t>RATIOCIT</a:t>
+                      </a:r>
+                    </a:p>
+                    <a:p>
+                      <a:pPr algn="r"/>
+                      <a:r>
+                        <a:rPr lang="en-US" sz="1400" dirty="0" smtClean="0"/>
+                        <a:t>-0.082</a:t>
+                      </a:r>
+                    </a:p>
+                  </a:txBody>
+                  <a:tcPr/>
+                </a:tc>
+                <a:tc>
+                  <a:txBody>
+                    <a:bodyPr/>
+                    <a:lstStyle/>
+                    <a:p>
+                      <a:pPr algn="r"/>
+                      <a:r>
+                        <a:rPr lang="it-IT" sz="1400" dirty="0" smtClean="0"/>
+                        <a:t>via GENERAL</a:t>
+                      </a:r>
+                    </a:p>
+                    <a:p>
+                      <a:pPr algn="r"/>
+                      <a:r>
+                        <a:rPr lang="it-IT" sz="1400" dirty="0" smtClean="0"/>
+                        <a:t>(0.169)(-0.611) = -0.103  </a:t>
+                      </a:r>
+                    </a:p>
+                    <a:p>
+                      <a:pPr algn="r"/>
+                      <a:endParaRPr lang="it-IT" sz="1400" dirty="0" smtClean="0"/>
+                    </a:p>
+                    <a:p>
+                      <a:pPr algn="r"/>
+                      <a:r>
+                        <a:rPr lang="it-IT" sz="1400" dirty="0" smtClean="0"/>
+                        <a:t>via CLAIMS</a:t>
+                      </a:r>
+                    </a:p>
+                    <a:p>
+                      <a:pPr algn="r"/>
+                      <a:r>
+                        <a:rPr lang="it-IT" sz="1400" dirty="0" smtClean="0"/>
+                        <a:t>(0.097)(-0.047) = -0.005 </a:t>
+                      </a:r>
+                    </a:p>
+                    <a:p>
+                      <a:pPr algn="r"/>
+                      <a:r>
+                        <a:rPr lang="it-IT" sz="1400" dirty="0" smtClean="0"/>
+                        <a:t>(0.058)(-0.047) = -0.003 </a:t>
+                      </a:r>
+                    </a:p>
+                    <a:p>
+                      <a:pPr algn="r"/>
+                      <a:r>
+                        <a:rPr lang="it-IT" sz="1400" dirty="0" smtClean="0"/>
+                        <a:t>(0.045)(-0.047) = -0.002 </a:t>
+                      </a:r>
+                    </a:p>
+                    <a:p>
+                      <a:pPr algn="r"/>
+                      <a:r>
+                        <a:rPr lang="it-IT" sz="1400" dirty="0" smtClean="0"/>
+                        <a:t>(0.042)(-0.047) = -0.002</a:t>
+                      </a:r>
+                    </a:p>
+                    <a:p>
+                      <a:pPr algn="r"/>
+                      <a:endParaRPr lang="en-US" sz="1400" dirty="0"/>
+                    </a:p>
+                  </a:txBody>
+                  <a:tcPr/>
+                </a:tc>
+                <a:tc>
+                  <a:txBody>
+                    <a:bodyPr/>
+                    <a:lstStyle/>
+                    <a:p>
+                      <a:pPr algn="r"/>
+                      <a:r>
+                        <a:rPr lang="en-US" sz="1400" dirty="0" smtClean="0"/>
+                        <a:t>0.094+0.189+</a:t>
+                      </a:r>
+                      <a:br>
+                        <a:rPr lang="en-US" sz="1400" dirty="0" smtClean="0"/>
+                      </a:br>
+                      <a:r>
+                        <a:rPr lang="en-US" sz="1400" dirty="0" smtClean="0"/>
+                        <a:t>(-0.082)+(-0.103)+</a:t>
+                      </a:r>
+                      <a:br>
+                        <a:rPr lang="en-US" sz="1400" dirty="0" smtClean="0"/>
+                      </a:br>
+                      <a:r>
+                        <a:rPr lang="en-US" sz="1400" dirty="0" smtClean="0"/>
+                        <a:t>(-0.005)+(-0.003)+</a:t>
+                      </a:r>
+                      <a:br>
+                        <a:rPr lang="en-US" sz="1400" dirty="0" smtClean="0"/>
+                      </a:br>
+                      <a:r>
+                        <a:rPr lang="en-US" sz="1400" dirty="0" smtClean="0"/>
+                        <a:t>(0.002)+(-0.002) = 0.086 </a:t>
+                      </a:r>
+                    </a:p>
+                    <a:p>
+                      <a:pPr algn="r"/>
+                      <a:endParaRPr lang="en-US" sz="1400" dirty="0"/>
+                    </a:p>
+                  </a:txBody>
+                  <a:tcPr/>
+                </a:tc>
+                <a:tc>
+                  <a:txBody>
+                    <a:bodyPr/>
+                    <a:lstStyle/>
+                    <a:p>
+                      <a:pPr algn="r"/>
+                      <a:r>
+                        <a:rPr lang="en-US" sz="1400" dirty="0" smtClean="0"/>
+                        <a:t>-0.017-0.086 = </a:t>
+                      </a:r>
+                      <a:br>
+                        <a:rPr lang="en-US" sz="1400" dirty="0" smtClean="0"/>
+                      </a:br>
+                      <a:r>
+                        <a:rPr lang="en-US" sz="1400" dirty="0" smtClean="0"/>
+                        <a:t>-0.103</a:t>
+                      </a:r>
+                    </a:p>
+                    <a:p>
+                      <a:pPr algn="r"/>
+                      <a:endParaRPr lang="en-US" sz="1400" dirty="0"/>
+                    </a:p>
+                  </a:txBody>
+                  <a:tcPr/>
+                </a:tc>
+              </a:tr>
+            </a:tbl>
+          </a:graphicData>
+        </a:graphic>
+      </p:graphicFrame>
+    </p:spTree>
+    <p:extLst>
+      <p:ext uri="{BB962C8B-B14F-4D97-AF65-F5344CB8AC3E}">
+        <p14:creationId xmlns:p14="http://schemas.microsoft.com/office/powerpoint/2010/main" val="1061898471"/>
       </p:ext>
     </p:extLst>
   </p:cSld>
@@ -5308,4 +7604,289 @@
   <a:objectDefaults/>
   <a:extraClrSchemeLst/>
 </a:theme>
+</file>
+
+<file path=ppt/theme/theme2.xml><?xml version="1.0" encoding="utf-8"?>
+<a:theme xmlns:a="http://schemas.openxmlformats.org/drawingml/2006/main" name="Office Theme">
+  <a:themeElements>
+    <a:clrScheme name="Office">
+      <a:dk1>
+        <a:sysClr val="windowText" lastClr="000000"/>
+      </a:dk1>
+      <a:lt1>
+        <a:sysClr val="window" lastClr="FFFFFF"/>
+      </a:lt1>
+      <a:dk2>
+        <a:srgbClr val="1F497D"/>
+      </a:dk2>
+      <a:lt2>
+        <a:srgbClr val="EEECE1"/>
+      </a:lt2>
+      <a:accent1>
+        <a:srgbClr val="4F81BD"/>
+      </a:accent1>
+      <a:accent2>
+        <a:srgbClr val="C0504D"/>
+      </a:accent2>
+      <a:accent3>
+        <a:srgbClr val="9BBB59"/>
+      </a:accent3>
+      <a:accent4>
+        <a:srgbClr val="8064A2"/>
+      </a:accent4>
+      <a:accent5>
+        <a:srgbClr val="4BACC6"/>
+      </a:accent5>
+      <a:accent6>
+        <a:srgbClr val="F79646"/>
+      </a:accent6>
+      <a:hlink>
+        <a:srgbClr val="0000FF"/>
+      </a:hlink>
+      <a:folHlink>
+        <a:srgbClr val="800080"/>
+      </a:folHlink>
+    </a:clrScheme>
+    <a:fontScheme name="Office">
+      <a:majorFont>
+        <a:latin typeface="Calibri"/>
+        <a:ea typeface=""/>
+        <a:cs typeface=""/>
+        <a:font script="Jpan" typeface="ＭＳ Ｐゴシック"/>
+        <a:font script="Hang" typeface="맑은 고딕"/>
+        <a:font script="Hans" typeface="宋体"/>
+        <a:font script="Hant" typeface="新細明體"/>
+        <a:font script="Arab" typeface="Times New Roman"/>
+        <a:font script="Hebr" typeface="Times New Roman"/>
+        <a:font script="Thai" typeface="Angsana New"/>
+        <a:font script="Ethi" typeface="Nyala"/>
+        <a:font script="Beng" typeface="Vrinda"/>
+        <a:font script="Gujr" typeface="Shruti"/>
+        <a:font script="Khmr" typeface="MoolBoran"/>
+        <a:font script="Knda" typeface="Tunga"/>
+        <a:font script="Guru" typeface="Raavi"/>
+        <a:font script="Cans" typeface="Euphemia"/>
+        <a:font script="Cher" typeface="Plantagenet Cherokee"/>
+        <a:font script="Yiii" typeface="Microsoft Yi Baiti"/>
+        <a:font script="Tibt" typeface="Microsoft Himalaya"/>
+        <a:font script="Thaa" typeface="MV Boli"/>
+        <a:font script="Deva" typeface="Mangal"/>
+        <a:font script="Telu" typeface="Gautami"/>
+        <a:font script="Taml" typeface="Latha"/>
+        <a:font script="Syrc" typeface="Estrangelo Edessa"/>
+        <a:font script="Orya" typeface="Kalinga"/>
+        <a:font script="Mlym" typeface="Kartika"/>
+        <a:font script="Laoo" typeface="DokChampa"/>
+        <a:font script="Sinh" typeface="Iskoola Pota"/>
+        <a:font script="Mong" typeface="Mongolian Baiti"/>
+        <a:font script="Viet" typeface="Times New Roman"/>
+        <a:font script="Uigh" typeface="Microsoft Uighur"/>
+        <a:font script="Geor" typeface="Sylfaen"/>
+      </a:majorFont>
+      <a:minorFont>
+        <a:latin typeface="Calibri"/>
+        <a:ea typeface=""/>
+        <a:cs typeface=""/>
+        <a:font script="Jpan" typeface="ＭＳ Ｐゴシック"/>
+        <a:font script="Hang" typeface="맑은 고딕"/>
+        <a:font script="Hans" typeface="宋体"/>
+        <a:font script="Hant" typeface="新細明體"/>
+        <a:font script="Arab" typeface="Arial"/>
+        <a:font script="Hebr" typeface="Arial"/>
+        <a:font script="Thai" typeface="Cordia New"/>
+        <a:font script="Ethi" typeface="Nyala"/>
+        <a:font script="Beng" typeface="Vrinda"/>
+        <a:font script="Gujr" typeface="Shruti"/>
+        <a:font script="Khmr" typeface="DaunPenh"/>
+        <a:font script="Knda" typeface="Tunga"/>
+        <a:font script="Guru" typeface="Raavi"/>
+        <a:font script="Cans" typeface="Euphemia"/>
+        <a:font script="Cher" typeface="Plantagenet Cherokee"/>
+        <a:font script="Yiii" typeface="Microsoft Yi Baiti"/>
+        <a:font script="Tibt" typeface="Microsoft Himalaya"/>
+        <a:font script="Thaa" typeface="MV Boli"/>
+        <a:font script="Deva" typeface="Mangal"/>
+        <a:font script="Telu" typeface="Gautami"/>
+        <a:font script="Taml" typeface="Latha"/>
+        <a:font script="Syrc" typeface="Estrangelo Edessa"/>
+        <a:font script="Orya" typeface="Kalinga"/>
+        <a:font script="Mlym" typeface="Kartika"/>
+        <a:font script="Laoo" typeface="DokChampa"/>
+        <a:font script="Sinh" typeface="Iskoola Pota"/>
+        <a:font script="Mong" typeface="Mongolian Baiti"/>
+        <a:font script="Viet" typeface="Arial"/>
+        <a:font script="Uigh" typeface="Microsoft Uighur"/>
+        <a:font script="Geor" typeface="Sylfaen"/>
+      </a:minorFont>
+    </a:fontScheme>
+    <a:fmtScheme name="Office">
+      <a:fillStyleLst>
+        <a:solidFill>
+          <a:schemeClr val="phClr"/>
+        </a:solidFill>
+        <a:gradFill rotWithShape="1">
+          <a:gsLst>
+            <a:gs pos="0">
+              <a:schemeClr val="phClr">
+                <a:tint val="50000"/>
+                <a:satMod val="300000"/>
+              </a:schemeClr>
+            </a:gs>
+            <a:gs pos="35000">
+              <a:schemeClr val="phClr">
+                <a:tint val="37000"/>
+                <a:satMod val="300000"/>
+              </a:schemeClr>
+            </a:gs>
+            <a:gs pos="100000">
+              <a:schemeClr val="phClr">
+                <a:tint val="15000"/>
+                <a:satMod val="350000"/>
+              </a:schemeClr>
+            </a:gs>
+          </a:gsLst>
+          <a:lin ang="16200000" scaled="1"/>
+        </a:gradFill>
+        <a:gradFill rotWithShape="1">
+          <a:gsLst>
+            <a:gs pos="0">
+              <a:schemeClr val="phClr">
+                <a:shade val="51000"/>
+                <a:satMod val="130000"/>
+              </a:schemeClr>
+            </a:gs>
+            <a:gs pos="80000">
+              <a:schemeClr val="phClr">
+                <a:shade val="93000"/>
+                <a:satMod val="130000"/>
+              </a:schemeClr>
+            </a:gs>
+            <a:gs pos="100000">
+              <a:schemeClr val="phClr">
+                <a:shade val="94000"/>
+                <a:satMod val="135000"/>
+              </a:schemeClr>
+            </a:gs>
+          </a:gsLst>
+          <a:lin ang="16200000" scaled="0"/>
+        </a:gradFill>
+      </a:fillStyleLst>
+      <a:lnStyleLst>
+        <a:ln w="9525" cap="flat" cmpd="sng" algn="ctr">
+          <a:solidFill>
+            <a:schemeClr val="phClr">
+              <a:shade val="95000"/>
+              <a:satMod val="105000"/>
+            </a:schemeClr>
+          </a:solidFill>
+          <a:prstDash val="solid"/>
+        </a:ln>
+        <a:ln w="25400" cap="flat" cmpd="sng" algn="ctr">
+          <a:solidFill>
+            <a:schemeClr val="phClr"/>
+          </a:solidFill>
+          <a:prstDash val="solid"/>
+        </a:ln>
+        <a:ln w="38100" cap="flat" cmpd="sng" algn="ctr">
+          <a:solidFill>
+            <a:schemeClr val="phClr"/>
+          </a:solidFill>
+          <a:prstDash val="solid"/>
+        </a:ln>
+      </a:lnStyleLst>
+      <a:effectStyleLst>
+        <a:effectStyle>
+          <a:effectLst>
+            <a:outerShdw blurRad="40000" dist="20000" dir="5400000" rotWithShape="0">
+              <a:srgbClr val="000000">
+                <a:alpha val="38000"/>
+              </a:srgbClr>
+            </a:outerShdw>
+          </a:effectLst>
+        </a:effectStyle>
+        <a:effectStyle>
+          <a:effectLst>
+            <a:outerShdw blurRad="40000" dist="23000" dir="5400000" rotWithShape="0">
+              <a:srgbClr val="000000">
+                <a:alpha val="35000"/>
+              </a:srgbClr>
+            </a:outerShdw>
+          </a:effectLst>
+        </a:effectStyle>
+        <a:effectStyle>
+          <a:effectLst>
+            <a:outerShdw blurRad="40000" dist="23000" dir="5400000" rotWithShape="0">
+              <a:srgbClr val="000000">
+                <a:alpha val="35000"/>
+              </a:srgbClr>
+            </a:outerShdw>
+          </a:effectLst>
+          <a:scene3d>
+            <a:camera prst="orthographicFront">
+              <a:rot lat="0" lon="0" rev="0"/>
+            </a:camera>
+            <a:lightRig rig="threePt" dir="t">
+              <a:rot lat="0" lon="0" rev="1200000"/>
+            </a:lightRig>
+          </a:scene3d>
+          <a:sp3d>
+            <a:bevelT w="63500" h="25400"/>
+          </a:sp3d>
+        </a:effectStyle>
+      </a:effectStyleLst>
+      <a:bgFillStyleLst>
+        <a:solidFill>
+          <a:schemeClr val="phClr"/>
+        </a:solidFill>
+        <a:gradFill rotWithShape="1">
+          <a:gsLst>
+            <a:gs pos="0">
+              <a:schemeClr val="phClr">
+                <a:tint val="40000"/>
+                <a:satMod val="350000"/>
+              </a:schemeClr>
+            </a:gs>
+            <a:gs pos="40000">
+              <a:schemeClr val="phClr">
+                <a:tint val="45000"/>
+                <a:shade val="99000"/>
+                <a:satMod val="350000"/>
+              </a:schemeClr>
+            </a:gs>
+            <a:gs pos="100000">
+              <a:schemeClr val="phClr">
+                <a:shade val="20000"/>
+                <a:satMod val="255000"/>
+              </a:schemeClr>
+            </a:gs>
+          </a:gsLst>
+          <a:path path="circle">
+            <a:fillToRect l="50000" t="-80000" r="50000" b="180000"/>
+          </a:path>
+        </a:gradFill>
+        <a:gradFill rotWithShape="1">
+          <a:gsLst>
+            <a:gs pos="0">
+              <a:schemeClr val="phClr">
+                <a:tint val="80000"/>
+                <a:satMod val="300000"/>
+              </a:schemeClr>
+            </a:gs>
+            <a:gs pos="100000">
+              <a:schemeClr val="phClr">
+                <a:shade val="30000"/>
+                <a:satMod val="200000"/>
+              </a:schemeClr>
+            </a:gs>
+          </a:gsLst>
+          <a:path path="circle">
+            <a:fillToRect l="50000" t="50000" r="50000" b="50000"/>
+          </a:path>
+        </a:gradFill>
+      </a:bgFillStyleLst>
+    </a:fmtScheme>
+  </a:themeElements>
+  <a:objectDefaults/>
+  <a:extraClrSchemeLst/>
+</a:theme>
 </file>